--- a/Detección de anomalias/Deteccion_Anomalias.pptx
+++ b/Detección de anomalias/Deteccion_Anomalias.pptx
@@ -5,7 +5,7 @@
     <p:sldMasterId id="2147483648" r:id="rId4"/>
   </p:sldMasterIdLst>
   <p:notesMasterIdLst>
-    <p:notesMasterId r:id="rId35"/>
+    <p:notesMasterId r:id="rId38"/>
   </p:notesMasterIdLst>
   <p:sldIdLst>
     <p:sldId id="1053" r:id="rId5"/>
@@ -38,6 +38,9 @@
     <p:sldId id="2045" r:id="rId32"/>
     <p:sldId id="2047" r:id="rId33"/>
     <p:sldId id="2046" r:id="rId34"/>
+    <p:sldId id="2048" r:id="rId35"/>
+    <p:sldId id="2049" r:id="rId36"/>
+    <p:sldId id="2050" r:id="rId37"/>
   </p:sldIdLst>
   <p:sldSz cx="12192000" cy="6858000"/>
   <p:notesSz cx="6858000" cy="9144000"/>
@@ -226,7 +229,7 @@
           <a:p>
             <a:fld id="{07137309-841B-4FAF-8A3D-91895DDA146A}" type="datetimeFigureOut">
               <a:rPr lang="es-ES" smtClean="0"/>
-              <a:t>01/03/2022</a:t>
+              <a:t>07/03/2022</a:t>
             </a:fld>
             <a:endParaRPr lang="es-ES"/>
           </a:p>
@@ -729,7 +732,7 @@
           <a:p>
             <a:fld id="{F6F12AAF-955C-4FB4-AD7F-241CD6BFE109}" type="datetimeFigureOut">
               <a:rPr lang="es-ES" smtClean="0"/>
-              <a:t>01/03/2022</a:t>
+              <a:t>07/03/2022</a:t>
             </a:fld>
             <a:endParaRPr lang="es-ES" dirty="0"/>
           </a:p>
@@ -927,7 +930,7 @@
           <a:p>
             <a:fld id="{F6F12AAF-955C-4FB4-AD7F-241CD6BFE109}" type="datetimeFigureOut">
               <a:rPr lang="es-ES" smtClean="0"/>
-              <a:t>01/03/2022</a:t>
+              <a:t>07/03/2022</a:t>
             </a:fld>
             <a:endParaRPr lang="es-ES" dirty="0"/>
           </a:p>
@@ -1135,7 +1138,7 @@
           <a:p>
             <a:fld id="{F6F12AAF-955C-4FB4-AD7F-241CD6BFE109}" type="datetimeFigureOut">
               <a:rPr lang="es-ES" smtClean="0"/>
-              <a:t>01/03/2022</a:t>
+              <a:t>07/03/2022</a:t>
             </a:fld>
             <a:endParaRPr lang="es-ES" dirty="0"/>
           </a:p>
@@ -1505,7 +1508,7 @@
           <a:p>
             <a:fld id="{F6F12AAF-955C-4FB4-AD7F-241CD6BFE109}" type="datetimeFigureOut">
               <a:rPr lang="es-ES" smtClean="0"/>
-              <a:t>01/03/2022</a:t>
+              <a:t>07/03/2022</a:t>
             </a:fld>
             <a:endParaRPr lang="es-ES" dirty="0"/>
           </a:p>
@@ -1780,7 +1783,7 @@
           <a:p>
             <a:fld id="{F6F12AAF-955C-4FB4-AD7F-241CD6BFE109}" type="datetimeFigureOut">
               <a:rPr lang="es-ES" smtClean="0"/>
-              <a:t>01/03/2022</a:t>
+              <a:t>07/03/2022</a:t>
             </a:fld>
             <a:endParaRPr lang="es-ES" dirty="0"/>
           </a:p>
@@ -2045,7 +2048,7 @@
           <a:p>
             <a:fld id="{F6F12AAF-955C-4FB4-AD7F-241CD6BFE109}" type="datetimeFigureOut">
               <a:rPr lang="es-ES" smtClean="0"/>
-              <a:t>01/03/2022</a:t>
+              <a:t>07/03/2022</a:t>
             </a:fld>
             <a:endParaRPr lang="es-ES" dirty="0"/>
           </a:p>
@@ -2457,7 +2460,7 @@
           <a:p>
             <a:fld id="{F6F12AAF-955C-4FB4-AD7F-241CD6BFE109}" type="datetimeFigureOut">
               <a:rPr lang="es-ES" smtClean="0"/>
-              <a:t>01/03/2022</a:t>
+              <a:t>07/03/2022</a:t>
             </a:fld>
             <a:endParaRPr lang="es-ES" dirty="0"/>
           </a:p>
@@ -2598,7 +2601,7 @@
           <a:p>
             <a:fld id="{F6F12AAF-955C-4FB4-AD7F-241CD6BFE109}" type="datetimeFigureOut">
               <a:rPr lang="es-ES" smtClean="0"/>
-              <a:t>01/03/2022</a:t>
+              <a:t>07/03/2022</a:t>
             </a:fld>
             <a:endParaRPr lang="es-ES" dirty="0"/>
           </a:p>
@@ -2711,7 +2714,7 @@
           <a:p>
             <a:fld id="{F6F12AAF-955C-4FB4-AD7F-241CD6BFE109}" type="datetimeFigureOut">
               <a:rPr lang="es-ES" smtClean="0"/>
-              <a:t>01/03/2022</a:t>
+              <a:t>07/03/2022</a:t>
             </a:fld>
             <a:endParaRPr lang="es-ES" dirty="0"/>
           </a:p>
@@ -3022,7 +3025,7 @@
           <a:p>
             <a:fld id="{F6F12AAF-955C-4FB4-AD7F-241CD6BFE109}" type="datetimeFigureOut">
               <a:rPr lang="es-ES" smtClean="0"/>
-              <a:t>01/03/2022</a:t>
+              <a:t>07/03/2022</a:t>
             </a:fld>
             <a:endParaRPr lang="es-ES" dirty="0"/>
           </a:p>
@@ -3310,7 +3313,7 @@
           <a:p>
             <a:fld id="{F6F12AAF-955C-4FB4-AD7F-241CD6BFE109}" type="datetimeFigureOut">
               <a:rPr lang="es-ES" smtClean="0"/>
-              <a:t>01/03/2022</a:t>
+              <a:t>07/03/2022</a:t>
             </a:fld>
             <a:endParaRPr lang="es-ES" dirty="0"/>
           </a:p>
@@ -3551,7 +3554,7 @@
           <a:p>
             <a:fld id="{F6F12AAF-955C-4FB4-AD7F-241CD6BFE109}" type="datetimeFigureOut">
               <a:rPr lang="es-ES" smtClean="0"/>
-              <a:t>01/03/2022</a:t>
+              <a:t>07/03/2022</a:t>
             </a:fld>
             <a:endParaRPr lang="es-ES" dirty="0"/>
           </a:p>
@@ -9982,6 +9985,971 @@
     <p:extLst>
       <p:ext uri="{BB962C8B-B14F-4D97-AF65-F5344CB8AC3E}">
         <p14:creationId xmlns:p14="http://schemas.microsoft.com/office/powerpoint/2010/main" val="402061664"/>
+      </p:ext>
+    </p:extLst>
+  </p:cSld>
+  <p:clrMapOvr>
+    <a:masterClrMapping/>
+  </p:clrMapOvr>
+</p:sld>
+</file>
+
+<file path=ppt/slides/slide31.xml><?xml version="1.0" encoding="utf-8"?>
+<p:sld xmlns:a="http://schemas.openxmlformats.org/drawingml/2006/main" xmlns:r="http://schemas.openxmlformats.org/officeDocument/2006/relationships" xmlns:p="http://schemas.openxmlformats.org/presentationml/2006/main">
+  <p:cSld>
+    <p:spTree>
+      <p:nvGrpSpPr>
+        <p:cNvPr id="1" name=""/>
+        <p:cNvGrpSpPr/>
+        <p:nvPr/>
+      </p:nvGrpSpPr>
+      <p:grpSpPr>
+        <a:xfrm>
+          <a:off x="0" y="0"/>
+          <a:ext cx="0" cy="0"/>
+          <a:chOff x="0" y="0"/>
+          <a:chExt cx="0" cy="0"/>
+        </a:xfrm>
+      </p:grpSpPr>
+      <p:sp>
+        <p:nvSpPr>
+          <p:cNvPr id="24" name="CuadroTexto 23">
+            <a:extLst>
+              <a:ext uri="{FF2B5EF4-FFF2-40B4-BE49-F238E27FC236}">
+                <a16:creationId xmlns:a16="http://schemas.microsoft.com/office/drawing/2014/main" id="{D35DB95D-2EA7-4D4E-8BF8-C4DDBAD8865C}"/>
+              </a:ext>
+            </a:extLst>
+          </p:cNvPr>
+          <p:cNvSpPr txBox="1"/>
+          <p:nvPr/>
+        </p:nvSpPr>
+        <p:spPr>
+          <a:xfrm>
+            <a:off x="615992" y="327637"/>
+            <a:ext cx="6708888" cy="584775"/>
+          </a:xfrm>
+          <a:prstGeom prst="rect">
+            <a:avLst/>
+          </a:prstGeom>
+          <a:noFill/>
+        </p:spPr>
+        <p:txBody>
+          <a:bodyPr wrap="none" rtlCol="0">
+            <a:spAutoFit/>
+          </a:bodyPr>
+          <a:lstStyle/>
+          <a:p>
+            <a:r>
+              <a:rPr lang="es-ES" sz="3200" b="1" dirty="0">
+                <a:solidFill>
+                  <a:srgbClr val="E6007E"/>
+                </a:solidFill>
+                <a:latin typeface="Myriad Pro" panose="020B0503030403020204" pitchFamily="34" charset="0"/>
+              </a:rPr>
+              <a:t>EDA (Analisis exploratorio de datos)</a:t>
+            </a:r>
+            <a:endParaRPr lang="es-ES" sz="3200" b="1" dirty="0">
+              <a:latin typeface="Myriad Pro" panose="020B0503030403020204" pitchFamily="34" charset="0"/>
+            </a:endParaRPr>
+          </a:p>
+        </p:txBody>
+      </p:sp>
+      <p:sp>
+        <p:nvSpPr>
+          <p:cNvPr id="2" name="Rectángulo 1">
+            <a:extLst>
+              <a:ext uri="{FF2B5EF4-FFF2-40B4-BE49-F238E27FC236}">
+                <a16:creationId xmlns:a16="http://schemas.microsoft.com/office/drawing/2014/main" id="{F948C7DC-97B9-49AB-B8D7-BCBBEC90362A}"/>
+              </a:ext>
+            </a:extLst>
+          </p:cNvPr>
+          <p:cNvSpPr/>
+          <p:nvPr/>
+        </p:nvSpPr>
+        <p:spPr>
+          <a:xfrm>
+            <a:off x="615991" y="1214539"/>
+            <a:ext cx="11351107" cy="3334439"/>
+          </a:xfrm>
+          <a:prstGeom prst="rect">
+            <a:avLst/>
+          </a:prstGeom>
+        </p:spPr>
+        <p:txBody>
+          <a:bodyPr wrap="square">
+            <a:spAutoFit/>
+          </a:bodyPr>
+          <a:lstStyle/>
+          <a:p>
+            <a:pPr algn="just">
+              <a:lnSpc>
+                <a:spcPct val="200000"/>
+              </a:lnSpc>
+            </a:pPr>
+            <a:r>
+              <a:rPr lang="es-ES" b="1" dirty="0" err="1">
+                <a:solidFill>
+                  <a:srgbClr val="212121"/>
+                </a:solidFill>
+                <a:latin typeface="Myriad Pro" panose="020B0503030403020204" pitchFamily="34" charset="0"/>
+              </a:rPr>
+              <a:t>Exploratory</a:t>
+            </a:r>
+            <a:r>
+              <a:rPr lang="es-ES" b="1" dirty="0">
+                <a:solidFill>
+                  <a:srgbClr val="212121"/>
+                </a:solidFill>
+                <a:latin typeface="Myriad Pro" panose="020B0503030403020204" pitchFamily="34" charset="0"/>
+              </a:rPr>
+              <a:t> Data </a:t>
+            </a:r>
+            <a:r>
+              <a:rPr lang="es-ES" b="1" dirty="0" err="1">
+                <a:solidFill>
+                  <a:srgbClr val="212121"/>
+                </a:solidFill>
+                <a:latin typeface="Myriad Pro" panose="020B0503030403020204" pitchFamily="34" charset="0"/>
+              </a:rPr>
+              <a:t>Analysis</a:t>
+            </a:r>
+            <a:r>
+              <a:rPr lang="es-ES" dirty="0">
+                <a:solidFill>
+                  <a:srgbClr val="212121"/>
+                </a:solidFill>
+                <a:latin typeface="Myriad Pro" panose="020B0503030403020204" pitchFamily="34" charset="0"/>
+              </a:rPr>
+              <a:t>, por sus siglas en inglés, es el proceso a través del cual se genera una primera impresión de los datos, se explora el tipo de información que contienen (categorías, números, etc.), su distribución y variación, se buscan patrones y anomalías, y se testean hipótesis a través de resúmenes estadísticos o representaciones gráficas.</a:t>
+            </a:r>
+          </a:p>
+          <a:p>
+            <a:pPr algn="just">
+              <a:lnSpc>
+                <a:spcPct val="200000"/>
+              </a:lnSpc>
+            </a:pPr>
+            <a:endParaRPr lang="es-ES" dirty="0">
+              <a:solidFill>
+                <a:srgbClr val="212121"/>
+              </a:solidFill>
+              <a:latin typeface="Myriad Pro" panose="020B0503030403020204" pitchFamily="34" charset="0"/>
+            </a:endParaRPr>
+          </a:p>
+          <a:p>
+            <a:pPr>
+              <a:lnSpc>
+                <a:spcPct val="200000"/>
+              </a:lnSpc>
+            </a:pPr>
+            <a:r>
+              <a:rPr lang="es-ES" dirty="0">
+                <a:solidFill>
+                  <a:srgbClr val="212121"/>
+                </a:solidFill>
+                <a:latin typeface="Myriad Pro" panose="020B0503030403020204" pitchFamily="34" charset="0"/>
+              </a:rPr>
+              <a:t>Normalmente esta tarea comienza con una explicación del problema, unos datos procedentes</a:t>
+            </a:r>
+          </a:p>
+          <a:p>
+            <a:pPr>
+              <a:lnSpc>
+                <a:spcPct val="200000"/>
+              </a:lnSpc>
+            </a:pPr>
+            <a:r>
+              <a:rPr lang="es-ES" dirty="0">
+                <a:solidFill>
+                  <a:srgbClr val="212121"/>
+                </a:solidFill>
+                <a:latin typeface="Myriad Pro" panose="020B0503030403020204" pitchFamily="34" charset="0"/>
+              </a:rPr>
+              <a:t>del cliente o del problema objeto de análisis y un objetivo claro y conciso para realizar el estudio</a:t>
+            </a:r>
+            <a:r>
+              <a:rPr lang="es-ES" dirty="0">
+                <a:solidFill>
+                  <a:srgbClr val="212121"/>
+                </a:solidFill>
+                <a:latin typeface="Roboto"/>
+              </a:rPr>
+              <a:t>.</a:t>
+            </a:r>
+          </a:p>
+        </p:txBody>
+      </p:sp>
+    </p:spTree>
+    <p:extLst>
+      <p:ext uri="{BB962C8B-B14F-4D97-AF65-F5344CB8AC3E}">
+        <p14:creationId xmlns:p14="http://schemas.microsoft.com/office/powerpoint/2010/main" val="465848557"/>
+      </p:ext>
+    </p:extLst>
+  </p:cSld>
+  <p:clrMapOvr>
+    <a:masterClrMapping/>
+  </p:clrMapOvr>
+</p:sld>
+</file>
+
+<file path=ppt/slides/slide32.xml><?xml version="1.0" encoding="utf-8"?>
+<p:sld xmlns:a="http://schemas.openxmlformats.org/drawingml/2006/main" xmlns:r="http://schemas.openxmlformats.org/officeDocument/2006/relationships" xmlns:p="http://schemas.openxmlformats.org/presentationml/2006/main">
+  <p:cSld>
+    <p:spTree>
+      <p:nvGrpSpPr>
+        <p:cNvPr id="1" name=""/>
+        <p:cNvGrpSpPr/>
+        <p:nvPr/>
+      </p:nvGrpSpPr>
+      <p:grpSpPr>
+        <a:xfrm>
+          <a:off x="0" y="0"/>
+          <a:ext cx="0" cy="0"/>
+          <a:chOff x="0" y="0"/>
+          <a:chExt cx="0" cy="0"/>
+        </a:xfrm>
+      </p:grpSpPr>
+      <p:sp>
+        <p:nvSpPr>
+          <p:cNvPr id="24" name="CuadroTexto 23">
+            <a:extLst>
+              <a:ext uri="{FF2B5EF4-FFF2-40B4-BE49-F238E27FC236}">
+                <a16:creationId xmlns:a16="http://schemas.microsoft.com/office/drawing/2014/main" id="{D35DB95D-2EA7-4D4E-8BF8-C4DDBAD8865C}"/>
+              </a:ext>
+            </a:extLst>
+          </p:cNvPr>
+          <p:cNvSpPr txBox="1"/>
+          <p:nvPr/>
+        </p:nvSpPr>
+        <p:spPr>
+          <a:xfrm>
+            <a:off x="615992" y="327637"/>
+            <a:ext cx="6708888" cy="584775"/>
+          </a:xfrm>
+          <a:prstGeom prst="rect">
+            <a:avLst/>
+          </a:prstGeom>
+          <a:noFill/>
+        </p:spPr>
+        <p:txBody>
+          <a:bodyPr wrap="none" rtlCol="0">
+            <a:spAutoFit/>
+          </a:bodyPr>
+          <a:lstStyle/>
+          <a:p>
+            <a:r>
+              <a:rPr lang="es-ES" sz="3200" b="1" dirty="0">
+                <a:solidFill>
+                  <a:srgbClr val="E6007E"/>
+                </a:solidFill>
+                <a:latin typeface="Myriad Pro" panose="020B0503030403020204" pitchFamily="34" charset="0"/>
+              </a:rPr>
+              <a:t>EDA (Analisis exploratorio de datos)</a:t>
+            </a:r>
+            <a:endParaRPr lang="es-ES" sz="3200" b="1" dirty="0">
+              <a:latin typeface="Myriad Pro" panose="020B0503030403020204" pitchFamily="34" charset="0"/>
+            </a:endParaRPr>
+          </a:p>
+        </p:txBody>
+      </p:sp>
+      <p:sp>
+        <p:nvSpPr>
+          <p:cNvPr id="3" name="Rectángulo 2">
+            <a:extLst>
+              <a:ext uri="{FF2B5EF4-FFF2-40B4-BE49-F238E27FC236}">
+                <a16:creationId xmlns:a16="http://schemas.microsoft.com/office/drawing/2014/main" id="{F31D718F-9982-4551-8515-BE2F342DA648}"/>
+              </a:ext>
+            </a:extLst>
+          </p:cNvPr>
+          <p:cNvSpPr/>
+          <p:nvPr/>
+        </p:nvSpPr>
+        <p:spPr>
+          <a:xfrm>
+            <a:off x="615992" y="1228397"/>
+            <a:ext cx="11981422" cy="4468980"/>
+          </a:xfrm>
+          <a:prstGeom prst="rect">
+            <a:avLst/>
+          </a:prstGeom>
+        </p:spPr>
+        <p:txBody>
+          <a:bodyPr wrap="square">
+            <a:spAutoFit/>
+          </a:bodyPr>
+          <a:lstStyle/>
+          <a:p>
+            <a:pPr>
+              <a:lnSpc>
+                <a:spcPct val="150000"/>
+              </a:lnSpc>
+              <a:buFont typeface="Arial" panose="020B0604020202020204" pitchFamily="34" charset="0"/>
+              <a:buChar char="•"/>
+            </a:pPr>
+            <a:r>
+              <a:rPr lang="es-ES" sz="1400" dirty="0">
+                <a:solidFill>
+                  <a:srgbClr val="212121"/>
+                </a:solidFill>
+                <a:latin typeface="Myriad Pro" panose="020B0503030403020204" pitchFamily="34" charset="0"/>
+              </a:rPr>
+              <a:t>¿Cuántos registros hay?</a:t>
+            </a:r>
+          </a:p>
+          <a:p>
+            <a:pPr lvl="1">
+              <a:lnSpc>
+                <a:spcPct val="150000"/>
+              </a:lnSpc>
+              <a:buFont typeface="Arial" panose="020B0604020202020204" pitchFamily="34" charset="0"/>
+              <a:buChar char="•"/>
+            </a:pPr>
+            <a:r>
+              <a:rPr lang="es-ES" sz="1400" dirty="0">
+                <a:solidFill>
+                  <a:srgbClr val="212121"/>
+                </a:solidFill>
+                <a:latin typeface="Myriad Pro" panose="020B0503030403020204" pitchFamily="34" charset="0"/>
+              </a:rPr>
+              <a:t>¿Son demasiado pocos?</a:t>
+            </a:r>
+          </a:p>
+          <a:p>
+            <a:pPr lvl="1">
+              <a:lnSpc>
+                <a:spcPct val="150000"/>
+              </a:lnSpc>
+              <a:buFont typeface="Arial" panose="020B0604020202020204" pitchFamily="34" charset="0"/>
+              <a:buChar char="•"/>
+            </a:pPr>
+            <a:r>
+              <a:rPr lang="es-ES" sz="1400" dirty="0">
+                <a:solidFill>
+                  <a:srgbClr val="212121"/>
+                </a:solidFill>
+                <a:latin typeface="Myriad Pro" panose="020B0503030403020204" pitchFamily="34" charset="0"/>
+              </a:rPr>
+              <a:t>¿Son muchos y no tenemos Capacidad (CPU+RAM) suficiente para procesarlo?</a:t>
+            </a:r>
+          </a:p>
+          <a:p>
+            <a:pPr>
+              <a:lnSpc>
+                <a:spcPct val="150000"/>
+              </a:lnSpc>
+              <a:buFont typeface="Arial" panose="020B0604020202020204" pitchFamily="34" charset="0"/>
+              <a:buChar char="•"/>
+            </a:pPr>
+            <a:r>
+              <a:rPr lang="es-ES" sz="1400" dirty="0">
+                <a:solidFill>
+                  <a:srgbClr val="212121"/>
+                </a:solidFill>
+                <a:latin typeface="Myriad Pro" panose="020B0503030403020204" pitchFamily="34" charset="0"/>
+              </a:rPr>
+              <a:t>¿Están todas las filas completas </a:t>
+            </a:r>
+            <a:r>
+              <a:rPr lang="es-ES" sz="1400" dirty="0" err="1">
+                <a:solidFill>
+                  <a:srgbClr val="212121"/>
+                </a:solidFill>
+                <a:latin typeface="Myriad Pro" panose="020B0503030403020204" pitchFamily="34" charset="0"/>
+              </a:rPr>
+              <a:t>ó</a:t>
+            </a:r>
+            <a:r>
+              <a:rPr lang="es-ES" sz="1400" dirty="0">
+                <a:solidFill>
+                  <a:srgbClr val="212121"/>
+                </a:solidFill>
+                <a:latin typeface="Myriad Pro" panose="020B0503030403020204" pitchFamily="34" charset="0"/>
+              </a:rPr>
+              <a:t> tenemos campos con valores nulos? En caso que haya demasiados nulos:</a:t>
+            </a:r>
+          </a:p>
+          <a:p>
+            <a:pPr marL="742950" lvl="1" indent="-285750">
+              <a:lnSpc>
+                <a:spcPct val="150000"/>
+              </a:lnSpc>
+              <a:buFont typeface="Arial" panose="020B0604020202020204" pitchFamily="34" charset="0"/>
+              <a:buChar char="•"/>
+            </a:pPr>
+            <a:r>
+              <a:rPr lang="es-ES" sz="1400" dirty="0">
+                <a:solidFill>
+                  <a:srgbClr val="212121"/>
+                </a:solidFill>
+                <a:latin typeface="Myriad Pro" panose="020B0503030403020204" pitchFamily="34" charset="0"/>
+              </a:rPr>
+              <a:t>¿Queda el resto de información inútil?</a:t>
+            </a:r>
+          </a:p>
+          <a:p>
+            <a:pPr marL="742950" lvl="1" indent="-285750">
+              <a:lnSpc>
+                <a:spcPct val="150000"/>
+              </a:lnSpc>
+              <a:buFont typeface="Arial" panose="020B0604020202020204" pitchFamily="34" charset="0"/>
+              <a:buChar char="•"/>
+            </a:pPr>
+            <a:r>
+              <a:rPr lang="es-ES" sz="1400" dirty="0">
+                <a:solidFill>
+                  <a:srgbClr val="212121"/>
+                </a:solidFill>
+                <a:latin typeface="Myriad Pro" panose="020B0503030403020204" pitchFamily="34" charset="0"/>
+              </a:rPr>
+              <a:t>¿Que datos son discretos y cuales continuos?</a:t>
+            </a:r>
+          </a:p>
+          <a:p>
+            <a:pPr>
+              <a:lnSpc>
+                <a:spcPct val="150000"/>
+              </a:lnSpc>
+              <a:buFont typeface="Arial" panose="020B0604020202020204" pitchFamily="34" charset="0"/>
+              <a:buChar char="•"/>
+            </a:pPr>
+            <a:r>
+              <a:rPr lang="es-ES" sz="1400" dirty="0">
+                <a:solidFill>
+                  <a:srgbClr val="212121"/>
+                </a:solidFill>
+                <a:latin typeface="Myriad Pro" panose="020B0503030403020204" pitchFamily="34" charset="0"/>
+              </a:rPr>
+              <a:t>Muchas veces sirve obtener el tipo de datos: texto, </a:t>
+            </a:r>
+            <a:r>
+              <a:rPr lang="es-ES" sz="1400" dirty="0" err="1">
+                <a:solidFill>
+                  <a:srgbClr val="212121"/>
+                </a:solidFill>
+                <a:latin typeface="Myriad Pro" panose="020B0503030403020204" pitchFamily="34" charset="0"/>
+              </a:rPr>
+              <a:t>int</a:t>
+            </a:r>
+            <a:r>
+              <a:rPr lang="es-ES" sz="1400" dirty="0">
+                <a:solidFill>
+                  <a:srgbClr val="212121"/>
+                </a:solidFill>
+                <a:latin typeface="Myriad Pro" panose="020B0503030403020204" pitchFamily="34" charset="0"/>
+              </a:rPr>
+              <a:t>, </a:t>
+            </a:r>
+            <a:r>
+              <a:rPr lang="es-ES" sz="1400" dirty="0" err="1">
+                <a:solidFill>
+                  <a:srgbClr val="212121"/>
+                </a:solidFill>
+                <a:latin typeface="Myriad Pro" panose="020B0503030403020204" pitchFamily="34" charset="0"/>
+              </a:rPr>
+              <a:t>double</a:t>
+            </a:r>
+            <a:r>
+              <a:rPr lang="es-ES" sz="1400" dirty="0">
+                <a:solidFill>
+                  <a:srgbClr val="212121"/>
+                </a:solidFill>
+                <a:latin typeface="Myriad Pro" panose="020B0503030403020204" pitchFamily="34" charset="0"/>
+              </a:rPr>
+              <a:t>, </a:t>
+            </a:r>
+            <a:r>
+              <a:rPr lang="es-ES" sz="1400" dirty="0" err="1">
+                <a:solidFill>
+                  <a:srgbClr val="212121"/>
+                </a:solidFill>
+                <a:latin typeface="Myriad Pro" panose="020B0503030403020204" pitchFamily="34" charset="0"/>
+              </a:rPr>
+              <a:t>float</a:t>
+            </a:r>
+            <a:endParaRPr lang="es-ES" sz="1400" dirty="0">
+              <a:solidFill>
+                <a:srgbClr val="212121"/>
+              </a:solidFill>
+              <a:latin typeface="Myriad Pro" panose="020B0503030403020204" pitchFamily="34" charset="0"/>
+            </a:endParaRPr>
+          </a:p>
+          <a:p>
+            <a:pPr>
+              <a:buFont typeface="Arial" panose="020B0604020202020204" pitchFamily="34" charset="0"/>
+              <a:buChar char="•"/>
+            </a:pPr>
+            <a:endParaRPr lang="es-ES" sz="1400" dirty="0">
+              <a:solidFill>
+                <a:srgbClr val="212121"/>
+              </a:solidFill>
+              <a:latin typeface="Myriad Pro" panose="020B0503030403020204" pitchFamily="34" charset="0"/>
+            </a:endParaRPr>
+          </a:p>
+          <a:p>
+            <a:pPr>
+              <a:lnSpc>
+                <a:spcPct val="150000"/>
+              </a:lnSpc>
+            </a:pPr>
+            <a:r>
+              <a:rPr lang="es-ES" sz="1400" dirty="0">
+                <a:solidFill>
+                  <a:srgbClr val="212121"/>
+                </a:solidFill>
+                <a:latin typeface="Myriad Pro" panose="020B0503030403020204" pitchFamily="34" charset="0"/>
+              </a:rPr>
+              <a:t>Si es un problema de tipo supervisado:</a:t>
+            </a:r>
+          </a:p>
+          <a:p>
+            <a:pPr lvl="1">
+              <a:lnSpc>
+                <a:spcPct val="150000"/>
+              </a:lnSpc>
+              <a:buFont typeface="Arial" panose="020B0604020202020204" pitchFamily="34" charset="0"/>
+              <a:buChar char="•"/>
+            </a:pPr>
+            <a:r>
+              <a:rPr lang="es-ES" sz="1400" dirty="0">
+                <a:solidFill>
+                  <a:srgbClr val="212121"/>
+                </a:solidFill>
+                <a:latin typeface="Myriad Pro" panose="020B0503030403020204" pitchFamily="34" charset="0"/>
+              </a:rPr>
+              <a:t>¿Cuál es la columna de “salida”? ¿binaria, multiclase?</a:t>
+            </a:r>
+          </a:p>
+          <a:p>
+            <a:pPr lvl="1">
+              <a:lnSpc>
+                <a:spcPct val="150000"/>
+              </a:lnSpc>
+              <a:buFont typeface="Arial" panose="020B0604020202020204" pitchFamily="34" charset="0"/>
+              <a:buChar char="•"/>
+            </a:pPr>
+            <a:r>
+              <a:rPr lang="es-ES" sz="1400" dirty="0">
+                <a:solidFill>
+                  <a:srgbClr val="212121"/>
+                </a:solidFill>
+                <a:latin typeface="Myriad Pro" panose="020B0503030403020204" pitchFamily="34" charset="0"/>
+              </a:rPr>
+              <a:t>¿Esta balanceado el conjunto salida?</a:t>
+            </a:r>
+          </a:p>
+          <a:p>
+            <a:pPr lvl="1">
+              <a:lnSpc>
+                <a:spcPct val="150000"/>
+              </a:lnSpc>
+              <a:buFont typeface="Arial" panose="020B0604020202020204" pitchFamily="34" charset="0"/>
+              <a:buChar char="•"/>
+            </a:pPr>
+            <a:r>
+              <a:rPr lang="es-ES" sz="1400" dirty="0">
+                <a:solidFill>
+                  <a:srgbClr val="212121"/>
+                </a:solidFill>
+                <a:latin typeface="Myriad Pro" panose="020B0503030403020204" pitchFamily="34" charset="0"/>
+              </a:rPr>
+              <a:t>¿Cuales parecen ser </a:t>
+            </a:r>
+            <a:r>
+              <a:rPr lang="es-ES" sz="1400" dirty="0" err="1">
+                <a:solidFill>
+                  <a:srgbClr val="212121"/>
+                </a:solidFill>
+                <a:latin typeface="Myriad Pro" panose="020B0503030403020204" pitchFamily="34" charset="0"/>
+              </a:rPr>
+              <a:t>features</a:t>
+            </a:r>
+            <a:r>
+              <a:rPr lang="es-ES" sz="1400" dirty="0">
+                <a:solidFill>
+                  <a:srgbClr val="212121"/>
+                </a:solidFill>
+                <a:latin typeface="Myriad Pro" panose="020B0503030403020204" pitchFamily="34" charset="0"/>
+              </a:rPr>
+              <a:t> importantes? ¿Cuales podemos descartar?</a:t>
+            </a:r>
+          </a:p>
+          <a:p>
+            <a:pPr lvl="1">
+              <a:lnSpc>
+                <a:spcPct val="150000"/>
+              </a:lnSpc>
+              <a:buFont typeface="Arial" panose="020B0604020202020204" pitchFamily="34" charset="0"/>
+              <a:buChar char="•"/>
+            </a:pPr>
+            <a:r>
+              <a:rPr lang="es-ES" sz="1400" dirty="0">
+                <a:solidFill>
+                  <a:srgbClr val="212121"/>
+                </a:solidFill>
+                <a:latin typeface="Myriad Pro" panose="020B0503030403020204" pitchFamily="34" charset="0"/>
+              </a:rPr>
+              <a:t>¿Siguen alguna distribución?</a:t>
+            </a:r>
+          </a:p>
+          <a:p>
+            <a:pPr lvl="1">
+              <a:lnSpc>
+                <a:spcPct val="150000"/>
+              </a:lnSpc>
+              <a:buFont typeface="Arial" panose="020B0604020202020204" pitchFamily="34" charset="0"/>
+              <a:buChar char="•"/>
+            </a:pPr>
+            <a:r>
+              <a:rPr lang="es-ES" sz="1400" dirty="0">
+                <a:solidFill>
+                  <a:srgbClr val="212121"/>
+                </a:solidFill>
+                <a:latin typeface="Myriad Pro" panose="020B0503030403020204" pitchFamily="34" charset="0"/>
+              </a:rPr>
+              <a:t>¿Hay correlación entre </a:t>
+            </a:r>
+            <a:r>
+              <a:rPr lang="es-ES" sz="1400" dirty="0" err="1">
+                <a:solidFill>
+                  <a:srgbClr val="212121"/>
+                </a:solidFill>
+                <a:latin typeface="Myriad Pro" panose="020B0503030403020204" pitchFamily="34" charset="0"/>
+              </a:rPr>
+              <a:t>features</a:t>
+            </a:r>
+            <a:r>
+              <a:rPr lang="es-ES" sz="1400" dirty="0">
+                <a:solidFill>
+                  <a:srgbClr val="212121"/>
+                </a:solidFill>
+                <a:latin typeface="Myriad Pro" panose="020B0503030403020204" pitchFamily="34" charset="0"/>
+              </a:rPr>
+              <a:t> (características)?</a:t>
+            </a:r>
+          </a:p>
+        </p:txBody>
+      </p:sp>
+    </p:spTree>
+    <p:extLst>
+      <p:ext uri="{BB962C8B-B14F-4D97-AF65-F5344CB8AC3E}">
+        <p14:creationId xmlns:p14="http://schemas.microsoft.com/office/powerpoint/2010/main" val="4147052846"/>
+      </p:ext>
+    </p:extLst>
+  </p:cSld>
+  <p:clrMapOvr>
+    <a:masterClrMapping/>
+  </p:clrMapOvr>
+</p:sld>
+</file>
+
+<file path=ppt/slides/slide33.xml><?xml version="1.0" encoding="utf-8"?>
+<p:sld xmlns:a="http://schemas.openxmlformats.org/drawingml/2006/main" xmlns:r="http://schemas.openxmlformats.org/officeDocument/2006/relationships" xmlns:p="http://schemas.openxmlformats.org/presentationml/2006/main">
+  <p:cSld>
+    <p:spTree>
+      <p:nvGrpSpPr>
+        <p:cNvPr id="1" name=""/>
+        <p:cNvGrpSpPr/>
+        <p:nvPr/>
+      </p:nvGrpSpPr>
+      <p:grpSpPr>
+        <a:xfrm>
+          <a:off x="0" y="0"/>
+          <a:ext cx="0" cy="0"/>
+          <a:chOff x="0" y="0"/>
+          <a:chExt cx="0" cy="0"/>
+        </a:xfrm>
+      </p:grpSpPr>
+      <p:sp>
+        <p:nvSpPr>
+          <p:cNvPr id="24" name="CuadroTexto 23">
+            <a:extLst>
+              <a:ext uri="{FF2B5EF4-FFF2-40B4-BE49-F238E27FC236}">
+                <a16:creationId xmlns:a16="http://schemas.microsoft.com/office/drawing/2014/main" id="{D35DB95D-2EA7-4D4E-8BF8-C4DDBAD8865C}"/>
+              </a:ext>
+            </a:extLst>
+          </p:cNvPr>
+          <p:cNvSpPr txBox="1"/>
+          <p:nvPr/>
+        </p:nvSpPr>
+        <p:spPr>
+          <a:xfrm>
+            <a:off x="615992" y="327637"/>
+            <a:ext cx="6708888" cy="584775"/>
+          </a:xfrm>
+          <a:prstGeom prst="rect">
+            <a:avLst/>
+          </a:prstGeom>
+          <a:noFill/>
+        </p:spPr>
+        <p:txBody>
+          <a:bodyPr wrap="none" rtlCol="0">
+            <a:spAutoFit/>
+          </a:bodyPr>
+          <a:lstStyle/>
+          <a:p>
+            <a:r>
+              <a:rPr lang="es-ES" sz="3200" b="1" dirty="0">
+                <a:solidFill>
+                  <a:srgbClr val="E6007E"/>
+                </a:solidFill>
+                <a:latin typeface="Myriad Pro" panose="020B0503030403020204" pitchFamily="34" charset="0"/>
+              </a:rPr>
+              <a:t>EDA (Analisis exploratorio de datos)</a:t>
+            </a:r>
+            <a:endParaRPr lang="es-ES" sz="3200" b="1" dirty="0">
+              <a:latin typeface="Myriad Pro" panose="020B0503030403020204" pitchFamily="34" charset="0"/>
+            </a:endParaRPr>
+          </a:p>
+        </p:txBody>
+      </p:sp>
+      <p:sp>
+        <p:nvSpPr>
+          <p:cNvPr id="3" name="Rectángulo 2">
+            <a:extLst>
+              <a:ext uri="{FF2B5EF4-FFF2-40B4-BE49-F238E27FC236}">
+                <a16:creationId xmlns:a16="http://schemas.microsoft.com/office/drawing/2014/main" id="{F31D718F-9982-4551-8515-BE2F342DA648}"/>
+              </a:ext>
+            </a:extLst>
+          </p:cNvPr>
+          <p:cNvSpPr/>
+          <p:nvPr/>
+        </p:nvSpPr>
+        <p:spPr>
+          <a:xfrm>
+            <a:off x="615992" y="1228397"/>
+            <a:ext cx="11164676" cy="4452437"/>
+          </a:xfrm>
+          <a:prstGeom prst="rect">
+            <a:avLst/>
+          </a:prstGeom>
+        </p:spPr>
+        <p:txBody>
+          <a:bodyPr wrap="square">
+            <a:spAutoFit/>
+          </a:bodyPr>
+          <a:lstStyle/>
+          <a:p>
+            <a:pPr>
+              <a:lnSpc>
+                <a:spcPct val="200000"/>
+              </a:lnSpc>
+              <a:buFont typeface="Arial" panose="020B0604020202020204" pitchFamily="34" charset="0"/>
+              <a:buChar char="•"/>
+            </a:pPr>
+            <a:r>
+              <a:rPr lang="es-ES" sz="1600" dirty="0">
+                <a:solidFill>
+                  <a:srgbClr val="212121"/>
+                </a:solidFill>
+                <a:latin typeface="Myriad Pro" panose="020B0503030403020204" pitchFamily="34" charset="0"/>
+              </a:rPr>
+              <a:t>En problemas de NLP es frecuente que existan categorías repetidas </a:t>
+            </a:r>
+            <a:r>
+              <a:rPr lang="es-ES" sz="1600" dirty="0" err="1">
+                <a:solidFill>
+                  <a:srgbClr val="212121"/>
+                </a:solidFill>
+                <a:latin typeface="Myriad Pro" panose="020B0503030403020204" pitchFamily="34" charset="0"/>
+              </a:rPr>
+              <a:t>ó</a:t>
+            </a:r>
+            <a:r>
+              <a:rPr lang="es-ES" sz="1600" dirty="0">
+                <a:solidFill>
+                  <a:srgbClr val="212121"/>
+                </a:solidFill>
+                <a:latin typeface="Myriad Pro" panose="020B0503030403020204" pitchFamily="34" charset="0"/>
+              </a:rPr>
+              <a:t> mal tipeadas, </a:t>
+            </a:r>
+            <a:r>
+              <a:rPr lang="es-ES" sz="1600" dirty="0" err="1">
+                <a:solidFill>
+                  <a:srgbClr val="212121"/>
+                </a:solidFill>
+                <a:latin typeface="Myriad Pro" panose="020B0503030403020204" pitchFamily="34" charset="0"/>
+              </a:rPr>
+              <a:t>ó</a:t>
+            </a:r>
+            <a:r>
+              <a:rPr lang="es-ES" sz="1600" dirty="0">
+                <a:solidFill>
+                  <a:srgbClr val="212121"/>
+                </a:solidFill>
+                <a:latin typeface="Myriad Pro" panose="020B0503030403020204" pitchFamily="34" charset="0"/>
+              </a:rPr>
+              <a:t> con </a:t>
+            </a:r>
+            <a:r>
+              <a:rPr lang="es-ES" sz="1600" dirty="0" err="1">
+                <a:solidFill>
+                  <a:srgbClr val="212121"/>
+                </a:solidFill>
+                <a:latin typeface="Myriad Pro" panose="020B0503030403020204" pitchFamily="34" charset="0"/>
+              </a:rPr>
+              <a:t>mayusculas</a:t>
+            </a:r>
+            <a:r>
+              <a:rPr lang="es-ES" sz="1600" dirty="0">
+                <a:solidFill>
+                  <a:srgbClr val="212121"/>
+                </a:solidFill>
+                <a:latin typeface="Myriad Pro" panose="020B0503030403020204" pitchFamily="34" charset="0"/>
+              </a:rPr>
+              <a:t>/minúsculas, singular y plural, por ejemplo “Abogado” y “Abogadas”, “</a:t>
+            </a:r>
+            <a:r>
+              <a:rPr lang="es-ES" sz="1600" dirty="0" err="1">
+                <a:solidFill>
+                  <a:srgbClr val="212121"/>
+                </a:solidFill>
+                <a:latin typeface="Myriad Pro" panose="020B0503030403020204" pitchFamily="34" charset="0"/>
+              </a:rPr>
+              <a:t>avogado</a:t>
+            </a:r>
+            <a:r>
+              <a:rPr lang="es-ES" sz="1600" dirty="0">
+                <a:solidFill>
+                  <a:srgbClr val="212121"/>
+                </a:solidFill>
+                <a:latin typeface="Myriad Pro" panose="020B0503030403020204" pitchFamily="34" charset="0"/>
+              </a:rPr>
+              <a:t>” pertenecerían todos a un mismo conjunto.</a:t>
+            </a:r>
+          </a:p>
+          <a:p>
+            <a:pPr>
+              <a:lnSpc>
+                <a:spcPct val="200000"/>
+              </a:lnSpc>
+              <a:buFont typeface="Arial" panose="020B0604020202020204" pitchFamily="34" charset="0"/>
+              <a:buChar char="•"/>
+            </a:pPr>
+            <a:r>
+              <a:rPr lang="es-ES" sz="1600" dirty="0">
+                <a:solidFill>
+                  <a:srgbClr val="212121"/>
+                </a:solidFill>
+                <a:latin typeface="Myriad Pro" panose="020B0503030403020204" pitchFamily="34" charset="0"/>
+              </a:rPr>
+              <a:t>¿Estamos ante un problema dependiente del tiempo? Es decir un </a:t>
+            </a:r>
+            <a:r>
+              <a:rPr lang="es-ES" sz="1600" dirty="0" err="1">
+                <a:solidFill>
+                  <a:srgbClr val="212121"/>
+                </a:solidFill>
+                <a:latin typeface="Myriad Pro" panose="020B0503030403020204" pitchFamily="34" charset="0"/>
+              </a:rPr>
+              <a:t>TimeSeries</a:t>
+            </a:r>
+            <a:r>
+              <a:rPr lang="es-ES" sz="1600" dirty="0">
+                <a:solidFill>
+                  <a:srgbClr val="212121"/>
+                </a:solidFill>
+                <a:latin typeface="Myriad Pro" panose="020B0503030403020204" pitchFamily="34" charset="0"/>
+              </a:rPr>
+              <a:t>.</a:t>
+            </a:r>
+          </a:p>
+          <a:p>
+            <a:pPr>
+              <a:lnSpc>
+                <a:spcPct val="200000"/>
+              </a:lnSpc>
+              <a:buFont typeface="Arial" panose="020B0604020202020204" pitchFamily="34" charset="0"/>
+              <a:buChar char="•"/>
+            </a:pPr>
+            <a:r>
+              <a:rPr lang="es-ES" sz="1600" dirty="0">
+                <a:solidFill>
+                  <a:srgbClr val="212121"/>
+                </a:solidFill>
+                <a:latin typeface="Myriad Pro" panose="020B0503030403020204" pitchFamily="34" charset="0"/>
+              </a:rPr>
+              <a:t>Si fuera un problema de Visión Artificial: ¿Tenemos suficientes muestras de cada clase y variedad, para poder hacer generalizar un modelo de Machine Learning?</a:t>
+            </a:r>
+          </a:p>
+          <a:p>
+            <a:pPr>
+              <a:lnSpc>
+                <a:spcPct val="200000"/>
+              </a:lnSpc>
+              <a:buFont typeface="Arial" panose="020B0604020202020204" pitchFamily="34" charset="0"/>
+              <a:buChar char="•"/>
+            </a:pPr>
+            <a:r>
+              <a:rPr lang="es-ES" sz="1600" dirty="0">
+                <a:solidFill>
+                  <a:srgbClr val="212121"/>
+                </a:solidFill>
+                <a:latin typeface="Myriad Pro" panose="020B0503030403020204" pitchFamily="34" charset="0"/>
+              </a:rPr>
+              <a:t>¿Cuales son los </a:t>
+            </a:r>
+            <a:r>
+              <a:rPr lang="es-ES" sz="1600" dirty="0" err="1">
+                <a:solidFill>
+                  <a:srgbClr val="212121"/>
+                </a:solidFill>
+                <a:latin typeface="Myriad Pro" panose="020B0503030403020204" pitchFamily="34" charset="0"/>
+              </a:rPr>
+              <a:t>Outliers</a:t>
+            </a:r>
+            <a:r>
+              <a:rPr lang="es-ES" sz="1600" dirty="0">
+                <a:solidFill>
+                  <a:srgbClr val="212121"/>
+                </a:solidFill>
+                <a:latin typeface="Myriad Pro" panose="020B0503030403020204" pitchFamily="34" charset="0"/>
+              </a:rPr>
+              <a:t>? (unos pocos datos aislados que difieren drásticamente del resto y “contaminan” </a:t>
+            </a:r>
+            <a:r>
+              <a:rPr lang="es-ES" sz="1600" dirty="0" err="1">
+                <a:solidFill>
+                  <a:srgbClr val="212121"/>
+                </a:solidFill>
+                <a:latin typeface="Myriad Pro" panose="020B0503030403020204" pitchFamily="34" charset="0"/>
+              </a:rPr>
+              <a:t>ó</a:t>
+            </a:r>
+            <a:r>
+              <a:rPr lang="es-ES" sz="1600" dirty="0">
+                <a:solidFill>
+                  <a:srgbClr val="212121"/>
+                </a:solidFill>
+                <a:latin typeface="Myriad Pro" panose="020B0503030403020204" pitchFamily="34" charset="0"/>
+              </a:rPr>
+              <a:t> desvían las distribuciones) ¿Podemos eliminarlos? ¿es importante conservarlos? ¿son errores de carga o son reales?</a:t>
+            </a:r>
+          </a:p>
+          <a:p>
+            <a:pPr>
+              <a:lnSpc>
+                <a:spcPct val="200000"/>
+              </a:lnSpc>
+              <a:buFont typeface="Arial" panose="020B0604020202020204" pitchFamily="34" charset="0"/>
+              <a:buChar char="•"/>
+            </a:pPr>
+            <a:r>
+              <a:rPr lang="es-ES" sz="1600" dirty="0">
+                <a:solidFill>
+                  <a:srgbClr val="212121"/>
+                </a:solidFill>
+                <a:latin typeface="Myriad Pro" panose="020B0503030403020204" pitchFamily="34" charset="0"/>
+              </a:rPr>
+              <a:t>¿Tenemos posible sesgo de datos? (por ejemplo perjudicar a clases minoritarias por no incluirlas y que el modelo de ML discrimine)</a:t>
+            </a:r>
+          </a:p>
+        </p:txBody>
+      </p:sp>
+    </p:spTree>
+    <p:extLst>
+      <p:ext uri="{BB962C8B-B14F-4D97-AF65-F5344CB8AC3E}">
+        <p14:creationId xmlns:p14="http://schemas.microsoft.com/office/powerpoint/2010/main" val="2474569281"/>
       </p:ext>
     </p:extLst>
   </p:cSld>
@@ -11560,15 +12528,6 @@
 </file>
 
 <file path=customXml/item1.xml><?xml version="1.0" encoding="utf-8"?>
-<?mso-contentType ?>
-<FormTemplates xmlns="http://schemas.microsoft.com/sharepoint/v3/contenttype/forms">
-  <Display>DocumentLibraryForm</Display>
-  <Edit>DocumentLibraryForm</Edit>
-  <New>DocumentLibraryForm</New>
-</FormTemplates>
-</file>
-
-<file path=customXml/item2.xml><?xml version="1.0" encoding="utf-8"?>
 <p:properties xmlns:p="http://schemas.microsoft.com/office/2006/metadata/properties" xmlns:xsi="http://www.w3.org/2001/XMLSchema-instance" xmlns:pc="http://schemas.microsoft.com/office/infopath/2007/PartnerControls">
   <documentManagement>
     <SharedWithUsers xmlns="2898a396-3212-4d71-91ad-7ce016bf0ee6">
@@ -11580,6 +12539,15 @@
     </SharedWithUsers>
   </documentManagement>
 </p:properties>
+</file>
+
+<file path=customXml/item2.xml><?xml version="1.0" encoding="utf-8"?>
+<?mso-contentType ?>
+<FormTemplates xmlns="http://schemas.microsoft.com/sharepoint/v3/contenttype/forms">
+  <Display>DocumentLibraryForm</Display>
+  <Edit>DocumentLibraryForm</Edit>
+  <New>DocumentLibraryForm</New>
+</FormTemplates>
 </file>
 
 <file path=customXml/item3.xml><?xml version="1.0" encoding="utf-8"?>
@@ -11806,14 +12774,6 @@
 </file>
 
 <file path=customXml/itemProps1.xml><?xml version="1.0" encoding="utf-8"?>
-<ds:datastoreItem xmlns:ds="http://schemas.openxmlformats.org/officeDocument/2006/customXml" ds:itemID="{C6D1EF25-32DF-4C79-9C63-82D2191B34ED}">
-  <ds:schemaRefs>
-    <ds:schemaRef ds:uri="http://schemas.microsoft.com/sharepoint/v3/contenttype/forms"/>
-  </ds:schemaRefs>
-</ds:datastoreItem>
-</file>
-
-<file path=customXml/itemProps2.xml><?xml version="1.0" encoding="utf-8"?>
 <ds:datastoreItem xmlns:ds="http://schemas.openxmlformats.org/officeDocument/2006/customXml" ds:itemID="{DE865355-F828-44C0-BB9D-50DF9BCDABAD}">
   <ds:schemaRefs>
     <ds:schemaRef ds:uri="http://purl.org/dc/terms/"/>
@@ -11826,6 +12786,14 @@
     <ds:schemaRef ds:uri="b4a39d85-fc84-4ac6-a778-97979c318145"/>
     <ds:schemaRef ds:uri="http://www.w3.org/XML/1998/namespace"/>
     <ds:schemaRef ds:uri="http://purl.org/dc/dcmitype/"/>
+  </ds:schemaRefs>
+</ds:datastoreItem>
+</file>
+
+<file path=customXml/itemProps2.xml><?xml version="1.0" encoding="utf-8"?>
+<ds:datastoreItem xmlns:ds="http://schemas.openxmlformats.org/officeDocument/2006/customXml" ds:itemID="{C6D1EF25-32DF-4C79-9C63-82D2191B34ED}">
+  <ds:schemaRefs>
+    <ds:schemaRef ds:uri="http://schemas.microsoft.com/sharepoint/v3/contenttype/forms"/>
   </ds:schemaRefs>
 </ds:datastoreItem>
 </file>

--- a/Detección de anomalias/Deteccion_Anomalias.pptx
+++ b/Detección de anomalias/Deteccion_Anomalias.pptx
@@ -5,7 +5,7 @@
     <p:sldMasterId id="2147483648" r:id="rId4"/>
   </p:sldMasterIdLst>
   <p:notesMasterIdLst>
-    <p:notesMasterId r:id="rId38"/>
+    <p:notesMasterId r:id="rId56"/>
   </p:notesMasterIdLst>
   <p:sldIdLst>
     <p:sldId id="1053" r:id="rId5"/>
@@ -41,6 +41,24 @@
     <p:sldId id="2048" r:id="rId35"/>
     <p:sldId id="2049" r:id="rId36"/>
     <p:sldId id="2050" r:id="rId37"/>
+    <p:sldId id="2051" r:id="rId38"/>
+    <p:sldId id="2065" r:id="rId39"/>
+    <p:sldId id="2052" r:id="rId40"/>
+    <p:sldId id="2054" r:id="rId41"/>
+    <p:sldId id="2056" r:id="rId42"/>
+    <p:sldId id="2057" r:id="rId43"/>
+    <p:sldId id="2058" r:id="rId44"/>
+    <p:sldId id="2059" r:id="rId45"/>
+    <p:sldId id="2060" r:id="rId46"/>
+    <p:sldId id="2061" r:id="rId47"/>
+    <p:sldId id="2062" r:id="rId48"/>
+    <p:sldId id="2063" r:id="rId49"/>
+    <p:sldId id="2064" r:id="rId50"/>
+    <p:sldId id="2055" r:id="rId51"/>
+    <p:sldId id="2068" r:id="rId52"/>
+    <p:sldId id="2066" r:id="rId53"/>
+    <p:sldId id="2067" r:id="rId54"/>
+    <p:sldId id="2069" r:id="rId55"/>
   </p:sldIdLst>
   <p:sldSz cx="12192000" cy="6858000"/>
   <p:notesSz cx="6858000" cy="9144000"/>
@@ -229,7 +247,7 @@
           <a:p>
             <a:fld id="{07137309-841B-4FAF-8A3D-91895DDA146A}" type="datetimeFigureOut">
               <a:rPr lang="es-ES" smtClean="0"/>
-              <a:t>07/03/2022</a:t>
+              <a:t>24/03/2022</a:t>
             </a:fld>
             <a:endParaRPr lang="es-ES"/>
           </a:p>
@@ -732,7 +750,7 @@
           <a:p>
             <a:fld id="{F6F12AAF-955C-4FB4-AD7F-241CD6BFE109}" type="datetimeFigureOut">
               <a:rPr lang="es-ES" smtClean="0"/>
-              <a:t>07/03/2022</a:t>
+              <a:t>24/03/2022</a:t>
             </a:fld>
             <a:endParaRPr lang="es-ES" dirty="0"/>
           </a:p>
@@ -930,7 +948,7 @@
           <a:p>
             <a:fld id="{F6F12AAF-955C-4FB4-AD7F-241CD6BFE109}" type="datetimeFigureOut">
               <a:rPr lang="es-ES" smtClean="0"/>
-              <a:t>07/03/2022</a:t>
+              <a:t>24/03/2022</a:t>
             </a:fld>
             <a:endParaRPr lang="es-ES" dirty="0"/>
           </a:p>
@@ -1138,7 +1156,7 @@
           <a:p>
             <a:fld id="{F6F12AAF-955C-4FB4-AD7F-241CD6BFE109}" type="datetimeFigureOut">
               <a:rPr lang="es-ES" smtClean="0"/>
-              <a:t>07/03/2022</a:t>
+              <a:t>24/03/2022</a:t>
             </a:fld>
             <a:endParaRPr lang="es-ES" dirty="0"/>
           </a:p>
@@ -1508,7 +1526,7 @@
           <a:p>
             <a:fld id="{F6F12AAF-955C-4FB4-AD7F-241CD6BFE109}" type="datetimeFigureOut">
               <a:rPr lang="es-ES" smtClean="0"/>
-              <a:t>07/03/2022</a:t>
+              <a:t>24/03/2022</a:t>
             </a:fld>
             <a:endParaRPr lang="es-ES" dirty="0"/>
           </a:p>
@@ -1783,7 +1801,7 @@
           <a:p>
             <a:fld id="{F6F12AAF-955C-4FB4-AD7F-241CD6BFE109}" type="datetimeFigureOut">
               <a:rPr lang="es-ES" smtClean="0"/>
-              <a:t>07/03/2022</a:t>
+              <a:t>24/03/2022</a:t>
             </a:fld>
             <a:endParaRPr lang="es-ES" dirty="0"/>
           </a:p>
@@ -2048,7 +2066,7 @@
           <a:p>
             <a:fld id="{F6F12AAF-955C-4FB4-AD7F-241CD6BFE109}" type="datetimeFigureOut">
               <a:rPr lang="es-ES" smtClean="0"/>
-              <a:t>07/03/2022</a:t>
+              <a:t>24/03/2022</a:t>
             </a:fld>
             <a:endParaRPr lang="es-ES" dirty="0"/>
           </a:p>
@@ -2460,7 +2478,7 @@
           <a:p>
             <a:fld id="{F6F12AAF-955C-4FB4-AD7F-241CD6BFE109}" type="datetimeFigureOut">
               <a:rPr lang="es-ES" smtClean="0"/>
-              <a:t>07/03/2022</a:t>
+              <a:t>24/03/2022</a:t>
             </a:fld>
             <a:endParaRPr lang="es-ES" dirty="0"/>
           </a:p>
@@ -2601,7 +2619,7 @@
           <a:p>
             <a:fld id="{F6F12AAF-955C-4FB4-AD7F-241CD6BFE109}" type="datetimeFigureOut">
               <a:rPr lang="es-ES" smtClean="0"/>
-              <a:t>07/03/2022</a:t>
+              <a:t>24/03/2022</a:t>
             </a:fld>
             <a:endParaRPr lang="es-ES" dirty="0"/>
           </a:p>
@@ -2714,7 +2732,7 @@
           <a:p>
             <a:fld id="{F6F12AAF-955C-4FB4-AD7F-241CD6BFE109}" type="datetimeFigureOut">
               <a:rPr lang="es-ES" smtClean="0"/>
-              <a:t>07/03/2022</a:t>
+              <a:t>24/03/2022</a:t>
             </a:fld>
             <a:endParaRPr lang="es-ES" dirty="0"/>
           </a:p>
@@ -3025,7 +3043,7 @@
           <a:p>
             <a:fld id="{F6F12AAF-955C-4FB4-AD7F-241CD6BFE109}" type="datetimeFigureOut">
               <a:rPr lang="es-ES" smtClean="0"/>
-              <a:t>07/03/2022</a:t>
+              <a:t>24/03/2022</a:t>
             </a:fld>
             <a:endParaRPr lang="es-ES" dirty="0"/>
           </a:p>
@@ -3313,7 +3331,7 @@
           <a:p>
             <a:fld id="{F6F12AAF-955C-4FB4-AD7F-241CD6BFE109}" type="datetimeFigureOut">
               <a:rPr lang="es-ES" smtClean="0"/>
-              <a:t>07/03/2022</a:t>
+              <a:t>24/03/2022</a:t>
             </a:fld>
             <a:endParaRPr lang="es-ES" dirty="0"/>
           </a:p>
@@ -3554,7 +3572,7 @@
           <a:p>
             <a:fld id="{F6F12AAF-955C-4FB4-AD7F-241CD6BFE109}" type="datetimeFigureOut">
               <a:rPr lang="es-ES" smtClean="0"/>
-              <a:t>07/03/2022</a:t>
+              <a:t>24/03/2022</a:t>
             </a:fld>
             <a:endParaRPr lang="es-ES" dirty="0"/>
           </a:p>
@@ -10959,6 +10977,1648 @@
 </p:sld>
 </file>
 
+<file path=ppt/slides/slide34.xml><?xml version="1.0" encoding="utf-8"?>
+<p:sld xmlns:a="http://schemas.openxmlformats.org/drawingml/2006/main" xmlns:r="http://schemas.openxmlformats.org/officeDocument/2006/relationships" xmlns:p="http://schemas.openxmlformats.org/presentationml/2006/main">
+  <p:cSld>
+    <p:spTree>
+      <p:nvGrpSpPr>
+        <p:cNvPr id="1" name=""/>
+        <p:cNvGrpSpPr/>
+        <p:nvPr/>
+      </p:nvGrpSpPr>
+      <p:grpSpPr>
+        <a:xfrm>
+          <a:off x="0" y="0"/>
+          <a:ext cx="0" cy="0"/>
+          <a:chOff x="0" y="0"/>
+          <a:chExt cx="0" cy="0"/>
+        </a:xfrm>
+      </p:grpSpPr>
+      <p:sp>
+        <p:nvSpPr>
+          <p:cNvPr id="24" name="CuadroTexto 23">
+            <a:extLst>
+              <a:ext uri="{FF2B5EF4-FFF2-40B4-BE49-F238E27FC236}">
+                <a16:creationId xmlns:a16="http://schemas.microsoft.com/office/drawing/2014/main" id="{D35DB95D-2EA7-4D4E-8BF8-C4DDBAD8865C}"/>
+              </a:ext>
+            </a:extLst>
+          </p:cNvPr>
+          <p:cNvSpPr txBox="1"/>
+          <p:nvPr/>
+        </p:nvSpPr>
+        <p:spPr>
+          <a:xfrm>
+            <a:off x="615992" y="327637"/>
+            <a:ext cx="8867043" cy="584775"/>
+          </a:xfrm>
+          <a:prstGeom prst="rect">
+            <a:avLst/>
+          </a:prstGeom>
+          <a:noFill/>
+        </p:spPr>
+        <p:txBody>
+          <a:bodyPr wrap="none" rtlCol="0">
+            <a:spAutoFit/>
+          </a:bodyPr>
+          <a:lstStyle/>
+          <a:p>
+            <a:r>
+              <a:rPr lang="es-ES" sz="3200" b="1" dirty="0">
+                <a:solidFill>
+                  <a:srgbClr val="E6007E"/>
+                </a:solidFill>
+                <a:latin typeface="Myriad Pro" panose="020B0503030403020204" pitchFamily="34" charset="0"/>
+              </a:rPr>
+              <a:t>Detección anomalias con métodos de </a:t>
+            </a:r>
+            <a:r>
+              <a:rPr lang="es-ES" sz="3200" b="1" dirty="0" err="1">
+                <a:solidFill>
+                  <a:srgbClr val="E6007E"/>
+                </a:solidFill>
+                <a:latin typeface="Myriad Pro" panose="020B0503030403020204" pitchFamily="34" charset="0"/>
+              </a:rPr>
+              <a:t>clustering</a:t>
+            </a:r>
+            <a:endParaRPr lang="es-ES" sz="3200" b="1" dirty="0">
+              <a:latin typeface="Myriad Pro" panose="020B0503030403020204" pitchFamily="34" charset="0"/>
+            </a:endParaRPr>
+          </a:p>
+        </p:txBody>
+      </p:sp>
+      <p:sp>
+        <p:nvSpPr>
+          <p:cNvPr id="3" name="Rectángulo 2">
+            <a:extLst>
+              <a:ext uri="{FF2B5EF4-FFF2-40B4-BE49-F238E27FC236}">
+                <a16:creationId xmlns:a16="http://schemas.microsoft.com/office/drawing/2014/main" id="{F31D718F-9982-4551-8515-BE2F342DA648}"/>
+              </a:ext>
+            </a:extLst>
+          </p:cNvPr>
+          <p:cNvSpPr/>
+          <p:nvPr/>
+        </p:nvSpPr>
+        <p:spPr>
+          <a:xfrm>
+            <a:off x="615992" y="1228397"/>
+            <a:ext cx="11164676" cy="4524315"/>
+          </a:xfrm>
+          <a:prstGeom prst="rect">
+            <a:avLst/>
+          </a:prstGeom>
+        </p:spPr>
+        <p:txBody>
+          <a:bodyPr wrap="square">
+            <a:spAutoFit/>
+          </a:bodyPr>
+          <a:lstStyle/>
+          <a:p>
+            <a:r>
+              <a:rPr lang="es-ES" dirty="0">
+                <a:latin typeface="Myriad Pro" panose="020B0503030403020204" pitchFamily="34" charset="0"/>
+              </a:rPr>
+              <a:t>Los métodos de </a:t>
+            </a:r>
+            <a:r>
+              <a:rPr lang="es-ES" i="1" dirty="0" err="1">
+                <a:latin typeface="Myriad Pro" panose="020B0503030403020204" pitchFamily="34" charset="0"/>
+              </a:rPr>
+              <a:t>clustering</a:t>
+            </a:r>
+            <a:r>
+              <a:rPr lang="es-ES" dirty="0">
+                <a:latin typeface="Myriad Pro" panose="020B0503030403020204" pitchFamily="34" charset="0"/>
+              </a:rPr>
+              <a:t> son una de las estrategias no supervisadas que se emplean con frecuencia para la detección de anomalías.</a:t>
+            </a:r>
+          </a:p>
+          <a:p>
+            <a:endParaRPr lang="es-ES" dirty="0">
+              <a:latin typeface="Myriad Pro" panose="020B0503030403020204" pitchFamily="34" charset="0"/>
+            </a:endParaRPr>
+          </a:p>
+          <a:p>
+            <a:r>
+              <a:rPr lang="es-ES" dirty="0">
+                <a:latin typeface="Myriad Pro" panose="020B0503030403020204" pitchFamily="34" charset="0"/>
+              </a:rPr>
+              <a:t>Estos algoritmos tratan de identificar regiones homogéneas separadas entre ellas por regiones heterogéneas, agrupando las observaciones de forma que, aquellas que forman parte del mismo </a:t>
+            </a:r>
+            <a:r>
+              <a:rPr lang="es-ES" i="1" dirty="0">
+                <a:latin typeface="Myriad Pro" panose="020B0503030403020204" pitchFamily="34" charset="0"/>
+              </a:rPr>
+              <a:t>cluster</a:t>
+            </a:r>
+            <a:r>
+              <a:rPr lang="es-ES" dirty="0">
+                <a:latin typeface="Myriad Pro" panose="020B0503030403020204" pitchFamily="34" charset="0"/>
+              </a:rPr>
+              <a:t>, son similares entre ellas y distintas a las de otros </a:t>
+            </a:r>
+            <a:r>
+              <a:rPr lang="es-ES" i="1" dirty="0">
+                <a:latin typeface="Myriad Pro" panose="020B0503030403020204" pitchFamily="34" charset="0"/>
+              </a:rPr>
+              <a:t>clusters</a:t>
+            </a:r>
+            <a:r>
+              <a:rPr lang="es-ES" dirty="0">
+                <a:latin typeface="Myriad Pro" panose="020B0503030403020204" pitchFamily="34" charset="0"/>
+              </a:rPr>
+              <a:t>.</a:t>
+            </a:r>
+          </a:p>
+          <a:p>
+            <a:endParaRPr lang="es-ES" dirty="0">
+              <a:latin typeface="Myriad Pro" panose="020B0503030403020204" pitchFamily="34" charset="0"/>
+            </a:endParaRPr>
+          </a:p>
+          <a:p>
+            <a:r>
+              <a:rPr lang="es-ES" dirty="0">
+                <a:latin typeface="Myriad Pro" panose="020B0503030403020204" pitchFamily="34" charset="0"/>
+              </a:rPr>
+              <a:t>Para que un método de </a:t>
+            </a:r>
+            <a:r>
+              <a:rPr lang="es-ES" i="1" dirty="0" err="1">
+                <a:latin typeface="Myriad Pro" panose="020B0503030403020204" pitchFamily="34" charset="0"/>
+              </a:rPr>
+              <a:t>clustering</a:t>
+            </a:r>
+            <a:r>
+              <a:rPr lang="es-ES" dirty="0">
+                <a:latin typeface="Myriad Pro" panose="020B0503030403020204" pitchFamily="34" charset="0"/>
+              </a:rPr>
+              <a:t> pueda emplearse como detector de anomalías, idealmente debe cumplir alguna de estas dos características:</a:t>
+            </a:r>
+          </a:p>
+          <a:p>
+            <a:endParaRPr lang="es-ES" dirty="0">
+              <a:latin typeface="Myriad Pro" panose="020B0503030403020204" pitchFamily="34" charset="0"/>
+            </a:endParaRPr>
+          </a:p>
+          <a:p>
+            <a:pPr marL="285750" indent="-285750">
+              <a:buFont typeface="Arial" panose="020B0604020202020204" pitchFamily="34" charset="0"/>
+              <a:buChar char="•"/>
+            </a:pPr>
+            <a:r>
+              <a:rPr lang="es-ES" dirty="0">
+                <a:latin typeface="Myriad Pro" panose="020B0503030403020204" pitchFamily="34" charset="0"/>
+              </a:rPr>
+              <a:t>No obligar a que todas las observaciones formen parte de uno de los </a:t>
+            </a:r>
+            <a:r>
+              <a:rPr lang="es-ES" i="1" dirty="0">
+                <a:latin typeface="Myriad Pro" panose="020B0503030403020204" pitchFamily="34" charset="0"/>
+              </a:rPr>
+              <a:t>clusters</a:t>
+            </a:r>
+            <a:r>
+              <a:rPr lang="es-ES" dirty="0">
+                <a:latin typeface="Myriad Pro" panose="020B0503030403020204" pitchFamily="34" charset="0"/>
+              </a:rPr>
+              <a:t>.</a:t>
+            </a:r>
+          </a:p>
+          <a:p>
+            <a:pPr marL="285750" indent="-285750">
+              <a:buFont typeface="Arial" panose="020B0604020202020204" pitchFamily="34" charset="0"/>
+              <a:buChar char="•"/>
+            </a:pPr>
+            <a:r>
+              <a:rPr lang="es-ES" dirty="0">
+                <a:latin typeface="Myriad Pro" panose="020B0503030403020204" pitchFamily="34" charset="0"/>
+              </a:rPr>
+              <a:t>Calcular la probabilidad que tiene cada observación de pertenecer a cada uno de los </a:t>
+            </a:r>
+            <a:r>
+              <a:rPr lang="es-ES" i="1" dirty="0">
+                <a:latin typeface="Myriad Pro" panose="020B0503030403020204" pitchFamily="34" charset="0"/>
+              </a:rPr>
+              <a:t>clusters</a:t>
+            </a:r>
+            <a:r>
+              <a:rPr lang="es-ES" dirty="0">
+                <a:latin typeface="Myriad Pro" panose="020B0503030403020204" pitchFamily="34" charset="0"/>
+              </a:rPr>
+              <a:t>.</a:t>
+            </a:r>
+          </a:p>
+          <a:p>
+            <a:endParaRPr lang="es-ES" dirty="0">
+              <a:latin typeface="Myriad Pro" panose="020B0503030403020204" pitchFamily="34" charset="0"/>
+            </a:endParaRPr>
+          </a:p>
+          <a:p>
+            <a:r>
+              <a:rPr lang="es-ES" dirty="0">
+                <a:latin typeface="Myriad Pro" panose="020B0503030403020204" pitchFamily="34" charset="0"/>
+              </a:rPr>
+              <a:t>En el primer caso, se consideran anomalías aquellas observaciones que no han sido asignadas a ningún </a:t>
+            </a:r>
+            <a:r>
+              <a:rPr lang="es-ES" i="1" dirty="0">
+                <a:latin typeface="Myriad Pro" panose="020B0503030403020204" pitchFamily="34" charset="0"/>
+              </a:rPr>
+              <a:t>cluster</a:t>
+            </a:r>
+            <a:r>
+              <a:rPr lang="es-ES" dirty="0">
+                <a:latin typeface="Myriad Pro" panose="020B0503030403020204" pitchFamily="34" charset="0"/>
+              </a:rPr>
+              <a:t>. En el segundo caso, aquellas cuya probabilidad de pertenecer a alguno de los </a:t>
+            </a:r>
+            <a:r>
+              <a:rPr lang="es-ES" i="1" dirty="0">
+                <a:latin typeface="Myriad Pro" panose="020B0503030403020204" pitchFamily="34" charset="0"/>
+              </a:rPr>
+              <a:t>clusters</a:t>
+            </a:r>
+            <a:r>
+              <a:rPr lang="es-ES" dirty="0">
+                <a:latin typeface="Myriad Pro" panose="020B0503030403020204" pitchFamily="34" charset="0"/>
+              </a:rPr>
+              <a:t> está por debajo de un valor mínimo.</a:t>
+            </a:r>
+          </a:p>
+        </p:txBody>
+      </p:sp>
+    </p:spTree>
+    <p:extLst>
+      <p:ext uri="{BB962C8B-B14F-4D97-AF65-F5344CB8AC3E}">
+        <p14:creationId xmlns:p14="http://schemas.microsoft.com/office/powerpoint/2010/main" val="1784466309"/>
+      </p:ext>
+    </p:extLst>
+  </p:cSld>
+  <p:clrMapOvr>
+    <a:masterClrMapping/>
+  </p:clrMapOvr>
+</p:sld>
+</file>
+
+<file path=ppt/slides/slide35.xml><?xml version="1.0" encoding="utf-8"?>
+<p:sld xmlns:a="http://schemas.openxmlformats.org/drawingml/2006/main" xmlns:r="http://schemas.openxmlformats.org/officeDocument/2006/relationships" xmlns:p="http://schemas.openxmlformats.org/presentationml/2006/main">
+  <p:cSld>
+    <p:spTree>
+      <p:nvGrpSpPr>
+        <p:cNvPr id="1" name=""/>
+        <p:cNvGrpSpPr/>
+        <p:nvPr/>
+      </p:nvGrpSpPr>
+      <p:grpSpPr>
+        <a:xfrm>
+          <a:off x="0" y="0"/>
+          <a:ext cx="0" cy="0"/>
+          <a:chOff x="0" y="0"/>
+          <a:chExt cx="0" cy="0"/>
+        </a:xfrm>
+      </p:grpSpPr>
+      <p:sp>
+        <p:nvSpPr>
+          <p:cNvPr id="24" name="CuadroTexto 23">
+            <a:extLst>
+              <a:ext uri="{FF2B5EF4-FFF2-40B4-BE49-F238E27FC236}">
+                <a16:creationId xmlns:a16="http://schemas.microsoft.com/office/drawing/2014/main" id="{D35DB95D-2EA7-4D4E-8BF8-C4DDBAD8865C}"/>
+              </a:ext>
+            </a:extLst>
+          </p:cNvPr>
+          <p:cNvSpPr txBox="1"/>
+          <p:nvPr/>
+        </p:nvSpPr>
+        <p:spPr>
+          <a:xfrm>
+            <a:off x="615992" y="327637"/>
+            <a:ext cx="8867043" cy="584775"/>
+          </a:xfrm>
+          <a:prstGeom prst="rect">
+            <a:avLst/>
+          </a:prstGeom>
+          <a:noFill/>
+        </p:spPr>
+        <p:txBody>
+          <a:bodyPr wrap="none" rtlCol="0">
+            <a:spAutoFit/>
+          </a:bodyPr>
+          <a:lstStyle/>
+          <a:p>
+            <a:r>
+              <a:rPr lang="es-ES" sz="3200" b="1" dirty="0">
+                <a:solidFill>
+                  <a:srgbClr val="E6007E"/>
+                </a:solidFill>
+                <a:latin typeface="Myriad Pro" panose="020B0503030403020204" pitchFamily="34" charset="0"/>
+              </a:rPr>
+              <a:t>Detección anomalias con métodos de </a:t>
+            </a:r>
+            <a:r>
+              <a:rPr lang="es-ES" sz="3200" b="1" dirty="0" err="1">
+                <a:solidFill>
+                  <a:srgbClr val="E6007E"/>
+                </a:solidFill>
+                <a:latin typeface="Myriad Pro" panose="020B0503030403020204" pitchFamily="34" charset="0"/>
+              </a:rPr>
+              <a:t>clustering</a:t>
+            </a:r>
+            <a:endParaRPr lang="es-ES" sz="3200" b="1" dirty="0">
+              <a:latin typeface="Myriad Pro" panose="020B0503030403020204" pitchFamily="34" charset="0"/>
+            </a:endParaRPr>
+          </a:p>
+        </p:txBody>
+      </p:sp>
+      <p:sp>
+        <p:nvSpPr>
+          <p:cNvPr id="3" name="Rectángulo 2">
+            <a:extLst>
+              <a:ext uri="{FF2B5EF4-FFF2-40B4-BE49-F238E27FC236}">
+                <a16:creationId xmlns:a16="http://schemas.microsoft.com/office/drawing/2014/main" id="{F31D718F-9982-4551-8515-BE2F342DA648}"/>
+              </a:ext>
+            </a:extLst>
+          </p:cNvPr>
+          <p:cNvSpPr/>
+          <p:nvPr/>
+        </p:nvSpPr>
+        <p:spPr>
+          <a:xfrm>
+            <a:off x="1027324" y="1982999"/>
+            <a:ext cx="11164676" cy="2677656"/>
+          </a:xfrm>
+          <a:prstGeom prst="rect">
+            <a:avLst/>
+          </a:prstGeom>
+        </p:spPr>
+        <p:txBody>
+          <a:bodyPr wrap="square">
+            <a:spAutoFit/>
+          </a:bodyPr>
+          <a:lstStyle/>
+          <a:p>
+            <a:pPr marL="285750" indent="-285750">
+              <a:buFont typeface="Arial" panose="020B0604020202020204" pitchFamily="34" charset="0"/>
+              <a:buChar char="•"/>
+            </a:pPr>
+            <a:r>
+              <a:rPr lang="es-ES" sz="2800" dirty="0" err="1">
+                <a:latin typeface="Myriad Pro" panose="020B0503030403020204" pitchFamily="34" charset="0"/>
+              </a:rPr>
+              <a:t>Kmeans</a:t>
+            </a:r>
+            <a:endParaRPr lang="es-ES" sz="2800" dirty="0">
+              <a:latin typeface="Myriad Pro" panose="020B0503030403020204" pitchFamily="34" charset="0"/>
+            </a:endParaRPr>
+          </a:p>
+          <a:p>
+            <a:pPr marL="285750" indent="-285750">
+              <a:buFont typeface="Arial" panose="020B0604020202020204" pitchFamily="34" charset="0"/>
+              <a:buChar char="•"/>
+            </a:pPr>
+            <a:endParaRPr lang="es-ES" sz="2800" dirty="0">
+              <a:latin typeface="Myriad Pro" panose="020B0503030403020204" pitchFamily="34" charset="0"/>
+            </a:endParaRPr>
+          </a:p>
+          <a:p>
+            <a:pPr marL="285750" indent="-285750">
+              <a:buFont typeface="Arial" panose="020B0604020202020204" pitchFamily="34" charset="0"/>
+              <a:buChar char="•"/>
+            </a:pPr>
+            <a:r>
+              <a:rPr lang="es-ES" sz="2800" dirty="0" err="1">
+                <a:latin typeface="Myriad Pro" panose="020B0503030403020204" pitchFamily="34" charset="0"/>
+              </a:rPr>
+              <a:t>Isolation</a:t>
+            </a:r>
+            <a:r>
+              <a:rPr lang="es-ES" sz="2800" dirty="0">
+                <a:latin typeface="Myriad Pro" panose="020B0503030403020204" pitchFamily="34" charset="0"/>
+              </a:rPr>
+              <a:t> Forest</a:t>
+            </a:r>
+          </a:p>
+          <a:p>
+            <a:pPr marL="285750" indent="-285750">
+              <a:buFont typeface="Arial" panose="020B0604020202020204" pitchFamily="34" charset="0"/>
+              <a:buChar char="•"/>
+            </a:pPr>
+            <a:endParaRPr lang="es-ES" sz="2800" dirty="0">
+              <a:latin typeface="Myriad Pro" panose="020B0503030403020204" pitchFamily="34" charset="0"/>
+            </a:endParaRPr>
+          </a:p>
+          <a:p>
+            <a:pPr marL="285750" indent="-285750">
+              <a:buFont typeface="Arial" panose="020B0604020202020204" pitchFamily="34" charset="0"/>
+              <a:buChar char="•"/>
+            </a:pPr>
+            <a:r>
+              <a:rPr lang="es-ES" sz="2800" dirty="0">
+                <a:latin typeface="Myriad Pro" panose="020B0503030403020204" pitchFamily="34" charset="0"/>
+              </a:rPr>
+              <a:t>Gaussian Mixture </a:t>
+            </a:r>
+            <a:r>
+              <a:rPr lang="es-ES" sz="2800" dirty="0" err="1">
+                <a:latin typeface="Myriad Pro" panose="020B0503030403020204" pitchFamily="34" charset="0"/>
+              </a:rPr>
+              <a:t>Model</a:t>
+            </a:r>
+            <a:r>
+              <a:rPr lang="es-ES" sz="2800" dirty="0">
+                <a:latin typeface="Myriad Pro" panose="020B0503030403020204" pitchFamily="34" charset="0"/>
+              </a:rPr>
+              <a:t> (GMM)</a:t>
+            </a:r>
+          </a:p>
+          <a:p>
+            <a:pPr marL="285750" indent="-285750">
+              <a:buFont typeface="Arial" panose="020B0604020202020204" pitchFamily="34" charset="0"/>
+              <a:buChar char="•"/>
+            </a:pPr>
+            <a:endParaRPr lang="es-ES" sz="2800" dirty="0">
+              <a:latin typeface="Myriad Pro" panose="020B0503030403020204" pitchFamily="34" charset="0"/>
+            </a:endParaRPr>
+          </a:p>
+        </p:txBody>
+      </p:sp>
+    </p:spTree>
+    <p:extLst>
+      <p:ext uri="{BB962C8B-B14F-4D97-AF65-F5344CB8AC3E}">
+        <p14:creationId xmlns:p14="http://schemas.microsoft.com/office/powerpoint/2010/main" val="43366180"/>
+      </p:ext>
+    </p:extLst>
+  </p:cSld>
+  <p:clrMapOvr>
+    <a:masterClrMapping/>
+  </p:clrMapOvr>
+</p:sld>
+</file>
+
+<file path=ppt/slides/slide36.xml><?xml version="1.0" encoding="utf-8"?>
+<p:sld xmlns:a="http://schemas.openxmlformats.org/drawingml/2006/main" xmlns:r="http://schemas.openxmlformats.org/officeDocument/2006/relationships" xmlns:p="http://schemas.openxmlformats.org/presentationml/2006/main">
+  <p:cSld>
+    <p:spTree>
+      <p:nvGrpSpPr>
+        <p:cNvPr id="1" name=""/>
+        <p:cNvGrpSpPr/>
+        <p:nvPr/>
+      </p:nvGrpSpPr>
+      <p:grpSpPr>
+        <a:xfrm>
+          <a:off x="0" y="0"/>
+          <a:ext cx="0" cy="0"/>
+          <a:chOff x="0" y="0"/>
+          <a:chExt cx="0" cy="0"/>
+        </a:xfrm>
+      </p:grpSpPr>
+      <p:sp>
+        <p:nvSpPr>
+          <p:cNvPr id="24" name="CuadroTexto 23">
+            <a:extLst>
+              <a:ext uri="{FF2B5EF4-FFF2-40B4-BE49-F238E27FC236}">
+                <a16:creationId xmlns:a16="http://schemas.microsoft.com/office/drawing/2014/main" id="{D35DB95D-2EA7-4D4E-8BF8-C4DDBAD8865C}"/>
+              </a:ext>
+            </a:extLst>
+          </p:cNvPr>
+          <p:cNvSpPr txBox="1"/>
+          <p:nvPr/>
+        </p:nvSpPr>
+        <p:spPr>
+          <a:xfrm>
+            <a:off x="615992" y="327637"/>
+            <a:ext cx="6372642" cy="584775"/>
+          </a:xfrm>
+          <a:prstGeom prst="rect">
+            <a:avLst/>
+          </a:prstGeom>
+          <a:noFill/>
+        </p:spPr>
+        <p:txBody>
+          <a:bodyPr wrap="none" rtlCol="0">
+            <a:spAutoFit/>
+          </a:bodyPr>
+          <a:lstStyle/>
+          <a:p>
+            <a:r>
+              <a:rPr lang="es-ES" sz="3200" b="1" dirty="0">
+                <a:solidFill>
+                  <a:srgbClr val="E6007E"/>
+                </a:solidFill>
+                <a:latin typeface="Myriad Pro" panose="020B0503030403020204" pitchFamily="34" charset="0"/>
+              </a:rPr>
+              <a:t>Detección anomalias con K-</a:t>
+            </a:r>
+            <a:r>
+              <a:rPr lang="es-ES" sz="3200" b="1" dirty="0" err="1">
+                <a:solidFill>
+                  <a:srgbClr val="E6007E"/>
+                </a:solidFill>
+                <a:latin typeface="Myriad Pro" panose="020B0503030403020204" pitchFamily="34" charset="0"/>
+              </a:rPr>
+              <a:t>means</a:t>
+            </a:r>
+            <a:endParaRPr lang="es-ES" sz="3200" b="1" dirty="0">
+              <a:latin typeface="Myriad Pro" panose="020B0503030403020204" pitchFamily="34" charset="0"/>
+            </a:endParaRPr>
+          </a:p>
+        </p:txBody>
+      </p:sp>
+      <p:sp>
+        <p:nvSpPr>
+          <p:cNvPr id="3" name="Rectángulo 2">
+            <a:extLst>
+              <a:ext uri="{FF2B5EF4-FFF2-40B4-BE49-F238E27FC236}">
+                <a16:creationId xmlns:a16="http://schemas.microsoft.com/office/drawing/2014/main" id="{F31D718F-9982-4551-8515-BE2F342DA648}"/>
+              </a:ext>
+            </a:extLst>
+          </p:cNvPr>
+          <p:cNvSpPr/>
+          <p:nvPr/>
+        </p:nvSpPr>
+        <p:spPr>
+          <a:xfrm>
+            <a:off x="615992" y="1228397"/>
+            <a:ext cx="11164676" cy="1118383"/>
+          </a:xfrm>
+          <a:prstGeom prst="rect">
+            <a:avLst/>
+          </a:prstGeom>
+        </p:spPr>
+        <p:txBody>
+          <a:bodyPr wrap="square">
+            <a:spAutoFit/>
+          </a:bodyPr>
+          <a:lstStyle/>
+          <a:p>
+            <a:pPr>
+              <a:lnSpc>
+                <a:spcPct val="200000"/>
+              </a:lnSpc>
+              <a:buFont typeface="Arial" panose="020B0604020202020204" pitchFamily="34" charset="0"/>
+              <a:buChar char="•"/>
+            </a:pPr>
+            <a:r>
+              <a:rPr lang="es-ES" dirty="0">
+                <a:latin typeface="Myriad Pro" panose="020B0503030403020204" pitchFamily="34" charset="0"/>
+              </a:rPr>
+              <a:t>K-</a:t>
+            </a:r>
+            <a:r>
+              <a:rPr lang="es-ES" dirty="0" err="1">
+                <a:latin typeface="Myriad Pro" panose="020B0503030403020204" pitchFamily="34" charset="0"/>
+              </a:rPr>
+              <a:t>Means</a:t>
+            </a:r>
+            <a:r>
+              <a:rPr lang="es-ES" dirty="0">
+                <a:latin typeface="Myriad Pro" panose="020B0503030403020204" pitchFamily="34" charset="0"/>
+              </a:rPr>
+              <a:t> es un algoritmo </a:t>
+            </a:r>
+            <a:r>
+              <a:rPr lang="es-ES" dirty="0">
+                <a:latin typeface="Myriad Pro" panose="020B0503030403020204" pitchFamily="34" charset="0"/>
+                <a:hlinkClick r:id="rId2"/>
+              </a:rPr>
+              <a:t>no supervisado</a:t>
+            </a:r>
+            <a:r>
+              <a:rPr lang="es-ES" dirty="0">
+                <a:latin typeface="Myriad Pro" panose="020B0503030403020204" pitchFamily="34" charset="0"/>
+              </a:rPr>
+              <a:t> de </a:t>
+            </a:r>
+            <a:r>
+              <a:rPr lang="es-ES" dirty="0">
+                <a:latin typeface="Myriad Pro" panose="020B0503030403020204" pitchFamily="34" charset="0"/>
+                <a:hlinkClick r:id="rId3"/>
+              </a:rPr>
+              <a:t>Clustering</a:t>
+            </a:r>
+            <a:r>
+              <a:rPr lang="es-ES" dirty="0">
+                <a:latin typeface="Myriad Pro" panose="020B0503030403020204" pitchFamily="34" charset="0"/>
+              </a:rPr>
+              <a:t>. Se utiliza cuando tenemos muchos datos </a:t>
+            </a:r>
+            <a:r>
+              <a:rPr lang="es-ES" b="1" dirty="0">
+                <a:latin typeface="Myriad Pro" panose="020B0503030403020204" pitchFamily="34" charset="0"/>
+              </a:rPr>
+              <a:t>sin etiquetar</a:t>
+            </a:r>
+            <a:r>
+              <a:rPr lang="es-ES" dirty="0">
+                <a:latin typeface="Myriad Pro" panose="020B0503030403020204" pitchFamily="34" charset="0"/>
+              </a:rPr>
+              <a:t>. </a:t>
+            </a:r>
+          </a:p>
+          <a:p>
+            <a:pPr>
+              <a:lnSpc>
+                <a:spcPct val="200000"/>
+              </a:lnSpc>
+              <a:buFont typeface="Arial" panose="020B0604020202020204" pitchFamily="34" charset="0"/>
+              <a:buChar char="•"/>
+            </a:pPr>
+            <a:r>
+              <a:rPr lang="es-ES" dirty="0">
+                <a:latin typeface="Myriad Pro" panose="020B0503030403020204" pitchFamily="34" charset="0"/>
+              </a:rPr>
+              <a:t>El objetivo de este algoritmo es el de encontrar “K” grupos (clusters) de datos similares</a:t>
+            </a:r>
+            <a:endParaRPr lang="es-ES" sz="1600" dirty="0">
+              <a:solidFill>
+                <a:srgbClr val="212121"/>
+              </a:solidFill>
+              <a:latin typeface="Myriad Pro" panose="020B0503030403020204" pitchFamily="34" charset="0"/>
+            </a:endParaRPr>
+          </a:p>
+        </p:txBody>
+      </p:sp>
+      <p:sp>
+        <p:nvSpPr>
+          <p:cNvPr id="2" name="Rectángulo 1">
+            <a:extLst>
+              <a:ext uri="{FF2B5EF4-FFF2-40B4-BE49-F238E27FC236}">
+                <a16:creationId xmlns:a16="http://schemas.microsoft.com/office/drawing/2014/main" id="{E2268293-000F-46D2-A7A4-947518436983}"/>
+              </a:ext>
+            </a:extLst>
+          </p:cNvPr>
+          <p:cNvSpPr/>
+          <p:nvPr/>
+        </p:nvSpPr>
+        <p:spPr>
+          <a:xfrm>
+            <a:off x="615992" y="2662765"/>
+            <a:ext cx="11226820" cy="2539093"/>
+          </a:xfrm>
+          <a:prstGeom prst="rect">
+            <a:avLst/>
+          </a:prstGeom>
+        </p:spPr>
+        <p:txBody>
+          <a:bodyPr wrap="square">
+            <a:spAutoFit/>
+          </a:bodyPr>
+          <a:lstStyle/>
+          <a:p>
+            <a:pPr>
+              <a:lnSpc>
+                <a:spcPct val="150000"/>
+              </a:lnSpc>
+              <a:buFont typeface="Arial" panose="020B0604020202020204" pitchFamily="34" charset="0"/>
+              <a:buChar char="•"/>
+            </a:pPr>
+            <a:r>
+              <a:rPr lang="es-ES" dirty="0">
+                <a:latin typeface="Myriad Pro" panose="020B0503030403020204" pitchFamily="34" charset="0"/>
+              </a:rPr>
+              <a:t>El algoritmo trabaja iterativamente para asignar a cada “punto” uno de los “K” grupos basado en sus características. Son agrupados en base a la similitud de sus </a:t>
+            </a:r>
+            <a:r>
+              <a:rPr lang="es-ES" dirty="0" err="1">
+                <a:latin typeface="Myriad Pro" panose="020B0503030403020204" pitchFamily="34" charset="0"/>
+              </a:rPr>
+              <a:t>features</a:t>
+            </a:r>
+            <a:r>
+              <a:rPr lang="es-ES" dirty="0">
+                <a:latin typeface="Myriad Pro" panose="020B0503030403020204" pitchFamily="34" charset="0"/>
+              </a:rPr>
+              <a:t> (las columnas). </a:t>
+            </a:r>
+          </a:p>
+          <a:p>
+            <a:pPr>
+              <a:lnSpc>
+                <a:spcPct val="150000"/>
+              </a:lnSpc>
+              <a:buFont typeface="Arial" panose="020B0604020202020204" pitchFamily="34" charset="0"/>
+              <a:buChar char="•"/>
+            </a:pPr>
+            <a:endParaRPr lang="es-ES" dirty="0">
+              <a:latin typeface="Myriad Pro" panose="020B0503030403020204" pitchFamily="34" charset="0"/>
+            </a:endParaRPr>
+          </a:p>
+          <a:p>
+            <a:pPr>
+              <a:lnSpc>
+                <a:spcPct val="150000"/>
+              </a:lnSpc>
+              <a:buFont typeface="Arial" panose="020B0604020202020204" pitchFamily="34" charset="0"/>
+              <a:buChar char="•"/>
+            </a:pPr>
+            <a:r>
+              <a:rPr lang="es-ES" dirty="0"/>
+              <a:t>Los grupos se van definiendo de manera “orgánica”, es decir que se va ajustando su posición en cada iteración del proceso, hasta que converge el algoritmo</a:t>
+            </a:r>
+            <a:endParaRPr lang="es-ES" dirty="0">
+              <a:latin typeface="Myriad Pro" panose="020B0503030403020204" pitchFamily="34" charset="0"/>
+            </a:endParaRPr>
+          </a:p>
+          <a:p>
+            <a:pPr>
+              <a:lnSpc>
+                <a:spcPct val="150000"/>
+              </a:lnSpc>
+              <a:buFont typeface="Arial" panose="020B0604020202020204" pitchFamily="34" charset="0"/>
+              <a:buChar char="•"/>
+            </a:pPr>
+            <a:endParaRPr lang="es-ES" dirty="0">
+              <a:latin typeface="Myriad Pro" panose="020B0503030403020204" pitchFamily="34" charset="0"/>
+            </a:endParaRPr>
+          </a:p>
+        </p:txBody>
+      </p:sp>
+    </p:spTree>
+    <p:extLst>
+      <p:ext uri="{BB962C8B-B14F-4D97-AF65-F5344CB8AC3E}">
+        <p14:creationId xmlns:p14="http://schemas.microsoft.com/office/powerpoint/2010/main" val="423741263"/>
+      </p:ext>
+    </p:extLst>
+  </p:cSld>
+  <p:clrMapOvr>
+    <a:masterClrMapping/>
+  </p:clrMapOvr>
+</p:sld>
+</file>
+
+<file path=ppt/slides/slide37.xml><?xml version="1.0" encoding="utf-8"?>
+<p:sld xmlns:a="http://schemas.openxmlformats.org/drawingml/2006/main" xmlns:r="http://schemas.openxmlformats.org/officeDocument/2006/relationships" xmlns:p="http://schemas.openxmlformats.org/presentationml/2006/main">
+  <p:cSld>
+    <p:spTree>
+      <p:nvGrpSpPr>
+        <p:cNvPr id="1" name=""/>
+        <p:cNvGrpSpPr/>
+        <p:nvPr/>
+      </p:nvGrpSpPr>
+      <p:grpSpPr>
+        <a:xfrm>
+          <a:off x="0" y="0"/>
+          <a:ext cx="0" cy="0"/>
+          <a:chOff x="0" y="0"/>
+          <a:chExt cx="0" cy="0"/>
+        </a:xfrm>
+      </p:grpSpPr>
+      <p:sp>
+        <p:nvSpPr>
+          <p:cNvPr id="24" name="CuadroTexto 23">
+            <a:extLst>
+              <a:ext uri="{FF2B5EF4-FFF2-40B4-BE49-F238E27FC236}">
+                <a16:creationId xmlns:a16="http://schemas.microsoft.com/office/drawing/2014/main" id="{D35DB95D-2EA7-4D4E-8BF8-C4DDBAD8865C}"/>
+              </a:ext>
+            </a:extLst>
+          </p:cNvPr>
+          <p:cNvSpPr txBox="1"/>
+          <p:nvPr/>
+        </p:nvSpPr>
+        <p:spPr>
+          <a:xfrm>
+            <a:off x="615992" y="327637"/>
+            <a:ext cx="6372642" cy="584775"/>
+          </a:xfrm>
+          <a:prstGeom prst="rect">
+            <a:avLst/>
+          </a:prstGeom>
+          <a:noFill/>
+        </p:spPr>
+        <p:txBody>
+          <a:bodyPr wrap="none" rtlCol="0">
+            <a:spAutoFit/>
+          </a:bodyPr>
+          <a:lstStyle/>
+          <a:p>
+            <a:r>
+              <a:rPr lang="es-ES" sz="3200" b="1" dirty="0">
+                <a:solidFill>
+                  <a:srgbClr val="E6007E"/>
+                </a:solidFill>
+                <a:latin typeface="Myriad Pro" panose="020B0503030403020204" pitchFamily="34" charset="0"/>
+              </a:rPr>
+              <a:t>Detección anomalias con K-</a:t>
+            </a:r>
+            <a:r>
+              <a:rPr lang="es-ES" sz="3200" b="1" dirty="0" err="1">
+                <a:solidFill>
+                  <a:srgbClr val="E6007E"/>
+                </a:solidFill>
+                <a:latin typeface="Myriad Pro" panose="020B0503030403020204" pitchFamily="34" charset="0"/>
+              </a:rPr>
+              <a:t>means</a:t>
+            </a:r>
+            <a:endParaRPr lang="es-ES" sz="3200" b="1" dirty="0">
+              <a:latin typeface="Myriad Pro" panose="020B0503030403020204" pitchFamily="34" charset="0"/>
+            </a:endParaRPr>
+          </a:p>
+        </p:txBody>
+      </p:sp>
+      <p:sp>
+        <p:nvSpPr>
+          <p:cNvPr id="4" name="Rectángulo 3">
+            <a:extLst>
+              <a:ext uri="{FF2B5EF4-FFF2-40B4-BE49-F238E27FC236}">
+                <a16:creationId xmlns:a16="http://schemas.microsoft.com/office/drawing/2014/main" id="{CD084FED-45B9-4F7F-8642-9CF74518A86D}"/>
+              </a:ext>
+            </a:extLst>
+          </p:cNvPr>
+          <p:cNvSpPr/>
+          <p:nvPr/>
+        </p:nvSpPr>
+        <p:spPr>
+          <a:xfrm>
+            <a:off x="615991" y="786205"/>
+            <a:ext cx="7617644" cy="2954591"/>
+          </a:xfrm>
+          <a:prstGeom prst="rect">
+            <a:avLst/>
+          </a:prstGeom>
+        </p:spPr>
+        <p:txBody>
+          <a:bodyPr wrap="square">
+            <a:spAutoFit/>
+          </a:bodyPr>
+          <a:lstStyle/>
+          <a:p>
+            <a:pPr>
+              <a:lnSpc>
+                <a:spcPct val="150000"/>
+              </a:lnSpc>
+            </a:pPr>
+            <a:endParaRPr lang="es-ES" dirty="0">
+              <a:latin typeface="Myriad Pro" panose="020B0503030403020204" pitchFamily="34" charset="0"/>
+            </a:endParaRPr>
+          </a:p>
+          <a:p>
+            <a:pPr>
+              <a:lnSpc>
+                <a:spcPct val="150000"/>
+              </a:lnSpc>
+            </a:pPr>
+            <a:r>
+              <a:rPr lang="es-ES" dirty="0">
+                <a:latin typeface="Myriad Pro" panose="020B0503030403020204" pitchFamily="34" charset="0"/>
+              </a:rPr>
+              <a:t>Como resultado de ejecutar el algoritmo tendremos:</a:t>
+            </a:r>
+          </a:p>
+          <a:p>
+            <a:pPr>
+              <a:lnSpc>
+                <a:spcPct val="150000"/>
+              </a:lnSpc>
+            </a:pPr>
+            <a:endParaRPr lang="es-ES" dirty="0">
+              <a:latin typeface="Myriad Pro" panose="020B0503030403020204" pitchFamily="34" charset="0"/>
+            </a:endParaRPr>
+          </a:p>
+          <a:p>
+            <a:pPr>
+              <a:lnSpc>
+                <a:spcPct val="150000"/>
+              </a:lnSpc>
+              <a:buFont typeface="Arial" panose="020B0604020202020204" pitchFamily="34" charset="0"/>
+              <a:buChar char="•"/>
+            </a:pPr>
+            <a:r>
+              <a:rPr lang="es-ES" dirty="0">
+                <a:latin typeface="Myriad Pro" panose="020B0503030403020204" pitchFamily="34" charset="0"/>
+              </a:rPr>
+              <a:t>Los </a:t>
+            </a:r>
+            <a:r>
+              <a:rPr lang="es-ES" b="1" dirty="0">
+                <a:latin typeface="Myriad Pro" panose="020B0503030403020204" pitchFamily="34" charset="0"/>
+              </a:rPr>
+              <a:t>“</a:t>
+            </a:r>
+            <a:r>
+              <a:rPr lang="es-ES" b="1" dirty="0" err="1">
+                <a:latin typeface="Myriad Pro" panose="020B0503030403020204" pitchFamily="34" charset="0"/>
+              </a:rPr>
+              <a:t>centroids</a:t>
+            </a:r>
+            <a:r>
+              <a:rPr lang="es-ES" b="1" dirty="0">
+                <a:latin typeface="Myriad Pro" panose="020B0503030403020204" pitchFamily="34" charset="0"/>
+              </a:rPr>
+              <a:t>” </a:t>
+            </a:r>
+            <a:r>
+              <a:rPr lang="es-ES" dirty="0">
+                <a:latin typeface="Myriad Pro" panose="020B0503030403020204" pitchFamily="34" charset="0"/>
+              </a:rPr>
+              <a:t>de cada grupo que serán unas “coordenadas” de cada uno de los K conjuntos que se utilizarán para poder etiquetar nuevas muestras.</a:t>
+            </a:r>
+          </a:p>
+          <a:p>
+            <a:pPr>
+              <a:lnSpc>
+                <a:spcPct val="150000"/>
+              </a:lnSpc>
+              <a:buFont typeface="Arial" panose="020B0604020202020204" pitchFamily="34" charset="0"/>
+              <a:buChar char="•"/>
+            </a:pPr>
+            <a:endParaRPr lang="es-ES" dirty="0">
+              <a:latin typeface="Myriad Pro" panose="020B0503030403020204" pitchFamily="34" charset="0"/>
+            </a:endParaRPr>
+          </a:p>
+          <a:p>
+            <a:pPr>
+              <a:lnSpc>
+                <a:spcPct val="150000"/>
+              </a:lnSpc>
+              <a:buFont typeface="Arial" panose="020B0604020202020204" pitchFamily="34" charset="0"/>
+              <a:buChar char="•"/>
+            </a:pPr>
+            <a:endParaRPr lang="es-ES" dirty="0">
+              <a:latin typeface="Myriad Pro" panose="020B0503030403020204" pitchFamily="34" charset="0"/>
+            </a:endParaRPr>
+          </a:p>
+        </p:txBody>
+      </p:sp>
+      <p:pic>
+        <p:nvPicPr>
+          <p:cNvPr id="7" name="Picture 2" descr="K-means en Python y Scikit-learn, con ejemplos - Jarroba">
+            <a:extLst>
+              <a:ext uri="{FF2B5EF4-FFF2-40B4-BE49-F238E27FC236}">
+                <a16:creationId xmlns:a16="http://schemas.microsoft.com/office/drawing/2014/main" id="{B403105E-FCE1-4358-82BF-68C32A705438}"/>
+              </a:ext>
+            </a:extLst>
+          </p:cNvPr>
+          <p:cNvPicPr>
+            <a:picLocks noChangeAspect="1" noChangeArrowheads="1"/>
+          </p:cNvPicPr>
+          <p:nvPr/>
+        </p:nvPicPr>
+        <p:blipFill>
+          <a:blip r:embed="rId2">
+            <a:extLst>
+              <a:ext uri="{28A0092B-C50C-407E-A947-70E740481C1C}">
+                <a14:useLocalDpi xmlns:a14="http://schemas.microsoft.com/office/drawing/2010/main" val="0"/>
+              </a:ext>
+            </a:extLst>
+          </a:blip>
+          <a:srcRect/>
+          <a:stretch>
+            <a:fillRect/>
+          </a:stretch>
+        </p:blipFill>
+        <p:spPr bwMode="auto">
+          <a:xfrm>
+            <a:off x="8233635" y="550416"/>
+            <a:ext cx="3958365" cy="3079996"/>
+          </a:xfrm>
+          <a:prstGeom prst="rect">
+            <a:avLst/>
+          </a:prstGeom>
+          <a:noFill/>
+          <a:extLst>
+            <a:ext uri="{909E8E84-426E-40DD-AFC4-6F175D3DCCD1}">
+              <a14:hiddenFill xmlns:a14="http://schemas.microsoft.com/office/drawing/2010/main">
+                <a:solidFill>
+                  <a:srgbClr val="FFFFFF"/>
+                </a:solidFill>
+              </a14:hiddenFill>
+            </a:ext>
+          </a:extLst>
+        </p:spPr>
+      </p:pic>
+      <p:pic>
+        <p:nvPicPr>
+          <p:cNvPr id="8" name="Imagen 7">
+            <a:extLst>
+              <a:ext uri="{FF2B5EF4-FFF2-40B4-BE49-F238E27FC236}">
+                <a16:creationId xmlns:a16="http://schemas.microsoft.com/office/drawing/2014/main" id="{A15CDF74-56A4-448E-BA44-E2BD6E954AE8}"/>
+              </a:ext>
+            </a:extLst>
+          </p:cNvPr>
+          <p:cNvPicPr>
+            <a:picLocks noChangeAspect="1"/>
+          </p:cNvPicPr>
+          <p:nvPr/>
+        </p:nvPicPr>
+        <p:blipFill>
+          <a:blip r:embed="rId3"/>
+          <a:stretch>
+            <a:fillRect/>
+          </a:stretch>
+        </p:blipFill>
+        <p:spPr>
+          <a:xfrm>
+            <a:off x="736303" y="3630412"/>
+            <a:ext cx="4572543" cy="2497963"/>
+          </a:xfrm>
+          <a:prstGeom prst="rect">
+            <a:avLst/>
+          </a:prstGeom>
+          <a:ln>
+            <a:solidFill>
+              <a:schemeClr val="tx1"/>
+            </a:solidFill>
+          </a:ln>
+        </p:spPr>
+      </p:pic>
+      <p:sp>
+        <p:nvSpPr>
+          <p:cNvPr id="5" name="Rectángulo 4">
+            <a:extLst>
+              <a:ext uri="{FF2B5EF4-FFF2-40B4-BE49-F238E27FC236}">
+                <a16:creationId xmlns:a16="http://schemas.microsoft.com/office/drawing/2014/main" id="{7BDA5847-CB80-473F-A847-E778ADA66241}"/>
+              </a:ext>
+            </a:extLst>
+          </p:cNvPr>
+          <p:cNvSpPr/>
+          <p:nvPr/>
+        </p:nvSpPr>
+        <p:spPr>
+          <a:xfrm>
+            <a:off x="5804125" y="4088980"/>
+            <a:ext cx="6096000" cy="461601"/>
+          </a:xfrm>
+          <a:prstGeom prst="rect">
+            <a:avLst/>
+          </a:prstGeom>
+        </p:spPr>
+        <p:txBody>
+          <a:bodyPr>
+            <a:spAutoFit/>
+          </a:bodyPr>
+          <a:lstStyle/>
+          <a:p>
+            <a:pPr>
+              <a:lnSpc>
+                <a:spcPct val="150000"/>
+              </a:lnSpc>
+              <a:buFont typeface="Arial" panose="020B0604020202020204" pitchFamily="34" charset="0"/>
+              <a:buChar char="•"/>
+            </a:pPr>
+            <a:r>
+              <a:rPr lang="es-ES" dirty="0">
+                <a:latin typeface="Myriad Pro" panose="020B0503030403020204" pitchFamily="34" charset="0"/>
+              </a:rPr>
+              <a:t>El </a:t>
+            </a:r>
+            <a:r>
+              <a:rPr lang="es-ES" b="1" dirty="0">
+                <a:latin typeface="Myriad Pro" panose="020B0503030403020204" pitchFamily="34" charset="0"/>
+              </a:rPr>
+              <a:t>cluster</a:t>
+            </a:r>
+            <a:r>
+              <a:rPr lang="es-ES" dirty="0">
+                <a:latin typeface="Myriad Pro" panose="020B0503030403020204" pitchFamily="34" charset="0"/>
+              </a:rPr>
+              <a:t> al cual pertenece un punto o registro</a:t>
+            </a:r>
+          </a:p>
+        </p:txBody>
+      </p:sp>
+    </p:spTree>
+    <p:extLst>
+      <p:ext uri="{BB962C8B-B14F-4D97-AF65-F5344CB8AC3E}">
+        <p14:creationId xmlns:p14="http://schemas.microsoft.com/office/powerpoint/2010/main" val="3011649786"/>
+      </p:ext>
+    </p:extLst>
+  </p:cSld>
+  <p:clrMapOvr>
+    <a:masterClrMapping/>
+  </p:clrMapOvr>
+</p:sld>
+</file>
+
+<file path=ppt/slides/slide38.xml><?xml version="1.0" encoding="utf-8"?>
+<p:sld xmlns:a="http://schemas.openxmlformats.org/drawingml/2006/main" xmlns:r="http://schemas.openxmlformats.org/officeDocument/2006/relationships" xmlns:p="http://schemas.openxmlformats.org/presentationml/2006/main">
+  <p:cSld>
+    <p:spTree>
+      <p:nvGrpSpPr>
+        <p:cNvPr id="1" name=""/>
+        <p:cNvGrpSpPr/>
+        <p:nvPr/>
+      </p:nvGrpSpPr>
+      <p:grpSpPr>
+        <a:xfrm>
+          <a:off x="0" y="0"/>
+          <a:ext cx="0" cy="0"/>
+          <a:chOff x="0" y="0"/>
+          <a:chExt cx="0" cy="0"/>
+        </a:xfrm>
+      </p:grpSpPr>
+      <p:sp>
+        <p:nvSpPr>
+          <p:cNvPr id="24" name="CuadroTexto 23">
+            <a:extLst>
+              <a:ext uri="{FF2B5EF4-FFF2-40B4-BE49-F238E27FC236}">
+                <a16:creationId xmlns:a16="http://schemas.microsoft.com/office/drawing/2014/main" id="{D35DB95D-2EA7-4D4E-8BF8-C4DDBAD8865C}"/>
+              </a:ext>
+            </a:extLst>
+          </p:cNvPr>
+          <p:cNvSpPr txBox="1"/>
+          <p:nvPr/>
+        </p:nvSpPr>
+        <p:spPr>
+          <a:xfrm>
+            <a:off x="615992" y="327637"/>
+            <a:ext cx="6372642" cy="584775"/>
+          </a:xfrm>
+          <a:prstGeom prst="rect">
+            <a:avLst/>
+          </a:prstGeom>
+          <a:noFill/>
+        </p:spPr>
+        <p:txBody>
+          <a:bodyPr wrap="none" rtlCol="0">
+            <a:spAutoFit/>
+          </a:bodyPr>
+          <a:lstStyle/>
+          <a:p>
+            <a:r>
+              <a:rPr lang="es-ES" sz="3200" b="1" dirty="0">
+                <a:solidFill>
+                  <a:srgbClr val="E6007E"/>
+                </a:solidFill>
+                <a:latin typeface="Myriad Pro" panose="020B0503030403020204" pitchFamily="34" charset="0"/>
+              </a:rPr>
+              <a:t>Detección anomalias con K-</a:t>
+            </a:r>
+            <a:r>
+              <a:rPr lang="es-ES" sz="3200" b="1" dirty="0" err="1">
+                <a:solidFill>
+                  <a:srgbClr val="E6007E"/>
+                </a:solidFill>
+                <a:latin typeface="Myriad Pro" panose="020B0503030403020204" pitchFamily="34" charset="0"/>
+              </a:rPr>
+              <a:t>means</a:t>
+            </a:r>
+            <a:endParaRPr lang="es-ES" sz="3200" b="1" dirty="0">
+              <a:latin typeface="Myriad Pro" panose="020B0503030403020204" pitchFamily="34" charset="0"/>
+            </a:endParaRPr>
+          </a:p>
+        </p:txBody>
+      </p:sp>
+      <p:sp>
+        <p:nvSpPr>
+          <p:cNvPr id="4" name="Rectángulo 3">
+            <a:extLst>
+              <a:ext uri="{FF2B5EF4-FFF2-40B4-BE49-F238E27FC236}">
+                <a16:creationId xmlns:a16="http://schemas.microsoft.com/office/drawing/2014/main" id="{CD084FED-45B9-4F7F-8642-9CF74518A86D}"/>
+              </a:ext>
+            </a:extLst>
+          </p:cNvPr>
+          <p:cNvSpPr/>
+          <p:nvPr/>
+        </p:nvSpPr>
+        <p:spPr>
+          <a:xfrm>
+            <a:off x="615991" y="1088046"/>
+            <a:ext cx="11129165" cy="5863080"/>
+          </a:xfrm>
+          <a:prstGeom prst="rect">
+            <a:avLst/>
+          </a:prstGeom>
+        </p:spPr>
+        <p:txBody>
+          <a:bodyPr wrap="square">
+            <a:spAutoFit/>
+          </a:bodyPr>
+          <a:lstStyle/>
+          <a:p>
+            <a:pPr>
+              <a:lnSpc>
+                <a:spcPct val="150000"/>
+              </a:lnSpc>
+            </a:pPr>
+            <a:r>
+              <a:rPr lang="es-ES" b="1" dirty="0"/>
+              <a:t>El Algoritmo K-</a:t>
+            </a:r>
+            <a:r>
+              <a:rPr lang="es-ES" b="1" dirty="0" err="1"/>
+              <a:t>means</a:t>
+            </a:r>
+            <a:endParaRPr lang="es-ES" b="1" dirty="0"/>
+          </a:p>
+          <a:p>
+            <a:pPr>
+              <a:lnSpc>
+                <a:spcPct val="150000"/>
+              </a:lnSpc>
+            </a:pPr>
+            <a:endParaRPr lang="es-ES" dirty="0">
+              <a:latin typeface="Myriad Pro" panose="020B0503030403020204" pitchFamily="34" charset="0"/>
+            </a:endParaRPr>
+          </a:p>
+          <a:p>
+            <a:pPr>
+              <a:lnSpc>
+                <a:spcPct val="150000"/>
+              </a:lnSpc>
+            </a:pPr>
+            <a:r>
+              <a:rPr lang="es-ES" dirty="0">
+                <a:latin typeface="Myriad Pro" panose="020B0503030403020204" pitchFamily="34" charset="0"/>
+              </a:rPr>
+              <a:t>El algoritmo utiliza una proceso iterativo en el que se van ajustando los grupos para producir el resultado final. Para ejecutar el algoritmo deberemos pasar como entrada el conjunto de datos y un valor de K. </a:t>
+            </a:r>
+          </a:p>
+          <a:p>
+            <a:pPr>
+              <a:lnSpc>
+                <a:spcPct val="150000"/>
+              </a:lnSpc>
+            </a:pPr>
+            <a:endParaRPr lang="es-ES" dirty="0">
+              <a:latin typeface="Myriad Pro" panose="020B0503030403020204" pitchFamily="34" charset="0"/>
+            </a:endParaRPr>
+          </a:p>
+          <a:p>
+            <a:pPr>
+              <a:lnSpc>
+                <a:spcPct val="150000"/>
+              </a:lnSpc>
+            </a:pPr>
+            <a:r>
+              <a:rPr lang="es-ES" dirty="0">
+                <a:latin typeface="Myriad Pro" panose="020B0503030403020204" pitchFamily="34" charset="0"/>
+              </a:rPr>
+              <a:t>El conjunto de datos serán las características o </a:t>
+            </a:r>
+            <a:r>
+              <a:rPr lang="es-ES" dirty="0" err="1">
+                <a:latin typeface="Myriad Pro" panose="020B0503030403020204" pitchFamily="34" charset="0"/>
+              </a:rPr>
+              <a:t>features</a:t>
+            </a:r>
+            <a:r>
+              <a:rPr lang="es-ES" dirty="0">
+                <a:latin typeface="Myriad Pro" panose="020B0503030403020204" pitchFamily="34" charset="0"/>
+              </a:rPr>
+              <a:t> para cada punto. Las posiciones iniciales de los K </a:t>
+            </a:r>
+            <a:r>
+              <a:rPr lang="es-ES" dirty="0" err="1">
+                <a:latin typeface="Myriad Pro" panose="020B0503030403020204" pitchFamily="34" charset="0"/>
+              </a:rPr>
+              <a:t>centroids</a:t>
+            </a:r>
+            <a:r>
+              <a:rPr lang="es-ES" dirty="0">
+                <a:latin typeface="Myriad Pro" panose="020B0503030403020204" pitchFamily="34" charset="0"/>
+              </a:rPr>
+              <a:t> serán asignadas de manera aleatoria de cualquier punto del conjunto de datos de entrada. Luego se itera en dos pasos:</a:t>
+            </a:r>
+          </a:p>
+          <a:p>
+            <a:pPr>
+              <a:lnSpc>
+                <a:spcPct val="150000"/>
+              </a:lnSpc>
+            </a:pPr>
+            <a:endParaRPr lang="es-ES" dirty="0">
+              <a:latin typeface="Myriad Pro" panose="020B0503030403020204" pitchFamily="34" charset="0"/>
+            </a:endParaRPr>
+          </a:p>
+          <a:p>
+            <a:pPr>
+              <a:lnSpc>
+                <a:spcPct val="150000"/>
+              </a:lnSpc>
+            </a:pPr>
+            <a:r>
+              <a:rPr lang="es-ES" dirty="0">
+                <a:latin typeface="Myriad Pro" panose="020B0503030403020204" pitchFamily="34" charset="0"/>
+              </a:rPr>
+              <a:t>1- Paso de Asignación de datos</a:t>
+            </a:r>
+          </a:p>
+          <a:p>
+            <a:pPr>
+              <a:lnSpc>
+                <a:spcPct val="150000"/>
+              </a:lnSpc>
+            </a:pPr>
+            <a:r>
+              <a:rPr lang="es-ES" dirty="0">
+                <a:latin typeface="Myriad Pro" panose="020B0503030403020204" pitchFamily="34" charset="0"/>
+              </a:rPr>
+              <a:t>En este paso, cada “fila” de nuestro conjunto de datos se asigna al centroide más cercano basado en la distancia cuadrada </a:t>
+            </a:r>
+            <a:r>
+              <a:rPr lang="es-ES" dirty="0" err="1">
+                <a:latin typeface="Myriad Pro" panose="020B0503030403020204" pitchFamily="34" charset="0"/>
+              </a:rPr>
+              <a:t>Euclideana</a:t>
+            </a:r>
+            <a:endParaRPr lang="es-ES" dirty="0">
+              <a:latin typeface="Myriad Pro" panose="020B0503030403020204" pitchFamily="34" charset="0"/>
+            </a:endParaRPr>
+          </a:p>
+          <a:p>
+            <a:pPr>
+              <a:lnSpc>
+                <a:spcPct val="150000"/>
+              </a:lnSpc>
+              <a:buFont typeface="Arial" panose="020B0604020202020204" pitchFamily="34" charset="0"/>
+              <a:buChar char="•"/>
+            </a:pPr>
+            <a:endParaRPr lang="es-ES" dirty="0">
+              <a:latin typeface="Myriad Pro" panose="020B0503030403020204" pitchFamily="34" charset="0"/>
+            </a:endParaRPr>
+          </a:p>
+          <a:p>
+            <a:pPr>
+              <a:lnSpc>
+                <a:spcPct val="150000"/>
+              </a:lnSpc>
+              <a:buFont typeface="Arial" panose="020B0604020202020204" pitchFamily="34" charset="0"/>
+              <a:buChar char="•"/>
+            </a:pPr>
+            <a:endParaRPr lang="es-ES" dirty="0">
+              <a:latin typeface="Myriad Pro" panose="020B0503030403020204" pitchFamily="34" charset="0"/>
+            </a:endParaRPr>
+          </a:p>
+        </p:txBody>
+      </p:sp>
+    </p:spTree>
+    <p:extLst>
+      <p:ext uri="{BB962C8B-B14F-4D97-AF65-F5344CB8AC3E}">
+        <p14:creationId xmlns:p14="http://schemas.microsoft.com/office/powerpoint/2010/main" val="1284331632"/>
+      </p:ext>
+    </p:extLst>
+  </p:cSld>
+  <p:clrMapOvr>
+    <a:masterClrMapping/>
+  </p:clrMapOvr>
+</p:sld>
+</file>
+
+<file path=ppt/slides/slide39.xml><?xml version="1.0" encoding="utf-8"?>
+<p:sld xmlns:a="http://schemas.openxmlformats.org/drawingml/2006/main" xmlns:r="http://schemas.openxmlformats.org/officeDocument/2006/relationships" xmlns:p="http://schemas.openxmlformats.org/presentationml/2006/main">
+  <p:cSld>
+    <p:spTree>
+      <p:nvGrpSpPr>
+        <p:cNvPr id="1" name=""/>
+        <p:cNvGrpSpPr/>
+        <p:nvPr/>
+      </p:nvGrpSpPr>
+      <p:grpSpPr>
+        <a:xfrm>
+          <a:off x="0" y="0"/>
+          <a:ext cx="0" cy="0"/>
+          <a:chOff x="0" y="0"/>
+          <a:chExt cx="0" cy="0"/>
+        </a:xfrm>
+      </p:grpSpPr>
+      <p:sp>
+        <p:nvSpPr>
+          <p:cNvPr id="24" name="CuadroTexto 23">
+            <a:extLst>
+              <a:ext uri="{FF2B5EF4-FFF2-40B4-BE49-F238E27FC236}">
+                <a16:creationId xmlns:a16="http://schemas.microsoft.com/office/drawing/2014/main" id="{D35DB95D-2EA7-4D4E-8BF8-C4DDBAD8865C}"/>
+              </a:ext>
+            </a:extLst>
+          </p:cNvPr>
+          <p:cNvSpPr txBox="1"/>
+          <p:nvPr/>
+        </p:nvSpPr>
+        <p:spPr>
+          <a:xfrm>
+            <a:off x="615992" y="327637"/>
+            <a:ext cx="6372642" cy="584775"/>
+          </a:xfrm>
+          <a:prstGeom prst="rect">
+            <a:avLst/>
+          </a:prstGeom>
+          <a:noFill/>
+        </p:spPr>
+        <p:txBody>
+          <a:bodyPr wrap="none" rtlCol="0">
+            <a:spAutoFit/>
+          </a:bodyPr>
+          <a:lstStyle/>
+          <a:p>
+            <a:r>
+              <a:rPr lang="es-ES" sz="3200" b="1" dirty="0">
+                <a:solidFill>
+                  <a:srgbClr val="E6007E"/>
+                </a:solidFill>
+                <a:latin typeface="Myriad Pro" panose="020B0503030403020204" pitchFamily="34" charset="0"/>
+              </a:rPr>
+              <a:t>Detección anomalias con K-</a:t>
+            </a:r>
+            <a:r>
+              <a:rPr lang="es-ES" sz="3200" b="1" dirty="0" err="1">
+                <a:solidFill>
+                  <a:srgbClr val="E6007E"/>
+                </a:solidFill>
+                <a:latin typeface="Myriad Pro" panose="020B0503030403020204" pitchFamily="34" charset="0"/>
+              </a:rPr>
+              <a:t>means</a:t>
+            </a:r>
+            <a:endParaRPr lang="es-ES" sz="3200" b="1" dirty="0">
+              <a:latin typeface="Myriad Pro" panose="020B0503030403020204" pitchFamily="34" charset="0"/>
+            </a:endParaRPr>
+          </a:p>
+        </p:txBody>
+      </p:sp>
+      <p:sp>
+        <p:nvSpPr>
+          <p:cNvPr id="4" name="Rectángulo 3">
+            <a:extLst>
+              <a:ext uri="{FF2B5EF4-FFF2-40B4-BE49-F238E27FC236}">
+                <a16:creationId xmlns:a16="http://schemas.microsoft.com/office/drawing/2014/main" id="{CD084FED-45B9-4F7F-8642-9CF74518A86D}"/>
+              </a:ext>
+            </a:extLst>
+          </p:cNvPr>
+          <p:cNvSpPr/>
+          <p:nvPr/>
+        </p:nvSpPr>
+        <p:spPr>
+          <a:xfrm>
+            <a:off x="615991" y="1088046"/>
+            <a:ext cx="11129165" cy="5032083"/>
+          </a:xfrm>
+          <a:prstGeom prst="rect">
+            <a:avLst/>
+          </a:prstGeom>
+        </p:spPr>
+        <p:txBody>
+          <a:bodyPr wrap="square">
+            <a:spAutoFit/>
+          </a:bodyPr>
+          <a:lstStyle/>
+          <a:p>
+            <a:pPr>
+              <a:lnSpc>
+                <a:spcPct val="150000"/>
+              </a:lnSpc>
+            </a:pPr>
+            <a:r>
+              <a:rPr lang="es-ES" b="1" dirty="0"/>
+              <a:t>El Algoritmo K-</a:t>
+            </a:r>
+            <a:r>
+              <a:rPr lang="es-ES" b="1" dirty="0" err="1"/>
+              <a:t>means</a:t>
+            </a:r>
+            <a:endParaRPr lang="es-ES" b="1" dirty="0"/>
+          </a:p>
+          <a:p>
+            <a:pPr>
+              <a:lnSpc>
+                <a:spcPct val="150000"/>
+              </a:lnSpc>
+            </a:pPr>
+            <a:endParaRPr lang="es-ES" dirty="0">
+              <a:latin typeface="Myriad Pro" panose="020B0503030403020204" pitchFamily="34" charset="0"/>
+            </a:endParaRPr>
+          </a:p>
+          <a:p>
+            <a:pPr>
+              <a:lnSpc>
+                <a:spcPct val="150000"/>
+              </a:lnSpc>
+            </a:pPr>
+            <a:r>
+              <a:rPr lang="es-ES" dirty="0">
+                <a:latin typeface="Myriad Pro" panose="020B0503030403020204" pitchFamily="34" charset="0"/>
+              </a:rPr>
+              <a:t>2- Paso de actualización de </a:t>
+            </a:r>
+            <a:r>
+              <a:rPr lang="es-ES" dirty="0" err="1">
+                <a:latin typeface="Myriad Pro" panose="020B0503030403020204" pitchFamily="34" charset="0"/>
+              </a:rPr>
+              <a:t>Centroid</a:t>
+            </a:r>
+            <a:endParaRPr lang="es-ES" dirty="0">
+              <a:latin typeface="Myriad Pro" panose="020B0503030403020204" pitchFamily="34" charset="0"/>
+            </a:endParaRPr>
+          </a:p>
+          <a:p>
+            <a:pPr>
+              <a:lnSpc>
+                <a:spcPct val="150000"/>
+              </a:lnSpc>
+            </a:pPr>
+            <a:endParaRPr lang="es-ES" dirty="0">
+              <a:latin typeface="Myriad Pro" panose="020B0503030403020204" pitchFamily="34" charset="0"/>
+            </a:endParaRPr>
+          </a:p>
+          <a:p>
+            <a:pPr>
+              <a:lnSpc>
+                <a:spcPct val="150000"/>
+              </a:lnSpc>
+            </a:pPr>
+            <a:r>
+              <a:rPr lang="es-ES" dirty="0">
+                <a:latin typeface="Myriad Pro" panose="020B0503030403020204" pitchFamily="34" charset="0"/>
+              </a:rPr>
+              <a:t>En este paso los </a:t>
+            </a:r>
+            <a:r>
+              <a:rPr lang="es-ES" dirty="0" err="1">
+                <a:latin typeface="Myriad Pro" panose="020B0503030403020204" pitchFamily="34" charset="0"/>
+              </a:rPr>
+              <a:t>centroid</a:t>
+            </a:r>
+            <a:r>
+              <a:rPr lang="es-ES" dirty="0">
+                <a:latin typeface="Myriad Pro" panose="020B0503030403020204" pitchFamily="34" charset="0"/>
+              </a:rPr>
+              <a:t> de cada grupo son recalculados. Esto se hace tomando una media de todos los puntos asignados en el paso anterior.</a:t>
+            </a:r>
+          </a:p>
+          <a:p>
+            <a:pPr>
+              <a:lnSpc>
+                <a:spcPct val="150000"/>
+              </a:lnSpc>
+            </a:pPr>
+            <a:endParaRPr lang="es-ES" dirty="0">
+              <a:latin typeface="Myriad Pro" panose="020B0503030403020204" pitchFamily="34" charset="0"/>
+            </a:endParaRPr>
+          </a:p>
+          <a:p>
+            <a:pPr>
+              <a:lnSpc>
+                <a:spcPct val="150000"/>
+              </a:lnSpc>
+            </a:pPr>
+            <a:r>
+              <a:rPr lang="es-ES" dirty="0">
+                <a:latin typeface="Myriad Pro" panose="020B0503030403020204" pitchFamily="34" charset="0"/>
+              </a:rPr>
+              <a:t>El algoritmo itera entre estos pasos hasta cumplir un criterio de detención:</a:t>
+            </a:r>
+          </a:p>
+          <a:p>
+            <a:pPr>
+              <a:lnSpc>
+                <a:spcPct val="150000"/>
+              </a:lnSpc>
+            </a:pPr>
+            <a:r>
+              <a:rPr lang="es-ES" dirty="0">
+                <a:latin typeface="Myriad Pro" panose="020B0503030403020204" pitchFamily="34" charset="0"/>
+              </a:rPr>
+              <a:t>*  si no hay cambios en los puntos asignados a los grupos,</a:t>
+            </a:r>
+          </a:p>
+          <a:p>
+            <a:pPr>
+              <a:lnSpc>
+                <a:spcPct val="150000"/>
+              </a:lnSpc>
+            </a:pPr>
+            <a:r>
+              <a:rPr lang="es-ES" dirty="0">
+                <a:latin typeface="Myriad Pro" panose="020B0503030403020204" pitchFamily="34" charset="0"/>
+              </a:rPr>
+              <a:t>* o si la suma de las distancias se minimiza,</a:t>
+            </a:r>
+          </a:p>
+          <a:p>
+            <a:pPr>
+              <a:lnSpc>
+                <a:spcPct val="150000"/>
+              </a:lnSpc>
+            </a:pPr>
+            <a:r>
+              <a:rPr lang="es-ES" dirty="0">
+                <a:latin typeface="Myriad Pro" panose="020B0503030403020204" pitchFamily="34" charset="0"/>
+              </a:rPr>
+              <a:t>* o se alcanza un número máximo de iteraciones.</a:t>
+            </a:r>
+          </a:p>
+          <a:p>
+            <a:pPr>
+              <a:lnSpc>
+                <a:spcPct val="150000"/>
+              </a:lnSpc>
+              <a:buFont typeface="Arial" panose="020B0604020202020204" pitchFamily="34" charset="0"/>
+              <a:buChar char="•"/>
+            </a:pPr>
+            <a:endParaRPr lang="es-ES" dirty="0">
+              <a:latin typeface="Myriad Pro" panose="020B0503030403020204" pitchFamily="34" charset="0"/>
+            </a:endParaRPr>
+          </a:p>
+        </p:txBody>
+      </p:sp>
+    </p:spTree>
+    <p:extLst>
+      <p:ext uri="{BB962C8B-B14F-4D97-AF65-F5344CB8AC3E}">
+        <p14:creationId xmlns:p14="http://schemas.microsoft.com/office/powerpoint/2010/main" val="2919387230"/>
+      </p:ext>
+    </p:extLst>
+  </p:cSld>
+  <p:clrMapOvr>
+    <a:masterClrMapping/>
+  </p:clrMapOvr>
+</p:sld>
+</file>
+
 <file path=ppt/slides/slide4.xml><?xml version="1.0" encoding="utf-8"?>
 <p:sld xmlns:a="http://schemas.openxmlformats.org/drawingml/2006/main" xmlns:r="http://schemas.openxmlformats.org/officeDocument/2006/relationships" xmlns:p="http://schemas.openxmlformats.org/presentationml/2006/main">
   <p:cSld>
@@ -11083,6 +12743,2789 @@
     <p:extLst>
       <p:ext uri="{BB962C8B-B14F-4D97-AF65-F5344CB8AC3E}">
         <p14:creationId xmlns:p14="http://schemas.microsoft.com/office/powerpoint/2010/main" val="4168797833"/>
+      </p:ext>
+    </p:extLst>
+  </p:cSld>
+  <p:clrMapOvr>
+    <a:masterClrMapping/>
+  </p:clrMapOvr>
+</p:sld>
+</file>
+
+<file path=ppt/slides/slide40.xml><?xml version="1.0" encoding="utf-8"?>
+<p:sld xmlns:a="http://schemas.openxmlformats.org/drawingml/2006/main" xmlns:r="http://schemas.openxmlformats.org/officeDocument/2006/relationships" xmlns:p="http://schemas.openxmlformats.org/presentationml/2006/main">
+  <p:cSld>
+    <p:spTree>
+      <p:nvGrpSpPr>
+        <p:cNvPr id="1" name=""/>
+        <p:cNvGrpSpPr/>
+        <p:nvPr/>
+      </p:nvGrpSpPr>
+      <p:grpSpPr>
+        <a:xfrm>
+          <a:off x="0" y="0"/>
+          <a:ext cx="0" cy="0"/>
+          <a:chOff x="0" y="0"/>
+          <a:chExt cx="0" cy="0"/>
+        </a:xfrm>
+      </p:grpSpPr>
+      <p:sp>
+        <p:nvSpPr>
+          <p:cNvPr id="24" name="CuadroTexto 23">
+            <a:extLst>
+              <a:ext uri="{FF2B5EF4-FFF2-40B4-BE49-F238E27FC236}">
+                <a16:creationId xmlns:a16="http://schemas.microsoft.com/office/drawing/2014/main" id="{D35DB95D-2EA7-4D4E-8BF8-C4DDBAD8865C}"/>
+              </a:ext>
+            </a:extLst>
+          </p:cNvPr>
+          <p:cNvSpPr txBox="1"/>
+          <p:nvPr/>
+        </p:nvSpPr>
+        <p:spPr>
+          <a:xfrm>
+            <a:off x="615992" y="327637"/>
+            <a:ext cx="6372642" cy="584775"/>
+          </a:xfrm>
+          <a:prstGeom prst="rect">
+            <a:avLst/>
+          </a:prstGeom>
+          <a:noFill/>
+        </p:spPr>
+        <p:txBody>
+          <a:bodyPr wrap="none" rtlCol="0">
+            <a:spAutoFit/>
+          </a:bodyPr>
+          <a:lstStyle/>
+          <a:p>
+            <a:r>
+              <a:rPr lang="es-ES" sz="3200" b="1" dirty="0">
+                <a:solidFill>
+                  <a:srgbClr val="E6007E"/>
+                </a:solidFill>
+                <a:latin typeface="Myriad Pro" panose="020B0503030403020204" pitchFamily="34" charset="0"/>
+              </a:rPr>
+              <a:t>Detección anomalias con K-</a:t>
+            </a:r>
+            <a:r>
+              <a:rPr lang="es-ES" sz="3200" b="1" dirty="0" err="1">
+                <a:solidFill>
+                  <a:srgbClr val="E6007E"/>
+                </a:solidFill>
+                <a:latin typeface="Myriad Pro" panose="020B0503030403020204" pitchFamily="34" charset="0"/>
+              </a:rPr>
+              <a:t>means</a:t>
+            </a:r>
+            <a:endParaRPr lang="es-ES" sz="3200" b="1" dirty="0">
+              <a:latin typeface="Myriad Pro" panose="020B0503030403020204" pitchFamily="34" charset="0"/>
+            </a:endParaRPr>
+          </a:p>
+        </p:txBody>
+      </p:sp>
+      <p:sp>
+        <p:nvSpPr>
+          <p:cNvPr id="4" name="Rectángulo 3">
+            <a:extLst>
+              <a:ext uri="{FF2B5EF4-FFF2-40B4-BE49-F238E27FC236}">
+                <a16:creationId xmlns:a16="http://schemas.microsoft.com/office/drawing/2014/main" id="{CD084FED-45B9-4F7F-8642-9CF74518A86D}"/>
+              </a:ext>
+            </a:extLst>
+          </p:cNvPr>
+          <p:cNvSpPr/>
+          <p:nvPr/>
+        </p:nvSpPr>
+        <p:spPr>
+          <a:xfrm>
+            <a:off x="615991" y="1088046"/>
+            <a:ext cx="11129165" cy="4616585"/>
+          </a:xfrm>
+          <a:prstGeom prst="rect">
+            <a:avLst/>
+          </a:prstGeom>
+        </p:spPr>
+        <p:txBody>
+          <a:bodyPr wrap="square">
+            <a:spAutoFit/>
+          </a:bodyPr>
+          <a:lstStyle/>
+          <a:p>
+            <a:pPr>
+              <a:lnSpc>
+                <a:spcPct val="150000"/>
+              </a:lnSpc>
+            </a:pPr>
+            <a:r>
+              <a:rPr lang="es-ES" b="1" dirty="0"/>
+              <a:t>Elegir el valor de número de clusters</a:t>
+            </a:r>
+            <a:endParaRPr lang="es-ES" dirty="0">
+              <a:latin typeface="Myriad Pro" panose="020B0503030403020204" pitchFamily="34" charset="0"/>
+            </a:endParaRPr>
+          </a:p>
+          <a:p>
+            <a:pPr>
+              <a:lnSpc>
+                <a:spcPct val="150000"/>
+              </a:lnSpc>
+            </a:pPr>
+            <a:r>
+              <a:rPr lang="es-ES" dirty="0">
+                <a:latin typeface="Myriad Pro" panose="020B0503030403020204" pitchFamily="34" charset="0"/>
+              </a:rPr>
+              <a:t>2- Paso de actualización de </a:t>
+            </a:r>
+            <a:r>
+              <a:rPr lang="es-ES" dirty="0" err="1">
+                <a:latin typeface="Myriad Pro" panose="020B0503030403020204" pitchFamily="34" charset="0"/>
+              </a:rPr>
+              <a:t>Centroid</a:t>
+            </a:r>
+            <a:endParaRPr lang="es-ES" dirty="0">
+              <a:latin typeface="Myriad Pro" panose="020B0503030403020204" pitchFamily="34" charset="0"/>
+            </a:endParaRPr>
+          </a:p>
+          <a:p>
+            <a:pPr>
+              <a:lnSpc>
+                <a:spcPct val="150000"/>
+              </a:lnSpc>
+            </a:pPr>
+            <a:endParaRPr lang="es-ES" dirty="0">
+              <a:latin typeface="Myriad Pro" panose="020B0503030403020204" pitchFamily="34" charset="0"/>
+            </a:endParaRPr>
+          </a:p>
+          <a:p>
+            <a:pPr>
+              <a:lnSpc>
+                <a:spcPct val="150000"/>
+              </a:lnSpc>
+            </a:pPr>
+            <a:r>
+              <a:rPr lang="es-ES" dirty="0">
+                <a:latin typeface="Myriad Pro" panose="020B0503030403020204" pitchFamily="34" charset="0"/>
+              </a:rPr>
+              <a:t>En este paso los </a:t>
+            </a:r>
+            <a:r>
+              <a:rPr lang="es-ES" dirty="0" err="1">
+                <a:latin typeface="Myriad Pro" panose="020B0503030403020204" pitchFamily="34" charset="0"/>
+              </a:rPr>
+              <a:t>centroid</a:t>
+            </a:r>
+            <a:r>
+              <a:rPr lang="es-ES" dirty="0">
+                <a:latin typeface="Myriad Pro" panose="020B0503030403020204" pitchFamily="34" charset="0"/>
+              </a:rPr>
+              <a:t> de cada grupo son recalculados. Esto se hace tomando una media de todos los puntos asignados en el paso anterior.</a:t>
+            </a:r>
+          </a:p>
+          <a:p>
+            <a:pPr>
+              <a:lnSpc>
+                <a:spcPct val="150000"/>
+              </a:lnSpc>
+            </a:pPr>
+            <a:endParaRPr lang="es-ES" dirty="0">
+              <a:latin typeface="Myriad Pro" panose="020B0503030403020204" pitchFamily="34" charset="0"/>
+            </a:endParaRPr>
+          </a:p>
+          <a:p>
+            <a:pPr>
+              <a:lnSpc>
+                <a:spcPct val="150000"/>
+              </a:lnSpc>
+            </a:pPr>
+            <a:r>
+              <a:rPr lang="es-ES" dirty="0">
+                <a:latin typeface="Myriad Pro" panose="020B0503030403020204" pitchFamily="34" charset="0"/>
+              </a:rPr>
+              <a:t>El algoritmo itera entre estos pasos hasta cumplir un criterio de detención:</a:t>
+            </a:r>
+          </a:p>
+          <a:p>
+            <a:pPr>
+              <a:lnSpc>
+                <a:spcPct val="150000"/>
+              </a:lnSpc>
+            </a:pPr>
+            <a:r>
+              <a:rPr lang="es-ES" dirty="0">
+                <a:latin typeface="Myriad Pro" panose="020B0503030403020204" pitchFamily="34" charset="0"/>
+              </a:rPr>
+              <a:t>*  si no hay cambios en los puntos asignados a los grupos,</a:t>
+            </a:r>
+          </a:p>
+          <a:p>
+            <a:pPr>
+              <a:lnSpc>
+                <a:spcPct val="150000"/>
+              </a:lnSpc>
+            </a:pPr>
+            <a:r>
+              <a:rPr lang="es-ES" dirty="0">
+                <a:latin typeface="Myriad Pro" panose="020B0503030403020204" pitchFamily="34" charset="0"/>
+              </a:rPr>
+              <a:t>* o si la suma de las distancias se minimiza,</a:t>
+            </a:r>
+          </a:p>
+          <a:p>
+            <a:pPr>
+              <a:lnSpc>
+                <a:spcPct val="150000"/>
+              </a:lnSpc>
+            </a:pPr>
+            <a:r>
+              <a:rPr lang="es-ES" dirty="0">
+                <a:latin typeface="Myriad Pro" panose="020B0503030403020204" pitchFamily="34" charset="0"/>
+              </a:rPr>
+              <a:t>* o se alcanza un número máximo de iteraciones.</a:t>
+            </a:r>
+          </a:p>
+          <a:p>
+            <a:pPr>
+              <a:lnSpc>
+                <a:spcPct val="150000"/>
+              </a:lnSpc>
+              <a:buFont typeface="Arial" panose="020B0604020202020204" pitchFamily="34" charset="0"/>
+              <a:buChar char="•"/>
+            </a:pPr>
+            <a:endParaRPr lang="es-ES" dirty="0">
+              <a:latin typeface="Myriad Pro" panose="020B0503030403020204" pitchFamily="34" charset="0"/>
+            </a:endParaRPr>
+          </a:p>
+        </p:txBody>
+      </p:sp>
+    </p:spTree>
+    <p:extLst>
+      <p:ext uri="{BB962C8B-B14F-4D97-AF65-F5344CB8AC3E}">
+        <p14:creationId xmlns:p14="http://schemas.microsoft.com/office/powerpoint/2010/main" val="1289019266"/>
+      </p:ext>
+    </p:extLst>
+  </p:cSld>
+  <p:clrMapOvr>
+    <a:masterClrMapping/>
+  </p:clrMapOvr>
+</p:sld>
+</file>
+
+<file path=ppt/slides/slide41.xml><?xml version="1.0" encoding="utf-8"?>
+<p:sld xmlns:a="http://schemas.openxmlformats.org/drawingml/2006/main" xmlns:r="http://schemas.openxmlformats.org/officeDocument/2006/relationships" xmlns:p="http://schemas.openxmlformats.org/presentationml/2006/main">
+  <p:cSld>
+    <p:spTree>
+      <p:nvGrpSpPr>
+        <p:cNvPr id="1" name=""/>
+        <p:cNvGrpSpPr/>
+        <p:nvPr/>
+      </p:nvGrpSpPr>
+      <p:grpSpPr>
+        <a:xfrm>
+          <a:off x="0" y="0"/>
+          <a:ext cx="0" cy="0"/>
+          <a:chOff x="0" y="0"/>
+          <a:chExt cx="0" cy="0"/>
+        </a:xfrm>
+      </p:grpSpPr>
+      <p:sp>
+        <p:nvSpPr>
+          <p:cNvPr id="24" name="CuadroTexto 23">
+            <a:extLst>
+              <a:ext uri="{FF2B5EF4-FFF2-40B4-BE49-F238E27FC236}">
+                <a16:creationId xmlns:a16="http://schemas.microsoft.com/office/drawing/2014/main" id="{D35DB95D-2EA7-4D4E-8BF8-C4DDBAD8865C}"/>
+              </a:ext>
+            </a:extLst>
+          </p:cNvPr>
+          <p:cNvSpPr txBox="1"/>
+          <p:nvPr/>
+        </p:nvSpPr>
+        <p:spPr>
+          <a:xfrm>
+            <a:off x="615992" y="327637"/>
+            <a:ext cx="6372642" cy="584775"/>
+          </a:xfrm>
+          <a:prstGeom prst="rect">
+            <a:avLst/>
+          </a:prstGeom>
+          <a:noFill/>
+        </p:spPr>
+        <p:txBody>
+          <a:bodyPr wrap="none" rtlCol="0">
+            <a:spAutoFit/>
+          </a:bodyPr>
+          <a:lstStyle/>
+          <a:p>
+            <a:r>
+              <a:rPr lang="es-ES" sz="3200" b="1" dirty="0">
+                <a:solidFill>
+                  <a:srgbClr val="E6007E"/>
+                </a:solidFill>
+                <a:latin typeface="Myriad Pro" panose="020B0503030403020204" pitchFamily="34" charset="0"/>
+              </a:rPr>
+              <a:t>Detección anomalias con K-</a:t>
+            </a:r>
+            <a:r>
+              <a:rPr lang="es-ES" sz="3200" b="1" dirty="0" err="1">
+                <a:solidFill>
+                  <a:srgbClr val="E6007E"/>
+                </a:solidFill>
+                <a:latin typeface="Myriad Pro" panose="020B0503030403020204" pitchFamily="34" charset="0"/>
+              </a:rPr>
+              <a:t>means</a:t>
+            </a:r>
+            <a:endParaRPr lang="es-ES" sz="3200" b="1" dirty="0">
+              <a:latin typeface="Myriad Pro" panose="020B0503030403020204" pitchFamily="34" charset="0"/>
+            </a:endParaRPr>
+          </a:p>
+        </p:txBody>
+      </p:sp>
+      <p:sp>
+        <p:nvSpPr>
+          <p:cNvPr id="4" name="Rectángulo 3">
+            <a:extLst>
+              <a:ext uri="{FF2B5EF4-FFF2-40B4-BE49-F238E27FC236}">
+                <a16:creationId xmlns:a16="http://schemas.microsoft.com/office/drawing/2014/main" id="{CD084FED-45B9-4F7F-8642-9CF74518A86D}"/>
+              </a:ext>
+            </a:extLst>
+          </p:cNvPr>
+          <p:cNvSpPr/>
+          <p:nvPr/>
+        </p:nvSpPr>
+        <p:spPr>
+          <a:xfrm>
+            <a:off x="615991" y="1088046"/>
+            <a:ext cx="11129165" cy="5032083"/>
+          </a:xfrm>
+          <a:prstGeom prst="rect">
+            <a:avLst/>
+          </a:prstGeom>
+        </p:spPr>
+        <p:txBody>
+          <a:bodyPr wrap="square">
+            <a:spAutoFit/>
+          </a:bodyPr>
+          <a:lstStyle/>
+          <a:p>
+            <a:pPr>
+              <a:lnSpc>
+                <a:spcPct val="150000"/>
+              </a:lnSpc>
+            </a:pPr>
+            <a:r>
+              <a:rPr lang="es-ES" b="1" dirty="0"/>
+              <a:t>Elegir el valor de número de clusters</a:t>
+            </a:r>
+          </a:p>
+          <a:p>
+            <a:pPr>
+              <a:lnSpc>
+                <a:spcPct val="150000"/>
+              </a:lnSpc>
+            </a:pPr>
+            <a:endParaRPr lang="es-ES" dirty="0">
+              <a:latin typeface="Myriad Pro" panose="020B0503030403020204" pitchFamily="34" charset="0"/>
+            </a:endParaRPr>
+          </a:p>
+          <a:p>
+            <a:pPr>
+              <a:lnSpc>
+                <a:spcPct val="150000"/>
+              </a:lnSpc>
+            </a:pPr>
+            <a:r>
+              <a:rPr lang="es-ES" dirty="0">
+                <a:latin typeface="Myriad Pro" panose="020B0503030403020204" pitchFamily="34" charset="0"/>
+              </a:rPr>
+              <a:t>Este algoritmo funciona </a:t>
+            </a:r>
+            <a:r>
+              <a:rPr lang="es-ES" dirty="0" err="1">
+                <a:latin typeface="Myriad Pro" panose="020B0503030403020204" pitchFamily="34" charset="0"/>
+              </a:rPr>
+              <a:t>pre-seleccionando</a:t>
+            </a:r>
+            <a:r>
+              <a:rPr lang="es-ES" dirty="0">
+                <a:latin typeface="Myriad Pro" panose="020B0503030403020204" pitchFamily="34" charset="0"/>
+              </a:rPr>
+              <a:t> un valor de K. Para encontrar el número de clusters en los datos, deberemos ejecutar el algoritmo para un rango de valores K, ver los resultados y comparar características de los grupos obtenidos. </a:t>
+            </a:r>
+          </a:p>
+          <a:p>
+            <a:pPr>
+              <a:lnSpc>
+                <a:spcPct val="150000"/>
+              </a:lnSpc>
+            </a:pPr>
+            <a:endParaRPr lang="es-ES" dirty="0">
+              <a:latin typeface="Myriad Pro" panose="020B0503030403020204" pitchFamily="34" charset="0"/>
+            </a:endParaRPr>
+          </a:p>
+          <a:p>
+            <a:pPr>
+              <a:lnSpc>
+                <a:spcPct val="150000"/>
+              </a:lnSpc>
+            </a:pPr>
+            <a:r>
+              <a:rPr lang="es-ES" dirty="0">
+                <a:latin typeface="Myriad Pro" panose="020B0503030403020204" pitchFamily="34" charset="0"/>
+              </a:rPr>
+              <a:t>En general no hay un modo exacto de determinar el valor K, pero se puede estimar con aceptable precisión siguiendo la siguiente técnica:</a:t>
+            </a:r>
+          </a:p>
+          <a:p>
+            <a:pPr>
+              <a:lnSpc>
+                <a:spcPct val="150000"/>
+              </a:lnSpc>
+            </a:pPr>
+            <a:endParaRPr lang="es-ES" dirty="0">
+              <a:latin typeface="Myriad Pro" panose="020B0503030403020204" pitchFamily="34" charset="0"/>
+            </a:endParaRPr>
+          </a:p>
+          <a:p>
+            <a:pPr>
+              <a:lnSpc>
+                <a:spcPct val="150000"/>
+              </a:lnSpc>
+            </a:pPr>
+            <a:r>
+              <a:rPr lang="es-ES" dirty="0">
+                <a:latin typeface="Myriad Pro" panose="020B0503030403020204" pitchFamily="34" charset="0"/>
+              </a:rPr>
+              <a:t>Una de las métricas usada para comparar resultados es la distancia media entre los puntos de datos y su </a:t>
+            </a:r>
+            <a:r>
+              <a:rPr lang="es-ES" dirty="0" err="1">
+                <a:latin typeface="Myriad Pro" panose="020B0503030403020204" pitchFamily="34" charset="0"/>
+              </a:rPr>
+              <a:t>centroid</a:t>
+            </a:r>
+            <a:r>
+              <a:rPr lang="es-ES" dirty="0">
+                <a:latin typeface="Myriad Pro" panose="020B0503030403020204" pitchFamily="34" charset="0"/>
+              </a:rPr>
+              <a:t>. Como el valor de la media </a:t>
+            </a:r>
+            <a:r>
+              <a:rPr lang="es-ES" dirty="0" err="1">
+                <a:latin typeface="Myriad Pro" panose="020B0503030403020204" pitchFamily="34" charset="0"/>
+              </a:rPr>
+              <a:t>diminuirá</a:t>
+            </a:r>
+            <a:r>
+              <a:rPr lang="es-ES" dirty="0">
+                <a:latin typeface="Myriad Pro" panose="020B0503030403020204" pitchFamily="34" charset="0"/>
+              </a:rPr>
+              <a:t> a medida de aumentemos el valor de K, deberemos utilizar la distancia media al centroide en función de K y encontrar el “punto codo”, donde la tasa de descenso se “afila”. </a:t>
+            </a:r>
+          </a:p>
+        </p:txBody>
+      </p:sp>
+    </p:spTree>
+    <p:extLst>
+      <p:ext uri="{BB962C8B-B14F-4D97-AF65-F5344CB8AC3E}">
+        <p14:creationId xmlns:p14="http://schemas.microsoft.com/office/powerpoint/2010/main" val="2757722948"/>
+      </p:ext>
+    </p:extLst>
+  </p:cSld>
+  <p:clrMapOvr>
+    <a:masterClrMapping/>
+  </p:clrMapOvr>
+</p:sld>
+</file>
+
+<file path=ppt/slides/slide42.xml><?xml version="1.0" encoding="utf-8"?>
+<p:sld xmlns:a="http://schemas.openxmlformats.org/drawingml/2006/main" xmlns:r="http://schemas.openxmlformats.org/officeDocument/2006/relationships" xmlns:p="http://schemas.openxmlformats.org/presentationml/2006/main">
+  <p:cSld>
+    <p:spTree>
+      <p:nvGrpSpPr>
+        <p:cNvPr id="1" name=""/>
+        <p:cNvGrpSpPr/>
+        <p:nvPr/>
+      </p:nvGrpSpPr>
+      <p:grpSpPr>
+        <a:xfrm>
+          <a:off x="0" y="0"/>
+          <a:ext cx="0" cy="0"/>
+          <a:chOff x="0" y="0"/>
+          <a:chExt cx="0" cy="0"/>
+        </a:xfrm>
+      </p:grpSpPr>
+      <p:sp>
+        <p:nvSpPr>
+          <p:cNvPr id="24" name="CuadroTexto 23">
+            <a:extLst>
+              <a:ext uri="{FF2B5EF4-FFF2-40B4-BE49-F238E27FC236}">
+                <a16:creationId xmlns:a16="http://schemas.microsoft.com/office/drawing/2014/main" id="{D35DB95D-2EA7-4D4E-8BF8-C4DDBAD8865C}"/>
+              </a:ext>
+            </a:extLst>
+          </p:cNvPr>
+          <p:cNvSpPr txBox="1"/>
+          <p:nvPr/>
+        </p:nvSpPr>
+        <p:spPr>
+          <a:xfrm>
+            <a:off x="615992" y="327637"/>
+            <a:ext cx="6372642" cy="584775"/>
+          </a:xfrm>
+          <a:prstGeom prst="rect">
+            <a:avLst/>
+          </a:prstGeom>
+          <a:noFill/>
+        </p:spPr>
+        <p:txBody>
+          <a:bodyPr wrap="none" rtlCol="0">
+            <a:spAutoFit/>
+          </a:bodyPr>
+          <a:lstStyle/>
+          <a:p>
+            <a:r>
+              <a:rPr lang="es-ES" sz="3200" b="1" dirty="0">
+                <a:solidFill>
+                  <a:srgbClr val="E6007E"/>
+                </a:solidFill>
+                <a:latin typeface="Myriad Pro" panose="020B0503030403020204" pitchFamily="34" charset="0"/>
+              </a:rPr>
+              <a:t>Detección anomalias con K-</a:t>
+            </a:r>
+            <a:r>
+              <a:rPr lang="es-ES" sz="3200" b="1" dirty="0" err="1">
+                <a:solidFill>
+                  <a:srgbClr val="E6007E"/>
+                </a:solidFill>
+                <a:latin typeface="Myriad Pro" panose="020B0503030403020204" pitchFamily="34" charset="0"/>
+              </a:rPr>
+              <a:t>means</a:t>
+            </a:r>
+            <a:endParaRPr lang="es-ES" sz="3200" b="1" dirty="0">
+              <a:latin typeface="Myriad Pro" panose="020B0503030403020204" pitchFamily="34" charset="0"/>
+            </a:endParaRPr>
+          </a:p>
+        </p:txBody>
+      </p:sp>
+      <p:sp>
+        <p:nvSpPr>
+          <p:cNvPr id="4" name="Rectángulo 3">
+            <a:extLst>
+              <a:ext uri="{FF2B5EF4-FFF2-40B4-BE49-F238E27FC236}">
+                <a16:creationId xmlns:a16="http://schemas.microsoft.com/office/drawing/2014/main" id="{CD084FED-45B9-4F7F-8642-9CF74518A86D}"/>
+              </a:ext>
+            </a:extLst>
+          </p:cNvPr>
+          <p:cNvSpPr/>
+          <p:nvPr/>
+        </p:nvSpPr>
+        <p:spPr>
+          <a:xfrm>
+            <a:off x="615991" y="1088046"/>
+            <a:ext cx="11129165" cy="877100"/>
+          </a:xfrm>
+          <a:prstGeom prst="rect">
+            <a:avLst/>
+          </a:prstGeom>
+        </p:spPr>
+        <p:txBody>
+          <a:bodyPr wrap="square">
+            <a:spAutoFit/>
+          </a:bodyPr>
+          <a:lstStyle/>
+          <a:p>
+            <a:pPr>
+              <a:lnSpc>
+                <a:spcPct val="150000"/>
+              </a:lnSpc>
+            </a:pPr>
+            <a:r>
+              <a:rPr lang="es-ES" b="1" dirty="0"/>
+              <a:t>Gráfica de </a:t>
+            </a:r>
+            <a:r>
+              <a:rPr lang="es-ES" b="1" dirty="0" err="1"/>
+              <a:t>Elbow</a:t>
+            </a:r>
+            <a:endParaRPr lang="es-ES" b="1" dirty="0"/>
+          </a:p>
+          <a:p>
+            <a:pPr>
+              <a:lnSpc>
+                <a:spcPct val="150000"/>
+              </a:lnSpc>
+            </a:pPr>
+            <a:endParaRPr lang="es-ES" dirty="0">
+              <a:latin typeface="Myriad Pro" panose="020B0503030403020204" pitchFamily="34" charset="0"/>
+            </a:endParaRPr>
+          </a:p>
+        </p:txBody>
+      </p:sp>
+      <p:pic>
+        <p:nvPicPr>
+          <p:cNvPr id="6146" name="Picture 2" descr="https://www.aprendemachinelearning.com/wp-content/uploads/2018/03/ejemplo-elbow.png">
+            <a:extLst>
+              <a:ext uri="{FF2B5EF4-FFF2-40B4-BE49-F238E27FC236}">
+                <a16:creationId xmlns:a16="http://schemas.microsoft.com/office/drawing/2014/main" id="{B572BB9D-0EA5-4193-8B20-FA4D1F9A4487}"/>
+              </a:ext>
+            </a:extLst>
+          </p:cNvPr>
+          <p:cNvPicPr>
+            <a:picLocks noChangeAspect="1" noChangeArrowheads="1"/>
+          </p:cNvPicPr>
+          <p:nvPr/>
+        </p:nvPicPr>
+        <p:blipFill>
+          <a:blip r:embed="rId2">
+            <a:extLst>
+              <a:ext uri="{28A0092B-C50C-407E-A947-70E740481C1C}">
+                <a14:useLocalDpi xmlns:a14="http://schemas.microsoft.com/office/drawing/2010/main" val="0"/>
+              </a:ext>
+            </a:extLst>
+          </a:blip>
+          <a:srcRect/>
+          <a:stretch>
+            <a:fillRect/>
+          </a:stretch>
+        </p:blipFill>
+        <p:spPr bwMode="auto">
+          <a:xfrm>
+            <a:off x="1722269" y="1608192"/>
+            <a:ext cx="8037250" cy="4411069"/>
+          </a:xfrm>
+          <a:prstGeom prst="rect">
+            <a:avLst/>
+          </a:prstGeom>
+          <a:noFill/>
+          <a:extLst>
+            <a:ext uri="{909E8E84-426E-40DD-AFC4-6F175D3DCCD1}">
+              <a14:hiddenFill xmlns:a14="http://schemas.microsoft.com/office/drawing/2010/main">
+                <a:solidFill>
+                  <a:srgbClr val="FFFFFF"/>
+                </a:solidFill>
+              </a14:hiddenFill>
+            </a:ext>
+          </a:extLst>
+        </p:spPr>
+      </p:pic>
+    </p:spTree>
+    <p:extLst>
+      <p:ext uri="{BB962C8B-B14F-4D97-AF65-F5344CB8AC3E}">
+        <p14:creationId xmlns:p14="http://schemas.microsoft.com/office/powerpoint/2010/main" val="3354623907"/>
+      </p:ext>
+    </p:extLst>
+  </p:cSld>
+  <p:clrMapOvr>
+    <a:masterClrMapping/>
+  </p:clrMapOvr>
+</p:sld>
+</file>
+
+<file path=ppt/slides/slide43.xml><?xml version="1.0" encoding="utf-8"?>
+<p:sld xmlns:a="http://schemas.openxmlformats.org/drawingml/2006/main" xmlns:r="http://schemas.openxmlformats.org/officeDocument/2006/relationships" xmlns:p="http://schemas.openxmlformats.org/presentationml/2006/main">
+  <p:cSld>
+    <p:spTree>
+      <p:nvGrpSpPr>
+        <p:cNvPr id="1" name=""/>
+        <p:cNvGrpSpPr/>
+        <p:nvPr/>
+      </p:nvGrpSpPr>
+      <p:grpSpPr>
+        <a:xfrm>
+          <a:off x="0" y="0"/>
+          <a:ext cx="0" cy="0"/>
+          <a:chOff x="0" y="0"/>
+          <a:chExt cx="0" cy="0"/>
+        </a:xfrm>
+      </p:grpSpPr>
+      <p:sp>
+        <p:nvSpPr>
+          <p:cNvPr id="24" name="CuadroTexto 23">
+            <a:extLst>
+              <a:ext uri="{FF2B5EF4-FFF2-40B4-BE49-F238E27FC236}">
+                <a16:creationId xmlns:a16="http://schemas.microsoft.com/office/drawing/2014/main" id="{D35DB95D-2EA7-4D4E-8BF8-C4DDBAD8865C}"/>
+              </a:ext>
+            </a:extLst>
+          </p:cNvPr>
+          <p:cNvSpPr txBox="1"/>
+          <p:nvPr/>
+        </p:nvSpPr>
+        <p:spPr>
+          <a:xfrm>
+            <a:off x="615992" y="327637"/>
+            <a:ext cx="6372642" cy="584775"/>
+          </a:xfrm>
+          <a:prstGeom prst="rect">
+            <a:avLst/>
+          </a:prstGeom>
+          <a:noFill/>
+        </p:spPr>
+        <p:txBody>
+          <a:bodyPr wrap="none" rtlCol="0">
+            <a:spAutoFit/>
+          </a:bodyPr>
+          <a:lstStyle/>
+          <a:p>
+            <a:r>
+              <a:rPr lang="es-ES" sz="3200" b="1" dirty="0">
+                <a:solidFill>
+                  <a:srgbClr val="E6007E"/>
+                </a:solidFill>
+                <a:latin typeface="Myriad Pro" panose="020B0503030403020204" pitchFamily="34" charset="0"/>
+              </a:rPr>
+              <a:t>Detección anomalias con K-</a:t>
+            </a:r>
+            <a:r>
+              <a:rPr lang="es-ES" sz="3200" b="1" dirty="0" err="1">
+                <a:solidFill>
+                  <a:srgbClr val="E6007E"/>
+                </a:solidFill>
+                <a:latin typeface="Myriad Pro" panose="020B0503030403020204" pitchFamily="34" charset="0"/>
+              </a:rPr>
+              <a:t>means</a:t>
+            </a:r>
+            <a:endParaRPr lang="es-ES" sz="3200" b="1" dirty="0">
+              <a:latin typeface="Myriad Pro" panose="020B0503030403020204" pitchFamily="34" charset="0"/>
+            </a:endParaRPr>
+          </a:p>
+        </p:txBody>
+      </p:sp>
+      <p:sp>
+        <p:nvSpPr>
+          <p:cNvPr id="4" name="Rectángulo 3">
+            <a:extLst>
+              <a:ext uri="{FF2B5EF4-FFF2-40B4-BE49-F238E27FC236}">
+                <a16:creationId xmlns:a16="http://schemas.microsoft.com/office/drawing/2014/main" id="{CD084FED-45B9-4F7F-8642-9CF74518A86D}"/>
+              </a:ext>
+            </a:extLst>
+          </p:cNvPr>
+          <p:cNvSpPr/>
+          <p:nvPr/>
+        </p:nvSpPr>
+        <p:spPr>
+          <a:xfrm>
+            <a:off x="615991" y="1088046"/>
+            <a:ext cx="11129165" cy="1292598"/>
+          </a:xfrm>
+          <a:prstGeom prst="rect">
+            <a:avLst/>
+          </a:prstGeom>
+        </p:spPr>
+        <p:txBody>
+          <a:bodyPr wrap="square">
+            <a:spAutoFit/>
+          </a:bodyPr>
+          <a:lstStyle/>
+          <a:p>
+            <a:pPr>
+              <a:lnSpc>
+                <a:spcPct val="150000"/>
+              </a:lnSpc>
+            </a:pPr>
+            <a:r>
+              <a:rPr lang="es-ES" b="1" dirty="0"/>
+              <a:t>Distancia</a:t>
+            </a:r>
+          </a:p>
+          <a:p>
+            <a:pPr>
+              <a:lnSpc>
+                <a:spcPct val="150000"/>
+              </a:lnSpc>
+            </a:pPr>
+            <a:r>
+              <a:rPr lang="es-ES" dirty="0">
+                <a:latin typeface="Myriad Pro" panose="020B0503030403020204" pitchFamily="34" charset="0"/>
+              </a:rPr>
+              <a:t>Este algoritmo tiene una función para devolver la distancia euclídea de cada punto a cada uno de los centroides </a:t>
+            </a:r>
+          </a:p>
+          <a:p>
+            <a:pPr>
+              <a:lnSpc>
+                <a:spcPct val="150000"/>
+              </a:lnSpc>
+            </a:pPr>
+            <a:endParaRPr lang="es-ES" dirty="0">
+              <a:latin typeface="Myriad Pro" panose="020B0503030403020204" pitchFamily="34" charset="0"/>
+            </a:endParaRPr>
+          </a:p>
+        </p:txBody>
+      </p:sp>
+      <p:pic>
+        <p:nvPicPr>
+          <p:cNvPr id="3" name="Imagen 2">
+            <a:extLst>
+              <a:ext uri="{FF2B5EF4-FFF2-40B4-BE49-F238E27FC236}">
+                <a16:creationId xmlns:a16="http://schemas.microsoft.com/office/drawing/2014/main" id="{DAB6B643-C598-4E08-A683-49D6FAD1904A}"/>
+              </a:ext>
+            </a:extLst>
+          </p:cNvPr>
+          <p:cNvPicPr>
+            <a:picLocks noChangeAspect="1"/>
+          </p:cNvPicPr>
+          <p:nvPr/>
+        </p:nvPicPr>
+        <p:blipFill>
+          <a:blip r:embed="rId2"/>
+          <a:stretch>
+            <a:fillRect/>
+          </a:stretch>
+        </p:blipFill>
+        <p:spPr>
+          <a:xfrm>
+            <a:off x="3900071" y="2097842"/>
+            <a:ext cx="4458393" cy="1260600"/>
+          </a:xfrm>
+          <a:prstGeom prst="rect">
+            <a:avLst/>
+          </a:prstGeom>
+        </p:spPr>
+      </p:pic>
+      <p:sp>
+        <p:nvSpPr>
+          <p:cNvPr id="6" name="Rectángulo 5">
+            <a:extLst>
+              <a:ext uri="{FF2B5EF4-FFF2-40B4-BE49-F238E27FC236}">
+                <a16:creationId xmlns:a16="http://schemas.microsoft.com/office/drawing/2014/main" id="{47E5B8A2-3856-476C-B069-66A27CBF29B2}"/>
+              </a:ext>
+            </a:extLst>
+          </p:cNvPr>
+          <p:cNvSpPr/>
+          <p:nvPr/>
+        </p:nvSpPr>
+        <p:spPr>
+          <a:xfrm>
+            <a:off x="615991" y="2034395"/>
+            <a:ext cx="3217547" cy="369332"/>
+          </a:xfrm>
+          <a:prstGeom prst="rect">
+            <a:avLst/>
+          </a:prstGeom>
+        </p:spPr>
+        <p:txBody>
+          <a:bodyPr wrap="none">
+            <a:spAutoFit/>
+          </a:bodyPr>
+          <a:lstStyle/>
+          <a:p>
+            <a:r>
+              <a:rPr lang="es-ES" dirty="0" err="1">
+                <a:solidFill>
+                  <a:srgbClr val="000000"/>
+                </a:solidFill>
+                <a:latin typeface="Courier New" panose="02070309020205020404" pitchFamily="49" charset="0"/>
+              </a:rPr>
+              <a:t>kmeans.transform</a:t>
+            </a:r>
+            <a:r>
+              <a:rPr lang="es-ES" dirty="0">
+                <a:solidFill>
+                  <a:srgbClr val="000000"/>
+                </a:solidFill>
+                <a:latin typeface="Courier New" panose="02070309020205020404" pitchFamily="49" charset="0"/>
+              </a:rPr>
+              <a:t>(data)</a:t>
+            </a:r>
+            <a:endParaRPr lang="es-ES" b="0" dirty="0">
+              <a:solidFill>
+                <a:srgbClr val="000000"/>
+              </a:solidFill>
+              <a:effectLst/>
+              <a:latin typeface="Courier New" panose="02070309020205020404" pitchFamily="49" charset="0"/>
+            </a:endParaRPr>
+          </a:p>
+        </p:txBody>
+      </p:sp>
+      <p:pic>
+        <p:nvPicPr>
+          <p:cNvPr id="7" name="Imagen 6">
+            <a:extLst>
+              <a:ext uri="{FF2B5EF4-FFF2-40B4-BE49-F238E27FC236}">
+                <a16:creationId xmlns:a16="http://schemas.microsoft.com/office/drawing/2014/main" id="{4C334F0B-8CE8-4B44-9C65-0DF4381097F4}"/>
+              </a:ext>
+            </a:extLst>
+          </p:cNvPr>
+          <p:cNvPicPr>
+            <a:picLocks noChangeAspect="1"/>
+          </p:cNvPicPr>
+          <p:nvPr/>
+        </p:nvPicPr>
+        <p:blipFill>
+          <a:blip r:embed="rId3"/>
+          <a:stretch>
+            <a:fillRect/>
+          </a:stretch>
+        </p:blipFill>
+        <p:spPr>
+          <a:xfrm>
+            <a:off x="615991" y="3615894"/>
+            <a:ext cx="7802064" cy="2324424"/>
+          </a:xfrm>
+          <a:prstGeom prst="rect">
+            <a:avLst/>
+          </a:prstGeom>
+        </p:spPr>
+      </p:pic>
+    </p:spTree>
+    <p:extLst>
+      <p:ext uri="{BB962C8B-B14F-4D97-AF65-F5344CB8AC3E}">
+        <p14:creationId xmlns:p14="http://schemas.microsoft.com/office/powerpoint/2010/main" val="1442041307"/>
+      </p:ext>
+    </p:extLst>
+  </p:cSld>
+  <p:clrMapOvr>
+    <a:masterClrMapping/>
+  </p:clrMapOvr>
+</p:sld>
+</file>
+
+<file path=ppt/slides/slide44.xml><?xml version="1.0" encoding="utf-8"?>
+<p:sld xmlns:a="http://schemas.openxmlformats.org/drawingml/2006/main" xmlns:r="http://schemas.openxmlformats.org/officeDocument/2006/relationships" xmlns:p="http://schemas.openxmlformats.org/presentationml/2006/main">
+  <p:cSld>
+    <p:spTree>
+      <p:nvGrpSpPr>
+        <p:cNvPr id="1" name=""/>
+        <p:cNvGrpSpPr/>
+        <p:nvPr/>
+      </p:nvGrpSpPr>
+      <p:grpSpPr>
+        <a:xfrm>
+          <a:off x="0" y="0"/>
+          <a:ext cx="0" cy="0"/>
+          <a:chOff x="0" y="0"/>
+          <a:chExt cx="0" cy="0"/>
+        </a:xfrm>
+      </p:grpSpPr>
+      <p:sp>
+        <p:nvSpPr>
+          <p:cNvPr id="24" name="CuadroTexto 23">
+            <a:extLst>
+              <a:ext uri="{FF2B5EF4-FFF2-40B4-BE49-F238E27FC236}">
+                <a16:creationId xmlns:a16="http://schemas.microsoft.com/office/drawing/2014/main" id="{D35DB95D-2EA7-4D4E-8BF8-C4DDBAD8865C}"/>
+              </a:ext>
+            </a:extLst>
+          </p:cNvPr>
+          <p:cNvSpPr txBox="1"/>
+          <p:nvPr/>
+        </p:nvSpPr>
+        <p:spPr>
+          <a:xfrm>
+            <a:off x="615992" y="327637"/>
+            <a:ext cx="6372642" cy="584775"/>
+          </a:xfrm>
+          <a:prstGeom prst="rect">
+            <a:avLst/>
+          </a:prstGeom>
+          <a:noFill/>
+        </p:spPr>
+        <p:txBody>
+          <a:bodyPr wrap="none" rtlCol="0">
+            <a:spAutoFit/>
+          </a:bodyPr>
+          <a:lstStyle/>
+          <a:p>
+            <a:r>
+              <a:rPr lang="es-ES" sz="3200" b="1" dirty="0">
+                <a:solidFill>
+                  <a:srgbClr val="E6007E"/>
+                </a:solidFill>
+                <a:latin typeface="Myriad Pro" panose="020B0503030403020204" pitchFamily="34" charset="0"/>
+              </a:rPr>
+              <a:t>Detección anomalias con K-</a:t>
+            </a:r>
+            <a:r>
+              <a:rPr lang="es-ES" sz="3200" b="1" dirty="0" err="1">
+                <a:solidFill>
+                  <a:srgbClr val="E6007E"/>
+                </a:solidFill>
+                <a:latin typeface="Myriad Pro" panose="020B0503030403020204" pitchFamily="34" charset="0"/>
+              </a:rPr>
+              <a:t>means</a:t>
+            </a:r>
+            <a:endParaRPr lang="es-ES" sz="3200" b="1" dirty="0">
+              <a:latin typeface="Myriad Pro" panose="020B0503030403020204" pitchFamily="34" charset="0"/>
+            </a:endParaRPr>
+          </a:p>
+        </p:txBody>
+      </p:sp>
+      <p:sp>
+        <p:nvSpPr>
+          <p:cNvPr id="4" name="Rectángulo 3">
+            <a:extLst>
+              <a:ext uri="{FF2B5EF4-FFF2-40B4-BE49-F238E27FC236}">
+                <a16:creationId xmlns:a16="http://schemas.microsoft.com/office/drawing/2014/main" id="{CD084FED-45B9-4F7F-8642-9CF74518A86D}"/>
+              </a:ext>
+            </a:extLst>
+          </p:cNvPr>
+          <p:cNvSpPr/>
+          <p:nvPr/>
+        </p:nvSpPr>
+        <p:spPr>
+          <a:xfrm>
+            <a:off x="615991" y="1088046"/>
+            <a:ext cx="11129165" cy="1292598"/>
+          </a:xfrm>
+          <a:prstGeom prst="rect">
+            <a:avLst/>
+          </a:prstGeom>
+        </p:spPr>
+        <p:txBody>
+          <a:bodyPr wrap="square">
+            <a:spAutoFit/>
+          </a:bodyPr>
+          <a:lstStyle/>
+          <a:p>
+            <a:pPr>
+              <a:lnSpc>
+                <a:spcPct val="150000"/>
+              </a:lnSpc>
+            </a:pPr>
+            <a:r>
+              <a:rPr lang="es-ES" b="1" dirty="0" err="1"/>
+              <a:t>Outlier</a:t>
+            </a:r>
+            <a:r>
+              <a:rPr lang="es-ES" b="1" dirty="0"/>
+              <a:t> </a:t>
+            </a:r>
+            <a:r>
+              <a:rPr lang="es-ES" b="1" dirty="0" err="1"/>
+              <a:t>fraction</a:t>
+            </a:r>
+            <a:endParaRPr lang="es-ES" b="1" dirty="0"/>
+          </a:p>
+          <a:p>
+            <a:pPr>
+              <a:lnSpc>
+                <a:spcPct val="150000"/>
+              </a:lnSpc>
+            </a:pPr>
+            <a:r>
+              <a:rPr lang="es-ES" dirty="0">
+                <a:latin typeface="Myriad Pro" panose="020B0503030403020204" pitchFamily="34" charset="0"/>
+              </a:rPr>
+              <a:t>Para determinar una anomalía determinamos aquellos puntos que la distancia supere el </a:t>
+            </a:r>
+            <a:r>
+              <a:rPr lang="es-ES" dirty="0" err="1">
+                <a:latin typeface="Myriad Pro" panose="020B0503030403020204" pitchFamily="34" charset="0"/>
+              </a:rPr>
+              <a:t>outlier</a:t>
+            </a:r>
+            <a:endParaRPr lang="es-ES" dirty="0">
+              <a:latin typeface="Myriad Pro" panose="020B0503030403020204" pitchFamily="34" charset="0"/>
+            </a:endParaRPr>
+          </a:p>
+          <a:p>
+            <a:pPr>
+              <a:lnSpc>
+                <a:spcPct val="150000"/>
+              </a:lnSpc>
+            </a:pPr>
+            <a:endParaRPr lang="es-ES" dirty="0">
+              <a:latin typeface="Myriad Pro" panose="020B0503030403020204" pitchFamily="34" charset="0"/>
+            </a:endParaRPr>
+          </a:p>
+        </p:txBody>
+      </p:sp>
+      <p:sp>
+        <p:nvSpPr>
+          <p:cNvPr id="2" name="Rectángulo 1">
+            <a:extLst>
+              <a:ext uri="{FF2B5EF4-FFF2-40B4-BE49-F238E27FC236}">
+                <a16:creationId xmlns:a16="http://schemas.microsoft.com/office/drawing/2014/main" id="{A8AF7971-404B-4CF0-AB17-28BA54844A24}"/>
+              </a:ext>
+            </a:extLst>
+          </p:cNvPr>
+          <p:cNvSpPr/>
+          <p:nvPr/>
+        </p:nvSpPr>
+        <p:spPr>
+          <a:xfrm>
+            <a:off x="615991" y="2186946"/>
+            <a:ext cx="11216035" cy="584775"/>
+          </a:xfrm>
+          <a:prstGeom prst="rect">
+            <a:avLst/>
+          </a:prstGeom>
+        </p:spPr>
+        <p:txBody>
+          <a:bodyPr wrap="square">
+            <a:spAutoFit/>
+          </a:bodyPr>
+          <a:lstStyle/>
+          <a:p>
+            <a:r>
+              <a:rPr lang="es-ES" sz="1600" dirty="0" err="1">
+                <a:solidFill>
+                  <a:srgbClr val="000000"/>
+                </a:solidFill>
+                <a:latin typeface="Courier New" panose="02070309020205020404" pitchFamily="49" charset="0"/>
+              </a:rPr>
+              <a:t>outliers_fraction</a:t>
+            </a:r>
+            <a:r>
+              <a:rPr lang="es-ES" sz="1600" dirty="0">
+                <a:solidFill>
+                  <a:srgbClr val="000000"/>
+                </a:solidFill>
+                <a:latin typeface="Courier New" panose="02070309020205020404" pitchFamily="49" charset="0"/>
+              </a:rPr>
+              <a:t> = 0.01</a:t>
+            </a:r>
+          </a:p>
+          <a:p>
+            <a:r>
+              <a:rPr lang="en-US" sz="1600" dirty="0" err="1">
+                <a:solidFill>
+                  <a:srgbClr val="000000"/>
+                </a:solidFill>
+                <a:latin typeface="Courier New" panose="02070309020205020404" pitchFamily="49" charset="0"/>
+              </a:rPr>
+              <a:t>resultado</a:t>
+            </a:r>
+            <a:r>
+              <a:rPr lang="en-US" sz="1600" dirty="0">
+                <a:solidFill>
+                  <a:srgbClr val="000000"/>
+                </a:solidFill>
+                <a:latin typeface="Courier New" panose="02070309020205020404" pitchFamily="49" charset="0"/>
+              </a:rPr>
+              <a:t>[</a:t>
+            </a:r>
+            <a:r>
+              <a:rPr lang="en-US" sz="1600" dirty="0">
+                <a:solidFill>
+                  <a:srgbClr val="A31515"/>
+                </a:solidFill>
+                <a:latin typeface="Courier New" panose="02070309020205020404" pitchFamily="49" charset="0"/>
+              </a:rPr>
+              <a:t>'anomaly1'</a:t>
+            </a:r>
+            <a:r>
+              <a:rPr lang="en-US" sz="1600" dirty="0">
+                <a:solidFill>
+                  <a:srgbClr val="000000"/>
+                </a:solidFill>
+                <a:latin typeface="Courier New" panose="02070309020205020404" pitchFamily="49" charset="0"/>
+              </a:rPr>
+              <a:t>] = (</a:t>
+            </a:r>
+            <a:r>
+              <a:rPr lang="en-US" sz="1600" dirty="0" err="1">
+                <a:solidFill>
+                  <a:srgbClr val="000000"/>
+                </a:solidFill>
+                <a:latin typeface="Courier New" panose="02070309020205020404" pitchFamily="49" charset="0"/>
+              </a:rPr>
+              <a:t>resultado</a:t>
+            </a:r>
+            <a:r>
+              <a:rPr lang="en-US" sz="1600" dirty="0">
+                <a:solidFill>
+                  <a:srgbClr val="000000"/>
+                </a:solidFill>
+                <a:latin typeface="Courier New" panose="02070309020205020404" pitchFamily="49" charset="0"/>
+              </a:rPr>
+              <a:t>[</a:t>
+            </a:r>
+            <a:r>
+              <a:rPr lang="en-US" sz="1600" dirty="0">
+                <a:solidFill>
+                  <a:srgbClr val="A31515"/>
+                </a:solidFill>
+                <a:latin typeface="Courier New" panose="02070309020205020404" pitchFamily="49" charset="0"/>
+              </a:rPr>
+              <a:t>'distance'</a:t>
+            </a:r>
+            <a:r>
+              <a:rPr lang="en-US" sz="1600" dirty="0">
+                <a:solidFill>
+                  <a:srgbClr val="000000"/>
+                </a:solidFill>
+                <a:latin typeface="Courier New" panose="02070309020205020404" pitchFamily="49" charset="0"/>
+              </a:rPr>
+              <a:t>] &gt;= </a:t>
+            </a:r>
+            <a:r>
+              <a:rPr lang="en-US" sz="1600" dirty="0" err="1">
+                <a:solidFill>
+                  <a:srgbClr val="000000"/>
+                </a:solidFill>
+                <a:latin typeface="Courier New" panose="02070309020205020404" pitchFamily="49" charset="0"/>
+              </a:rPr>
+              <a:t>outliers_fraction</a:t>
+            </a:r>
+            <a:r>
+              <a:rPr lang="en-US" sz="1600" dirty="0">
+                <a:solidFill>
+                  <a:srgbClr val="000000"/>
+                </a:solidFill>
+                <a:latin typeface="Courier New" panose="02070309020205020404" pitchFamily="49" charset="0"/>
+              </a:rPr>
+              <a:t>).</a:t>
+            </a:r>
+            <a:r>
+              <a:rPr lang="en-US" sz="1600" dirty="0" err="1">
+                <a:solidFill>
+                  <a:srgbClr val="000000"/>
+                </a:solidFill>
+                <a:latin typeface="Courier New" panose="02070309020205020404" pitchFamily="49" charset="0"/>
+              </a:rPr>
+              <a:t>astype</a:t>
+            </a:r>
+            <a:r>
+              <a:rPr lang="en-US" sz="1600" dirty="0">
+                <a:solidFill>
+                  <a:srgbClr val="000000"/>
+                </a:solidFill>
+                <a:latin typeface="Courier New" panose="02070309020205020404" pitchFamily="49" charset="0"/>
+              </a:rPr>
+              <a:t>(</a:t>
+            </a:r>
+            <a:r>
+              <a:rPr lang="en-US" sz="1600" dirty="0">
+                <a:solidFill>
+                  <a:srgbClr val="267F99"/>
+                </a:solidFill>
+                <a:latin typeface="Courier New" panose="02070309020205020404" pitchFamily="49" charset="0"/>
+              </a:rPr>
+              <a:t>int</a:t>
+            </a:r>
+            <a:r>
+              <a:rPr lang="en-US" sz="1600" dirty="0">
+                <a:solidFill>
+                  <a:srgbClr val="000000"/>
+                </a:solidFill>
+                <a:latin typeface="Courier New" panose="02070309020205020404" pitchFamily="49" charset="0"/>
+              </a:rPr>
+              <a:t>)</a:t>
+            </a:r>
+            <a:endParaRPr lang="en-US" sz="1600" b="0" dirty="0">
+              <a:solidFill>
+                <a:srgbClr val="000000"/>
+              </a:solidFill>
+              <a:effectLst/>
+              <a:latin typeface="Courier New" panose="02070309020205020404" pitchFamily="49" charset="0"/>
+            </a:endParaRPr>
+          </a:p>
+        </p:txBody>
+      </p:sp>
+      <p:pic>
+        <p:nvPicPr>
+          <p:cNvPr id="5" name="Imagen 4">
+            <a:extLst>
+              <a:ext uri="{FF2B5EF4-FFF2-40B4-BE49-F238E27FC236}">
+                <a16:creationId xmlns:a16="http://schemas.microsoft.com/office/drawing/2014/main" id="{72C1722E-5ACB-411E-B5D0-0AB0CD21F2B1}"/>
+              </a:ext>
+            </a:extLst>
+          </p:cNvPr>
+          <p:cNvPicPr>
+            <a:picLocks noChangeAspect="1"/>
+          </p:cNvPicPr>
+          <p:nvPr/>
+        </p:nvPicPr>
+        <p:blipFill>
+          <a:blip r:embed="rId2"/>
+          <a:stretch>
+            <a:fillRect/>
+          </a:stretch>
+        </p:blipFill>
+        <p:spPr>
+          <a:xfrm>
+            <a:off x="615991" y="3166989"/>
+            <a:ext cx="8840434" cy="1838582"/>
+          </a:xfrm>
+          <a:prstGeom prst="rect">
+            <a:avLst/>
+          </a:prstGeom>
+        </p:spPr>
+      </p:pic>
+    </p:spTree>
+    <p:extLst>
+      <p:ext uri="{BB962C8B-B14F-4D97-AF65-F5344CB8AC3E}">
+        <p14:creationId xmlns:p14="http://schemas.microsoft.com/office/powerpoint/2010/main" val="1823369210"/>
+      </p:ext>
+    </p:extLst>
+  </p:cSld>
+  <p:clrMapOvr>
+    <a:masterClrMapping/>
+  </p:clrMapOvr>
+</p:sld>
+</file>
+
+<file path=ppt/slides/slide45.xml><?xml version="1.0" encoding="utf-8"?>
+<p:sld xmlns:a="http://schemas.openxmlformats.org/drawingml/2006/main" xmlns:r="http://schemas.openxmlformats.org/officeDocument/2006/relationships" xmlns:p="http://schemas.openxmlformats.org/presentationml/2006/main">
+  <p:cSld>
+    <p:spTree>
+      <p:nvGrpSpPr>
+        <p:cNvPr id="1" name=""/>
+        <p:cNvGrpSpPr/>
+        <p:nvPr/>
+      </p:nvGrpSpPr>
+      <p:grpSpPr>
+        <a:xfrm>
+          <a:off x="0" y="0"/>
+          <a:ext cx="0" cy="0"/>
+          <a:chOff x="0" y="0"/>
+          <a:chExt cx="0" cy="0"/>
+        </a:xfrm>
+      </p:grpSpPr>
+      <p:sp>
+        <p:nvSpPr>
+          <p:cNvPr id="24" name="CuadroTexto 23">
+            <a:extLst>
+              <a:ext uri="{FF2B5EF4-FFF2-40B4-BE49-F238E27FC236}">
+                <a16:creationId xmlns:a16="http://schemas.microsoft.com/office/drawing/2014/main" id="{D35DB95D-2EA7-4D4E-8BF8-C4DDBAD8865C}"/>
+              </a:ext>
+            </a:extLst>
+          </p:cNvPr>
+          <p:cNvSpPr txBox="1"/>
+          <p:nvPr/>
+        </p:nvSpPr>
+        <p:spPr>
+          <a:xfrm>
+            <a:off x="615992" y="327637"/>
+            <a:ext cx="6372642" cy="584775"/>
+          </a:xfrm>
+          <a:prstGeom prst="rect">
+            <a:avLst/>
+          </a:prstGeom>
+          <a:noFill/>
+        </p:spPr>
+        <p:txBody>
+          <a:bodyPr wrap="none" rtlCol="0">
+            <a:spAutoFit/>
+          </a:bodyPr>
+          <a:lstStyle/>
+          <a:p>
+            <a:r>
+              <a:rPr lang="es-ES" sz="3200" b="1" dirty="0">
+                <a:solidFill>
+                  <a:srgbClr val="E6007E"/>
+                </a:solidFill>
+                <a:latin typeface="Myriad Pro" panose="020B0503030403020204" pitchFamily="34" charset="0"/>
+              </a:rPr>
+              <a:t>Detección anomalias con K-</a:t>
+            </a:r>
+            <a:r>
+              <a:rPr lang="es-ES" sz="3200" b="1" dirty="0" err="1">
+                <a:solidFill>
+                  <a:srgbClr val="E6007E"/>
+                </a:solidFill>
+                <a:latin typeface="Myriad Pro" panose="020B0503030403020204" pitchFamily="34" charset="0"/>
+              </a:rPr>
+              <a:t>means</a:t>
+            </a:r>
+            <a:endParaRPr lang="es-ES" sz="3200" b="1" dirty="0">
+              <a:latin typeface="Myriad Pro" panose="020B0503030403020204" pitchFamily="34" charset="0"/>
+            </a:endParaRPr>
+          </a:p>
+        </p:txBody>
+      </p:sp>
+      <p:sp>
+        <p:nvSpPr>
+          <p:cNvPr id="4" name="Rectángulo 3">
+            <a:extLst>
+              <a:ext uri="{FF2B5EF4-FFF2-40B4-BE49-F238E27FC236}">
+                <a16:creationId xmlns:a16="http://schemas.microsoft.com/office/drawing/2014/main" id="{CD084FED-45B9-4F7F-8642-9CF74518A86D}"/>
+              </a:ext>
+            </a:extLst>
+          </p:cNvPr>
+          <p:cNvSpPr/>
+          <p:nvPr/>
+        </p:nvSpPr>
+        <p:spPr>
+          <a:xfrm>
+            <a:off x="615991" y="1088046"/>
+            <a:ext cx="11129165" cy="2954591"/>
+          </a:xfrm>
+          <a:prstGeom prst="rect">
+            <a:avLst/>
+          </a:prstGeom>
+        </p:spPr>
+        <p:txBody>
+          <a:bodyPr wrap="square">
+            <a:spAutoFit/>
+          </a:bodyPr>
+          <a:lstStyle/>
+          <a:p>
+            <a:pPr>
+              <a:lnSpc>
+                <a:spcPct val="150000"/>
+              </a:lnSpc>
+            </a:pPr>
+            <a:r>
+              <a:rPr lang="es-ES" b="1" dirty="0"/>
+              <a:t>Clasificación de nivel de anomalía</a:t>
+            </a:r>
+          </a:p>
+          <a:p>
+            <a:pPr>
+              <a:lnSpc>
+                <a:spcPct val="150000"/>
+              </a:lnSpc>
+            </a:pPr>
+            <a:r>
+              <a:rPr lang="es-ES" dirty="0">
+                <a:latin typeface="Myriad Pro" panose="020B0503030403020204" pitchFamily="34" charset="0"/>
+              </a:rPr>
+              <a:t>Una vez que tenemos determinada que es una anomalía el siguiente paso es determinar la clasificación/gravedad de la anomalía.</a:t>
+            </a:r>
+          </a:p>
+          <a:p>
+            <a:pPr>
+              <a:lnSpc>
+                <a:spcPct val="150000"/>
+              </a:lnSpc>
+            </a:pPr>
+            <a:r>
+              <a:rPr lang="es-ES" dirty="0">
+                <a:latin typeface="Myriad Pro" panose="020B0503030403020204" pitchFamily="34" charset="0"/>
+              </a:rPr>
+              <a:t>Para ello es necesario escalar la distancia entre 0 y 1 para obtener una magnitud absoluta. Al multiplicar por 100 esta distancia escalada obtenemos el porcentaje de probabilidad.</a:t>
+            </a:r>
+          </a:p>
+          <a:p>
+            <a:pPr>
+              <a:lnSpc>
+                <a:spcPct val="150000"/>
+              </a:lnSpc>
+            </a:pPr>
+            <a:endParaRPr lang="es-ES" dirty="0">
+              <a:latin typeface="Myriad Pro" panose="020B0503030403020204" pitchFamily="34" charset="0"/>
+            </a:endParaRPr>
+          </a:p>
+          <a:p>
+            <a:pPr>
+              <a:lnSpc>
+                <a:spcPct val="150000"/>
+              </a:lnSpc>
+            </a:pPr>
+            <a:r>
+              <a:rPr lang="es-ES" dirty="0">
+                <a:latin typeface="Myriad Pro" panose="020B0503030403020204" pitchFamily="34" charset="0"/>
+              </a:rPr>
+              <a:t>Con la probabilidad determinamos la gravedad</a:t>
+            </a:r>
+          </a:p>
+        </p:txBody>
+      </p:sp>
+      <p:graphicFrame>
+        <p:nvGraphicFramePr>
+          <p:cNvPr id="3" name="Tabla 2">
+            <a:extLst>
+              <a:ext uri="{FF2B5EF4-FFF2-40B4-BE49-F238E27FC236}">
+                <a16:creationId xmlns:a16="http://schemas.microsoft.com/office/drawing/2014/main" id="{4D5A061C-8D17-4019-8FD3-D5F6799B3D1D}"/>
+              </a:ext>
+            </a:extLst>
+          </p:cNvPr>
+          <p:cNvGraphicFramePr>
+            <a:graphicFrameLocks noGrp="1"/>
+          </p:cNvGraphicFramePr>
+          <p:nvPr>
+            <p:extLst>
+              <p:ext uri="{D42A27DB-BD31-4B8C-83A1-F6EECF244321}">
+                <p14:modId xmlns:p14="http://schemas.microsoft.com/office/powerpoint/2010/main" val="4255335996"/>
+              </p:ext>
+            </p:extLst>
+          </p:nvPr>
+        </p:nvGraphicFramePr>
+        <p:xfrm>
+          <a:off x="1437196" y="4218271"/>
+          <a:ext cx="8128000" cy="1854200"/>
+        </p:xfrm>
+        <a:graphic>
+          <a:graphicData uri="http://schemas.openxmlformats.org/drawingml/2006/table">
+            <a:tbl>
+              <a:tblPr firstRow="1" bandRow="1">
+                <a:tableStyleId>{5C22544A-7EE6-4342-B048-85BDC9FD1C3A}</a:tableStyleId>
+              </a:tblPr>
+              <a:tblGrid>
+                <a:gridCol w="4064000">
+                  <a:extLst>
+                    <a:ext uri="{9D8B030D-6E8A-4147-A177-3AD203B41FA5}">
+                      <a16:colId xmlns:a16="http://schemas.microsoft.com/office/drawing/2014/main" val="3574045914"/>
+                    </a:ext>
+                  </a:extLst>
+                </a:gridCol>
+                <a:gridCol w="4064000">
+                  <a:extLst>
+                    <a:ext uri="{9D8B030D-6E8A-4147-A177-3AD203B41FA5}">
+                      <a16:colId xmlns:a16="http://schemas.microsoft.com/office/drawing/2014/main" val="3228059395"/>
+                    </a:ext>
+                  </a:extLst>
+                </a:gridCol>
+              </a:tblGrid>
+              <a:tr h="370840">
+                <a:tc>
+                  <a:txBody>
+                    <a:bodyPr/>
+                    <a:lstStyle/>
+                    <a:p>
+                      <a:r>
+                        <a:rPr lang="es-ES" dirty="0"/>
+                        <a:t>Probabilidad</a:t>
+                      </a:r>
+                    </a:p>
+                  </a:txBody>
+                  <a:tcPr/>
+                </a:tc>
+                <a:tc>
+                  <a:txBody>
+                    <a:bodyPr/>
+                    <a:lstStyle/>
+                    <a:p>
+                      <a:r>
+                        <a:rPr lang="es-ES" dirty="0"/>
+                        <a:t>Nivel</a:t>
+                      </a:r>
+                    </a:p>
+                  </a:txBody>
+                  <a:tcPr/>
+                </a:tc>
+                <a:extLst>
+                  <a:ext uri="{0D108BD9-81ED-4DB2-BD59-A6C34878D82A}">
+                    <a16:rowId xmlns:a16="http://schemas.microsoft.com/office/drawing/2014/main" val="2328966433"/>
+                  </a:ext>
+                </a:extLst>
+              </a:tr>
+              <a:tr h="370840">
+                <a:tc>
+                  <a:txBody>
+                    <a:bodyPr/>
+                    <a:lstStyle/>
+                    <a:p>
+                      <a:r>
+                        <a:rPr lang="es-ES" dirty="0"/>
+                        <a:t>&lt;50</a:t>
+                      </a:r>
+                    </a:p>
+                  </a:txBody>
+                  <a:tcPr/>
+                </a:tc>
+                <a:tc>
+                  <a:txBody>
+                    <a:bodyPr/>
+                    <a:lstStyle/>
+                    <a:p>
+                      <a:r>
+                        <a:rPr lang="es-ES" dirty="0"/>
+                        <a:t>Low</a:t>
+                      </a:r>
+                    </a:p>
+                  </a:txBody>
+                  <a:tcPr/>
+                </a:tc>
+                <a:extLst>
+                  <a:ext uri="{0D108BD9-81ED-4DB2-BD59-A6C34878D82A}">
+                    <a16:rowId xmlns:a16="http://schemas.microsoft.com/office/drawing/2014/main" val="2357409720"/>
+                  </a:ext>
+                </a:extLst>
+              </a:tr>
+              <a:tr h="370840">
+                <a:tc>
+                  <a:txBody>
+                    <a:bodyPr/>
+                    <a:lstStyle/>
+                    <a:p>
+                      <a:r>
+                        <a:rPr lang="es-ES" dirty="0"/>
+                        <a:t>Entre 50-60</a:t>
+                      </a:r>
+                    </a:p>
+                  </a:txBody>
+                  <a:tcPr/>
+                </a:tc>
+                <a:tc>
+                  <a:txBody>
+                    <a:bodyPr/>
+                    <a:lstStyle/>
+                    <a:p>
+                      <a:r>
+                        <a:rPr lang="es-ES" dirty="0"/>
+                        <a:t>Medium</a:t>
+                      </a:r>
+                    </a:p>
+                  </a:txBody>
+                  <a:tcPr/>
+                </a:tc>
+                <a:extLst>
+                  <a:ext uri="{0D108BD9-81ED-4DB2-BD59-A6C34878D82A}">
+                    <a16:rowId xmlns:a16="http://schemas.microsoft.com/office/drawing/2014/main" val="559535451"/>
+                  </a:ext>
+                </a:extLst>
+              </a:tr>
+              <a:tr h="370840">
+                <a:tc>
+                  <a:txBody>
+                    <a:bodyPr/>
+                    <a:lstStyle/>
+                    <a:p>
+                      <a:r>
+                        <a:rPr lang="es-ES" dirty="0"/>
+                        <a:t>61-75</a:t>
+                      </a:r>
+                    </a:p>
+                  </a:txBody>
+                  <a:tcPr/>
+                </a:tc>
+                <a:tc>
+                  <a:txBody>
+                    <a:bodyPr/>
+                    <a:lstStyle/>
+                    <a:p>
+                      <a:r>
+                        <a:rPr lang="es-ES" dirty="0"/>
+                        <a:t>High</a:t>
+                      </a:r>
+                    </a:p>
+                  </a:txBody>
+                  <a:tcPr/>
+                </a:tc>
+                <a:extLst>
+                  <a:ext uri="{0D108BD9-81ED-4DB2-BD59-A6C34878D82A}">
+                    <a16:rowId xmlns:a16="http://schemas.microsoft.com/office/drawing/2014/main" val="412086005"/>
+                  </a:ext>
+                </a:extLst>
+              </a:tr>
+              <a:tr h="370840">
+                <a:tc>
+                  <a:txBody>
+                    <a:bodyPr/>
+                    <a:lstStyle/>
+                    <a:p>
+                      <a:r>
+                        <a:rPr lang="es-ES" dirty="0"/>
+                        <a:t>&gt;75</a:t>
+                      </a:r>
+                    </a:p>
+                  </a:txBody>
+                  <a:tcPr/>
+                </a:tc>
+                <a:tc>
+                  <a:txBody>
+                    <a:bodyPr/>
+                    <a:lstStyle/>
+                    <a:p>
+                      <a:r>
+                        <a:rPr lang="es-ES" dirty="0" err="1"/>
+                        <a:t>Critical</a:t>
+                      </a:r>
+                      <a:endParaRPr lang="es-ES" dirty="0"/>
+                    </a:p>
+                  </a:txBody>
+                  <a:tcPr/>
+                </a:tc>
+                <a:extLst>
+                  <a:ext uri="{0D108BD9-81ED-4DB2-BD59-A6C34878D82A}">
+                    <a16:rowId xmlns:a16="http://schemas.microsoft.com/office/drawing/2014/main" val="1141472824"/>
+                  </a:ext>
+                </a:extLst>
+              </a:tr>
+            </a:tbl>
+          </a:graphicData>
+        </a:graphic>
+      </p:graphicFrame>
+    </p:spTree>
+    <p:extLst>
+      <p:ext uri="{BB962C8B-B14F-4D97-AF65-F5344CB8AC3E}">
+        <p14:creationId xmlns:p14="http://schemas.microsoft.com/office/powerpoint/2010/main" val="4290494389"/>
+      </p:ext>
+    </p:extLst>
+  </p:cSld>
+  <p:clrMapOvr>
+    <a:masterClrMapping/>
+  </p:clrMapOvr>
+</p:sld>
+</file>
+
+<file path=ppt/slides/slide46.xml><?xml version="1.0" encoding="utf-8"?>
+<p:sld xmlns:a="http://schemas.openxmlformats.org/drawingml/2006/main" xmlns:r="http://schemas.openxmlformats.org/officeDocument/2006/relationships" xmlns:p="http://schemas.openxmlformats.org/presentationml/2006/main">
+  <p:cSld>
+    <p:spTree>
+      <p:nvGrpSpPr>
+        <p:cNvPr id="1" name=""/>
+        <p:cNvGrpSpPr/>
+        <p:nvPr/>
+      </p:nvGrpSpPr>
+      <p:grpSpPr>
+        <a:xfrm>
+          <a:off x="0" y="0"/>
+          <a:ext cx="0" cy="0"/>
+          <a:chOff x="0" y="0"/>
+          <a:chExt cx="0" cy="0"/>
+        </a:xfrm>
+      </p:grpSpPr>
+      <p:sp>
+        <p:nvSpPr>
+          <p:cNvPr id="24" name="CuadroTexto 23">
+            <a:extLst>
+              <a:ext uri="{FF2B5EF4-FFF2-40B4-BE49-F238E27FC236}">
+                <a16:creationId xmlns:a16="http://schemas.microsoft.com/office/drawing/2014/main" id="{D35DB95D-2EA7-4D4E-8BF8-C4DDBAD8865C}"/>
+              </a:ext>
+            </a:extLst>
+          </p:cNvPr>
+          <p:cNvSpPr txBox="1"/>
+          <p:nvPr/>
+        </p:nvSpPr>
+        <p:spPr>
+          <a:xfrm>
+            <a:off x="615992" y="327637"/>
+            <a:ext cx="6372642" cy="584775"/>
+          </a:xfrm>
+          <a:prstGeom prst="rect">
+            <a:avLst/>
+          </a:prstGeom>
+          <a:noFill/>
+        </p:spPr>
+        <p:txBody>
+          <a:bodyPr wrap="none" rtlCol="0">
+            <a:spAutoFit/>
+          </a:bodyPr>
+          <a:lstStyle/>
+          <a:p>
+            <a:r>
+              <a:rPr lang="es-ES" sz="3200" b="1" dirty="0">
+                <a:solidFill>
+                  <a:srgbClr val="E6007E"/>
+                </a:solidFill>
+                <a:latin typeface="Myriad Pro" panose="020B0503030403020204" pitchFamily="34" charset="0"/>
+              </a:rPr>
+              <a:t>Detección anomalias con K-</a:t>
+            </a:r>
+            <a:r>
+              <a:rPr lang="es-ES" sz="3200" b="1" dirty="0" err="1">
+                <a:solidFill>
+                  <a:srgbClr val="E6007E"/>
+                </a:solidFill>
+                <a:latin typeface="Myriad Pro" panose="020B0503030403020204" pitchFamily="34" charset="0"/>
+              </a:rPr>
+              <a:t>means</a:t>
+            </a:r>
+            <a:endParaRPr lang="es-ES" sz="3200" b="1" dirty="0">
+              <a:latin typeface="Myriad Pro" panose="020B0503030403020204" pitchFamily="34" charset="0"/>
+            </a:endParaRPr>
+          </a:p>
+        </p:txBody>
+      </p:sp>
+      <p:sp>
+        <p:nvSpPr>
+          <p:cNvPr id="4" name="Rectángulo 3">
+            <a:extLst>
+              <a:ext uri="{FF2B5EF4-FFF2-40B4-BE49-F238E27FC236}">
+                <a16:creationId xmlns:a16="http://schemas.microsoft.com/office/drawing/2014/main" id="{CD084FED-45B9-4F7F-8642-9CF74518A86D}"/>
+              </a:ext>
+            </a:extLst>
+          </p:cNvPr>
+          <p:cNvSpPr/>
+          <p:nvPr/>
+        </p:nvSpPr>
+        <p:spPr>
+          <a:xfrm>
+            <a:off x="615991" y="1088046"/>
+            <a:ext cx="11129165" cy="464871"/>
+          </a:xfrm>
+          <a:prstGeom prst="rect">
+            <a:avLst/>
+          </a:prstGeom>
+        </p:spPr>
+        <p:txBody>
+          <a:bodyPr wrap="square">
+            <a:spAutoFit/>
+          </a:bodyPr>
+          <a:lstStyle/>
+          <a:p>
+            <a:pPr>
+              <a:lnSpc>
+                <a:spcPct val="150000"/>
+              </a:lnSpc>
+            </a:pPr>
+            <a:r>
+              <a:rPr lang="es-ES" b="1" dirty="0"/>
+              <a:t>Resultados</a:t>
+            </a:r>
+          </a:p>
+        </p:txBody>
+      </p:sp>
+      <p:pic>
+        <p:nvPicPr>
+          <p:cNvPr id="2" name="Imagen 1">
+            <a:extLst>
+              <a:ext uri="{FF2B5EF4-FFF2-40B4-BE49-F238E27FC236}">
+                <a16:creationId xmlns:a16="http://schemas.microsoft.com/office/drawing/2014/main" id="{598425A0-332A-4AD1-804C-F6F1EF2E4D8C}"/>
+              </a:ext>
+            </a:extLst>
+          </p:cNvPr>
+          <p:cNvPicPr>
+            <a:picLocks noChangeAspect="1"/>
+          </p:cNvPicPr>
+          <p:nvPr/>
+        </p:nvPicPr>
+        <p:blipFill>
+          <a:blip r:embed="rId2"/>
+          <a:stretch>
+            <a:fillRect/>
+          </a:stretch>
+        </p:blipFill>
+        <p:spPr>
+          <a:xfrm>
+            <a:off x="398091" y="2016121"/>
+            <a:ext cx="11564964" cy="3820058"/>
+          </a:xfrm>
+          <a:prstGeom prst="rect">
+            <a:avLst/>
+          </a:prstGeom>
+        </p:spPr>
+      </p:pic>
+    </p:spTree>
+    <p:extLst>
+      <p:ext uri="{BB962C8B-B14F-4D97-AF65-F5344CB8AC3E}">
+        <p14:creationId xmlns:p14="http://schemas.microsoft.com/office/powerpoint/2010/main" val="999743902"/>
+      </p:ext>
+    </p:extLst>
+  </p:cSld>
+  <p:clrMapOvr>
+    <a:masterClrMapping/>
+  </p:clrMapOvr>
+</p:sld>
+</file>
+
+<file path=ppt/slides/slide47.xml><?xml version="1.0" encoding="utf-8"?>
+<p:sld xmlns:a="http://schemas.openxmlformats.org/drawingml/2006/main" xmlns:r="http://schemas.openxmlformats.org/officeDocument/2006/relationships" xmlns:p="http://schemas.openxmlformats.org/presentationml/2006/main">
+  <p:cSld>
+    <p:spTree>
+      <p:nvGrpSpPr>
+        <p:cNvPr id="1" name=""/>
+        <p:cNvGrpSpPr/>
+        <p:nvPr/>
+      </p:nvGrpSpPr>
+      <p:grpSpPr>
+        <a:xfrm>
+          <a:off x="0" y="0"/>
+          <a:ext cx="0" cy="0"/>
+          <a:chOff x="0" y="0"/>
+          <a:chExt cx="0" cy="0"/>
+        </a:xfrm>
+      </p:grpSpPr>
+      <p:sp>
+        <p:nvSpPr>
+          <p:cNvPr id="24" name="CuadroTexto 23">
+            <a:extLst>
+              <a:ext uri="{FF2B5EF4-FFF2-40B4-BE49-F238E27FC236}">
+                <a16:creationId xmlns:a16="http://schemas.microsoft.com/office/drawing/2014/main" id="{D35DB95D-2EA7-4D4E-8BF8-C4DDBAD8865C}"/>
+              </a:ext>
+            </a:extLst>
+          </p:cNvPr>
+          <p:cNvSpPr txBox="1"/>
+          <p:nvPr/>
+        </p:nvSpPr>
+        <p:spPr>
+          <a:xfrm>
+            <a:off x="615992" y="327637"/>
+            <a:ext cx="7615611" cy="584775"/>
+          </a:xfrm>
+          <a:prstGeom prst="rect">
+            <a:avLst/>
+          </a:prstGeom>
+          <a:noFill/>
+        </p:spPr>
+        <p:txBody>
+          <a:bodyPr wrap="none" rtlCol="0">
+            <a:spAutoFit/>
+          </a:bodyPr>
+          <a:lstStyle/>
+          <a:p>
+            <a:r>
+              <a:rPr lang="es-ES" sz="3200" b="1" dirty="0">
+                <a:solidFill>
+                  <a:srgbClr val="E6007E"/>
+                </a:solidFill>
+                <a:latin typeface="Myriad Pro" panose="020B0503030403020204" pitchFamily="34" charset="0"/>
+              </a:rPr>
+              <a:t>Detección anomalias con </a:t>
+            </a:r>
+            <a:r>
+              <a:rPr lang="es-ES" sz="3200" b="1" dirty="0" err="1">
+                <a:solidFill>
+                  <a:srgbClr val="E6007E"/>
+                </a:solidFill>
+                <a:latin typeface="Myriad Pro" panose="020B0503030403020204" pitchFamily="34" charset="0"/>
+              </a:rPr>
+              <a:t>Isolation</a:t>
+            </a:r>
+            <a:r>
+              <a:rPr lang="es-ES" sz="3200" b="1" dirty="0">
+                <a:solidFill>
+                  <a:srgbClr val="E6007E"/>
+                </a:solidFill>
+                <a:latin typeface="Myriad Pro" panose="020B0503030403020204" pitchFamily="34" charset="0"/>
+              </a:rPr>
+              <a:t> Forest</a:t>
+            </a:r>
+            <a:endParaRPr lang="es-ES" sz="3200" b="1" dirty="0">
+              <a:latin typeface="Myriad Pro" panose="020B0503030403020204" pitchFamily="34" charset="0"/>
+            </a:endParaRPr>
+          </a:p>
+        </p:txBody>
+      </p:sp>
+      <p:sp>
+        <p:nvSpPr>
+          <p:cNvPr id="4" name="Rectángulo 3">
+            <a:extLst>
+              <a:ext uri="{FF2B5EF4-FFF2-40B4-BE49-F238E27FC236}">
+                <a16:creationId xmlns:a16="http://schemas.microsoft.com/office/drawing/2014/main" id="{CD084FED-45B9-4F7F-8642-9CF74518A86D}"/>
+              </a:ext>
+            </a:extLst>
+          </p:cNvPr>
+          <p:cNvSpPr/>
+          <p:nvPr/>
+        </p:nvSpPr>
+        <p:spPr>
+          <a:xfrm>
+            <a:off x="615992" y="1335140"/>
+            <a:ext cx="6305308" cy="4616585"/>
+          </a:xfrm>
+          <a:prstGeom prst="rect">
+            <a:avLst/>
+          </a:prstGeom>
+        </p:spPr>
+        <p:txBody>
+          <a:bodyPr wrap="square">
+            <a:spAutoFit/>
+          </a:bodyPr>
+          <a:lstStyle/>
+          <a:p>
+            <a:pPr>
+              <a:lnSpc>
+                <a:spcPct val="150000"/>
+              </a:lnSpc>
+            </a:pPr>
+            <a:r>
+              <a:rPr lang="es-ES" dirty="0">
+                <a:latin typeface="Myriad Pro" panose="020B0503030403020204" pitchFamily="34" charset="0"/>
+              </a:rPr>
+              <a:t>Su funcionamiento está inspirado en el algoritmo de clasificación y regresión </a:t>
+            </a:r>
+            <a:r>
+              <a:rPr lang="es-ES" dirty="0" err="1">
+                <a:latin typeface="Myriad Pro" panose="020B0503030403020204" pitchFamily="34" charset="0"/>
+              </a:rPr>
+              <a:t>Random</a:t>
+            </a:r>
+            <a:r>
+              <a:rPr lang="es-ES" dirty="0">
+                <a:latin typeface="Myriad Pro" panose="020B0503030403020204" pitchFamily="34" charset="0"/>
+              </a:rPr>
+              <a:t> Forest. Al igual que en </a:t>
+            </a:r>
+            <a:r>
+              <a:rPr lang="es-ES" dirty="0" err="1">
+                <a:latin typeface="Myriad Pro" panose="020B0503030403020204" pitchFamily="34" charset="0"/>
+              </a:rPr>
+              <a:t>Random</a:t>
+            </a:r>
+            <a:r>
+              <a:rPr lang="es-ES" dirty="0">
+                <a:latin typeface="Myriad Pro" panose="020B0503030403020204" pitchFamily="34" charset="0"/>
+              </a:rPr>
+              <a:t> Forest, un modelo </a:t>
+            </a:r>
+            <a:r>
+              <a:rPr lang="es-ES" dirty="0" err="1">
+                <a:latin typeface="Myriad Pro" panose="020B0503030403020204" pitchFamily="34" charset="0"/>
+              </a:rPr>
+              <a:t>Isolation</a:t>
+            </a:r>
+            <a:r>
+              <a:rPr lang="es-ES" dirty="0">
+                <a:latin typeface="Myriad Pro" panose="020B0503030403020204" pitchFamily="34" charset="0"/>
+              </a:rPr>
+              <a:t> Forest está formado por la combinación de múltiples árboles llamados </a:t>
+            </a:r>
+            <a:r>
+              <a:rPr lang="es-ES" dirty="0" err="1">
+                <a:latin typeface="Myriad Pro" panose="020B0503030403020204" pitchFamily="34" charset="0"/>
+              </a:rPr>
+              <a:t>isolation</a:t>
+            </a:r>
+            <a:r>
+              <a:rPr lang="es-ES" dirty="0">
+                <a:latin typeface="Myriad Pro" panose="020B0503030403020204" pitchFamily="34" charset="0"/>
+              </a:rPr>
+              <a:t> </a:t>
+            </a:r>
+            <a:r>
+              <a:rPr lang="es-ES" dirty="0" err="1">
+                <a:latin typeface="Myriad Pro" panose="020B0503030403020204" pitchFamily="34" charset="0"/>
+              </a:rPr>
+              <a:t>trees</a:t>
+            </a:r>
+            <a:r>
+              <a:rPr lang="es-ES" dirty="0">
+                <a:latin typeface="Myriad Pro" panose="020B0503030403020204" pitchFamily="34" charset="0"/>
+              </a:rPr>
+              <a:t>. </a:t>
+            </a:r>
+          </a:p>
+          <a:p>
+            <a:pPr>
+              <a:lnSpc>
+                <a:spcPct val="150000"/>
+              </a:lnSpc>
+            </a:pPr>
+            <a:endParaRPr lang="es-ES" dirty="0">
+              <a:latin typeface="Myriad Pro" panose="020B0503030403020204" pitchFamily="34" charset="0"/>
+            </a:endParaRPr>
+          </a:p>
+          <a:p>
+            <a:pPr>
+              <a:lnSpc>
+                <a:spcPct val="150000"/>
+              </a:lnSpc>
+            </a:pPr>
+            <a:r>
+              <a:rPr lang="es-ES" dirty="0">
+                <a:latin typeface="Myriad Pro" panose="020B0503030403020204" pitchFamily="34" charset="0"/>
+              </a:rPr>
+              <a:t>Estos árboles se crean de forma similar a los de clasificación-regresión: las observaciones de entrenamiento se van separando de forma recursiva creando las ramas del árbol hasta que cada observación queda aislada en un nodo terminal.</a:t>
+            </a:r>
+          </a:p>
+          <a:p>
+            <a:pPr>
+              <a:lnSpc>
+                <a:spcPct val="150000"/>
+              </a:lnSpc>
+            </a:pPr>
+            <a:endParaRPr lang="es-ES" dirty="0">
+              <a:latin typeface="Myriad Pro" panose="020B0503030403020204" pitchFamily="34" charset="0"/>
+            </a:endParaRPr>
+          </a:p>
+          <a:p>
+            <a:pPr>
+              <a:lnSpc>
+                <a:spcPct val="150000"/>
+              </a:lnSpc>
+              <a:buFont typeface="Arial" panose="020B0604020202020204" pitchFamily="34" charset="0"/>
+              <a:buChar char="•"/>
+            </a:pPr>
+            <a:endParaRPr lang="es-ES" dirty="0">
+              <a:latin typeface="Myriad Pro" panose="020B0503030403020204" pitchFamily="34" charset="0"/>
+            </a:endParaRPr>
+          </a:p>
+        </p:txBody>
+      </p:sp>
+      <p:pic>
+        <p:nvPicPr>
+          <p:cNvPr id="4098" name="Picture 2" descr="Cómo realizar la detección de anomalías con el algoritmo Isolation Forest">
+            <a:extLst>
+              <a:ext uri="{FF2B5EF4-FFF2-40B4-BE49-F238E27FC236}">
+                <a16:creationId xmlns:a16="http://schemas.microsoft.com/office/drawing/2014/main" id="{541AF075-A6A7-45D0-9AC8-1DD078FB8D19}"/>
+              </a:ext>
+            </a:extLst>
+          </p:cNvPr>
+          <p:cNvPicPr>
+            <a:picLocks noChangeAspect="1" noChangeArrowheads="1"/>
+          </p:cNvPicPr>
+          <p:nvPr/>
+        </p:nvPicPr>
+        <p:blipFill>
+          <a:blip r:embed="rId2">
+            <a:extLst>
+              <a:ext uri="{28A0092B-C50C-407E-A947-70E740481C1C}">
+                <a14:useLocalDpi xmlns:a14="http://schemas.microsoft.com/office/drawing/2010/main" val="0"/>
+              </a:ext>
+            </a:extLst>
+          </a:blip>
+          <a:srcRect/>
+          <a:stretch>
+            <a:fillRect/>
+          </a:stretch>
+        </p:blipFill>
+        <p:spPr bwMode="auto">
+          <a:xfrm>
+            <a:off x="7551615" y="1855901"/>
+            <a:ext cx="4142596" cy="2494158"/>
+          </a:xfrm>
+          <a:prstGeom prst="rect">
+            <a:avLst/>
+          </a:prstGeom>
+          <a:noFill/>
+          <a:ln>
+            <a:solidFill>
+              <a:schemeClr val="tx1"/>
+            </a:solidFill>
+          </a:ln>
+          <a:extLst>
+            <a:ext uri="{909E8E84-426E-40DD-AFC4-6F175D3DCCD1}">
+              <a14:hiddenFill xmlns:a14="http://schemas.microsoft.com/office/drawing/2010/main">
+                <a:solidFill>
+                  <a:srgbClr val="FFFFFF"/>
+                </a:solidFill>
+              </a14:hiddenFill>
+            </a:ext>
+          </a:extLst>
+        </p:spPr>
+      </p:pic>
+    </p:spTree>
+    <p:extLst>
+      <p:ext uri="{BB962C8B-B14F-4D97-AF65-F5344CB8AC3E}">
+        <p14:creationId xmlns:p14="http://schemas.microsoft.com/office/powerpoint/2010/main" val="1173978904"/>
+      </p:ext>
+    </p:extLst>
+  </p:cSld>
+  <p:clrMapOvr>
+    <a:masterClrMapping/>
+  </p:clrMapOvr>
+</p:sld>
+</file>
+
+<file path=ppt/slides/slide48.xml><?xml version="1.0" encoding="utf-8"?>
+<p:sld xmlns:a="http://schemas.openxmlformats.org/drawingml/2006/main" xmlns:r="http://schemas.openxmlformats.org/officeDocument/2006/relationships" xmlns:p="http://schemas.openxmlformats.org/presentationml/2006/main">
+  <p:cSld>
+    <p:spTree>
+      <p:nvGrpSpPr>
+        <p:cNvPr id="1" name=""/>
+        <p:cNvGrpSpPr/>
+        <p:nvPr/>
+      </p:nvGrpSpPr>
+      <p:grpSpPr>
+        <a:xfrm>
+          <a:off x="0" y="0"/>
+          <a:ext cx="0" cy="0"/>
+          <a:chOff x="0" y="0"/>
+          <a:chExt cx="0" cy="0"/>
+        </a:xfrm>
+      </p:grpSpPr>
+      <p:sp>
+        <p:nvSpPr>
+          <p:cNvPr id="24" name="CuadroTexto 23">
+            <a:extLst>
+              <a:ext uri="{FF2B5EF4-FFF2-40B4-BE49-F238E27FC236}">
+                <a16:creationId xmlns:a16="http://schemas.microsoft.com/office/drawing/2014/main" id="{D35DB95D-2EA7-4D4E-8BF8-C4DDBAD8865C}"/>
+              </a:ext>
+            </a:extLst>
+          </p:cNvPr>
+          <p:cNvSpPr txBox="1"/>
+          <p:nvPr/>
+        </p:nvSpPr>
+        <p:spPr>
+          <a:xfrm>
+            <a:off x="615992" y="327637"/>
+            <a:ext cx="7615611" cy="584775"/>
+          </a:xfrm>
+          <a:prstGeom prst="rect">
+            <a:avLst/>
+          </a:prstGeom>
+          <a:noFill/>
+        </p:spPr>
+        <p:txBody>
+          <a:bodyPr wrap="none" rtlCol="0">
+            <a:spAutoFit/>
+          </a:bodyPr>
+          <a:lstStyle/>
+          <a:p>
+            <a:r>
+              <a:rPr lang="es-ES" sz="3200" b="1" dirty="0">
+                <a:solidFill>
+                  <a:srgbClr val="E6007E"/>
+                </a:solidFill>
+                <a:latin typeface="Myriad Pro" panose="020B0503030403020204" pitchFamily="34" charset="0"/>
+              </a:rPr>
+              <a:t>Detección anomalias con </a:t>
+            </a:r>
+            <a:r>
+              <a:rPr lang="es-ES" sz="3200" b="1" dirty="0" err="1">
+                <a:solidFill>
+                  <a:srgbClr val="E6007E"/>
+                </a:solidFill>
+                <a:latin typeface="Myriad Pro" panose="020B0503030403020204" pitchFamily="34" charset="0"/>
+              </a:rPr>
+              <a:t>Isolation</a:t>
+            </a:r>
+            <a:r>
+              <a:rPr lang="es-ES" sz="3200" b="1" dirty="0">
+                <a:solidFill>
+                  <a:srgbClr val="E6007E"/>
+                </a:solidFill>
+                <a:latin typeface="Myriad Pro" panose="020B0503030403020204" pitchFamily="34" charset="0"/>
+              </a:rPr>
+              <a:t> Forest</a:t>
+            </a:r>
+            <a:endParaRPr lang="es-ES" sz="3200" b="1" dirty="0">
+              <a:latin typeface="Myriad Pro" panose="020B0503030403020204" pitchFamily="34" charset="0"/>
+            </a:endParaRPr>
+          </a:p>
+        </p:txBody>
+      </p:sp>
+      <p:sp>
+        <p:nvSpPr>
+          <p:cNvPr id="4" name="Rectángulo 3">
+            <a:extLst>
+              <a:ext uri="{FF2B5EF4-FFF2-40B4-BE49-F238E27FC236}">
+                <a16:creationId xmlns:a16="http://schemas.microsoft.com/office/drawing/2014/main" id="{CD084FED-45B9-4F7F-8642-9CF74518A86D}"/>
+              </a:ext>
+            </a:extLst>
+          </p:cNvPr>
+          <p:cNvSpPr/>
+          <p:nvPr/>
+        </p:nvSpPr>
+        <p:spPr>
+          <a:xfrm>
+            <a:off x="615991" y="1335140"/>
+            <a:ext cx="11381243" cy="1708096"/>
+          </a:xfrm>
+          <a:prstGeom prst="rect">
+            <a:avLst/>
+          </a:prstGeom>
+        </p:spPr>
+        <p:txBody>
+          <a:bodyPr wrap="square">
+            <a:spAutoFit/>
+          </a:bodyPr>
+          <a:lstStyle/>
+          <a:p>
+            <a:pPr>
+              <a:lnSpc>
+                <a:spcPct val="150000"/>
+              </a:lnSpc>
+            </a:pPr>
+            <a:r>
+              <a:rPr lang="es-ES" dirty="0">
+                <a:latin typeface="Myriad Pro" panose="020B0503030403020204" pitchFamily="34" charset="0"/>
+              </a:rPr>
+              <a:t>Sin embargo, en los </a:t>
+            </a:r>
+            <a:r>
+              <a:rPr lang="es-ES" dirty="0" err="1">
+                <a:latin typeface="Myriad Pro" panose="020B0503030403020204" pitchFamily="34" charset="0"/>
+              </a:rPr>
+              <a:t>isolation</a:t>
+            </a:r>
+            <a:r>
+              <a:rPr lang="es-ES" dirty="0">
+                <a:latin typeface="Myriad Pro" panose="020B0503030403020204" pitchFamily="34" charset="0"/>
+              </a:rPr>
+              <a:t> </a:t>
+            </a:r>
+            <a:r>
+              <a:rPr lang="es-ES" dirty="0" err="1">
+                <a:latin typeface="Myriad Pro" panose="020B0503030403020204" pitchFamily="34" charset="0"/>
+              </a:rPr>
+              <a:t>tree</a:t>
+            </a:r>
+            <a:r>
+              <a:rPr lang="es-ES" dirty="0">
+                <a:latin typeface="Myriad Pro" panose="020B0503030403020204" pitchFamily="34" charset="0"/>
+              </a:rPr>
+              <a:t>, la selección de los puntos de división se hace de forma aleatoria. Aquellas observaciones con características distintas al resto, quedarán aisladas a las pocas divisiones, por lo que el número de nodos necesarios para llegar a estas observación desde el inicio del árbol (profundidad) es menor que para el resto.</a:t>
+            </a:r>
+          </a:p>
+          <a:p>
+            <a:pPr>
+              <a:lnSpc>
+                <a:spcPct val="150000"/>
+              </a:lnSpc>
+              <a:buFont typeface="Arial" panose="020B0604020202020204" pitchFamily="34" charset="0"/>
+              <a:buChar char="•"/>
+            </a:pPr>
+            <a:endParaRPr lang="es-ES" dirty="0">
+              <a:latin typeface="Myriad Pro" panose="020B0503030403020204" pitchFamily="34" charset="0"/>
+            </a:endParaRPr>
+          </a:p>
+        </p:txBody>
+      </p:sp>
+      <p:pic>
+        <p:nvPicPr>
+          <p:cNvPr id="15362" name="Picture 2" descr="https://upload.wikimedia.org/wikipedia/commons/thumb/c/ce/Isolating_a_Non-Anomalous_Point.png/300px-Isolating_a_Non-Anomalous_Point.png">
+            <a:extLst>
+              <a:ext uri="{FF2B5EF4-FFF2-40B4-BE49-F238E27FC236}">
+                <a16:creationId xmlns:a16="http://schemas.microsoft.com/office/drawing/2014/main" id="{59FD1EE4-CAAB-42AC-B0FF-DF39640532BD}"/>
+              </a:ext>
+            </a:extLst>
+          </p:cNvPr>
+          <p:cNvPicPr>
+            <a:picLocks noChangeAspect="1" noChangeArrowheads="1"/>
+          </p:cNvPicPr>
+          <p:nvPr/>
+        </p:nvPicPr>
+        <p:blipFill>
+          <a:blip r:embed="rId2">
+            <a:extLst>
+              <a:ext uri="{28A0092B-C50C-407E-A947-70E740481C1C}">
+                <a14:useLocalDpi xmlns:a14="http://schemas.microsoft.com/office/drawing/2010/main" val="0"/>
+              </a:ext>
+            </a:extLst>
+          </a:blip>
+          <a:srcRect/>
+          <a:stretch>
+            <a:fillRect/>
+          </a:stretch>
+        </p:blipFill>
+        <p:spPr bwMode="auto">
+          <a:xfrm>
+            <a:off x="615991" y="3008190"/>
+            <a:ext cx="4654302" cy="3087354"/>
+          </a:xfrm>
+          <a:prstGeom prst="rect">
+            <a:avLst/>
+          </a:prstGeom>
+          <a:noFill/>
+          <a:extLst>
+            <a:ext uri="{909E8E84-426E-40DD-AFC4-6F175D3DCCD1}">
+              <a14:hiddenFill xmlns:a14="http://schemas.microsoft.com/office/drawing/2010/main">
+                <a:solidFill>
+                  <a:srgbClr val="FFFFFF"/>
+                </a:solidFill>
+              </a14:hiddenFill>
+            </a:ext>
+          </a:extLst>
+        </p:spPr>
+      </p:pic>
+      <p:pic>
+        <p:nvPicPr>
+          <p:cNvPr id="15364" name="Picture 4" descr="Isolating an Anomalous Point">
+            <a:extLst>
+              <a:ext uri="{FF2B5EF4-FFF2-40B4-BE49-F238E27FC236}">
+                <a16:creationId xmlns:a16="http://schemas.microsoft.com/office/drawing/2014/main" id="{CED8189D-933A-4958-809E-7A5C20FBB20B}"/>
+              </a:ext>
+            </a:extLst>
+          </p:cNvPr>
+          <p:cNvPicPr>
+            <a:picLocks noChangeAspect="1" noChangeArrowheads="1"/>
+          </p:cNvPicPr>
+          <p:nvPr/>
+        </p:nvPicPr>
+        <p:blipFill>
+          <a:blip r:embed="rId3">
+            <a:extLst>
+              <a:ext uri="{28A0092B-C50C-407E-A947-70E740481C1C}">
+                <a14:useLocalDpi xmlns:a14="http://schemas.microsoft.com/office/drawing/2010/main" val="0"/>
+              </a:ext>
+            </a:extLst>
+          </a:blip>
+          <a:srcRect/>
+          <a:stretch>
+            <a:fillRect/>
+          </a:stretch>
+        </p:blipFill>
+        <p:spPr bwMode="auto">
+          <a:xfrm>
+            <a:off x="6921708" y="3008190"/>
+            <a:ext cx="4743549" cy="3146554"/>
+          </a:xfrm>
+          <a:prstGeom prst="rect">
+            <a:avLst/>
+          </a:prstGeom>
+          <a:noFill/>
+          <a:extLst>
+            <a:ext uri="{909E8E84-426E-40DD-AFC4-6F175D3DCCD1}">
+              <a14:hiddenFill xmlns:a14="http://schemas.microsoft.com/office/drawing/2010/main">
+                <a:solidFill>
+                  <a:srgbClr val="FFFFFF"/>
+                </a:solidFill>
+              </a14:hiddenFill>
+            </a:ext>
+          </a:extLst>
+        </p:spPr>
+      </p:pic>
+      <p:sp>
+        <p:nvSpPr>
+          <p:cNvPr id="2" name="CuadroTexto 1">
+            <a:extLst>
+              <a:ext uri="{FF2B5EF4-FFF2-40B4-BE49-F238E27FC236}">
+                <a16:creationId xmlns:a16="http://schemas.microsoft.com/office/drawing/2014/main" id="{8C4E59DD-BCE4-417A-A93A-CEE23BDD50A8}"/>
+              </a:ext>
+            </a:extLst>
+          </p:cNvPr>
+          <p:cNvSpPr txBox="1"/>
+          <p:nvPr/>
+        </p:nvSpPr>
+        <p:spPr>
+          <a:xfrm>
+            <a:off x="2379216" y="6023346"/>
+            <a:ext cx="1382558" cy="369332"/>
+          </a:xfrm>
+          <a:prstGeom prst="rect">
+            <a:avLst/>
+          </a:prstGeom>
+          <a:noFill/>
+        </p:spPr>
+        <p:txBody>
+          <a:bodyPr wrap="none" rtlCol="0">
+            <a:spAutoFit/>
+          </a:bodyPr>
+          <a:lstStyle/>
+          <a:p>
+            <a:r>
+              <a:rPr lang="es-ES" b="1" dirty="0"/>
+              <a:t>Dato normal</a:t>
+            </a:r>
+          </a:p>
+        </p:txBody>
+      </p:sp>
+      <p:sp>
+        <p:nvSpPr>
+          <p:cNvPr id="7" name="CuadroTexto 6">
+            <a:extLst>
+              <a:ext uri="{FF2B5EF4-FFF2-40B4-BE49-F238E27FC236}">
+                <a16:creationId xmlns:a16="http://schemas.microsoft.com/office/drawing/2014/main" id="{88E8AD7C-AC47-452B-875C-8FE23A9C4AF4}"/>
+              </a:ext>
+            </a:extLst>
+          </p:cNvPr>
+          <p:cNvSpPr txBox="1"/>
+          <p:nvPr/>
+        </p:nvSpPr>
+        <p:spPr>
+          <a:xfrm>
+            <a:off x="9047826" y="5964146"/>
+            <a:ext cx="1098378" cy="369332"/>
+          </a:xfrm>
+          <a:prstGeom prst="rect">
+            <a:avLst/>
+          </a:prstGeom>
+          <a:noFill/>
+        </p:spPr>
+        <p:txBody>
+          <a:bodyPr wrap="none" rtlCol="0">
+            <a:spAutoFit/>
+          </a:bodyPr>
+          <a:lstStyle/>
+          <a:p>
+            <a:r>
+              <a:rPr lang="es-ES" b="1" dirty="0"/>
+              <a:t>Anomalía</a:t>
+            </a:r>
+          </a:p>
+        </p:txBody>
+      </p:sp>
+    </p:spTree>
+    <p:extLst>
+      <p:ext uri="{BB962C8B-B14F-4D97-AF65-F5344CB8AC3E}">
+        <p14:creationId xmlns:p14="http://schemas.microsoft.com/office/powerpoint/2010/main" val="378697153"/>
+      </p:ext>
+    </p:extLst>
+  </p:cSld>
+  <p:clrMapOvr>
+    <a:masterClrMapping/>
+  </p:clrMapOvr>
+</p:sld>
+</file>
+
+<file path=ppt/slides/slide49.xml><?xml version="1.0" encoding="utf-8"?>
+<p:sld xmlns:a="http://schemas.openxmlformats.org/drawingml/2006/main" xmlns:r="http://schemas.openxmlformats.org/officeDocument/2006/relationships" xmlns:p="http://schemas.openxmlformats.org/presentationml/2006/main">
+  <p:cSld>
+    <p:spTree>
+      <p:nvGrpSpPr>
+        <p:cNvPr id="1" name=""/>
+        <p:cNvGrpSpPr/>
+        <p:nvPr/>
+      </p:nvGrpSpPr>
+      <p:grpSpPr>
+        <a:xfrm>
+          <a:off x="0" y="0"/>
+          <a:ext cx="0" cy="0"/>
+          <a:chOff x="0" y="0"/>
+          <a:chExt cx="0" cy="0"/>
+        </a:xfrm>
+      </p:grpSpPr>
+      <p:sp>
+        <p:nvSpPr>
+          <p:cNvPr id="24" name="CuadroTexto 23">
+            <a:extLst>
+              <a:ext uri="{FF2B5EF4-FFF2-40B4-BE49-F238E27FC236}">
+                <a16:creationId xmlns:a16="http://schemas.microsoft.com/office/drawing/2014/main" id="{D35DB95D-2EA7-4D4E-8BF8-C4DDBAD8865C}"/>
+              </a:ext>
+            </a:extLst>
+          </p:cNvPr>
+          <p:cNvSpPr txBox="1"/>
+          <p:nvPr/>
+        </p:nvSpPr>
+        <p:spPr>
+          <a:xfrm>
+            <a:off x="615992" y="327637"/>
+            <a:ext cx="7615611" cy="584775"/>
+          </a:xfrm>
+          <a:prstGeom prst="rect">
+            <a:avLst/>
+          </a:prstGeom>
+          <a:noFill/>
+        </p:spPr>
+        <p:txBody>
+          <a:bodyPr wrap="none" rtlCol="0">
+            <a:spAutoFit/>
+          </a:bodyPr>
+          <a:lstStyle/>
+          <a:p>
+            <a:r>
+              <a:rPr lang="es-ES" sz="3200" b="1" dirty="0">
+                <a:solidFill>
+                  <a:srgbClr val="E6007E"/>
+                </a:solidFill>
+                <a:latin typeface="Myriad Pro" panose="020B0503030403020204" pitchFamily="34" charset="0"/>
+              </a:rPr>
+              <a:t>Detección anomalias con </a:t>
+            </a:r>
+            <a:r>
+              <a:rPr lang="es-ES" sz="3200" b="1" dirty="0" err="1">
+                <a:solidFill>
+                  <a:srgbClr val="E6007E"/>
+                </a:solidFill>
+                <a:latin typeface="Myriad Pro" panose="020B0503030403020204" pitchFamily="34" charset="0"/>
+              </a:rPr>
+              <a:t>Isolation</a:t>
+            </a:r>
+            <a:r>
+              <a:rPr lang="es-ES" sz="3200" b="1" dirty="0">
+                <a:solidFill>
+                  <a:srgbClr val="E6007E"/>
+                </a:solidFill>
+                <a:latin typeface="Myriad Pro" panose="020B0503030403020204" pitchFamily="34" charset="0"/>
+              </a:rPr>
+              <a:t> Forest</a:t>
+            </a:r>
+            <a:endParaRPr lang="es-ES" sz="3200" b="1" dirty="0">
+              <a:latin typeface="Myriad Pro" panose="020B0503030403020204" pitchFamily="34" charset="0"/>
+            </a:endParaRPr>
+          </a:p>
+        </p:txBody>
+      </p:sp>
+      <p:sp>
+        <p:nvSpPr>
+          <p:cNvPr id="4" name="Rectángulo 3">
+            <a:extLst>
+              <a:ext uri="{FF2B5EF4-FFF2-40B4-BE49-F238E27FC236}">
+                <a16:creationId xmlns:a16="http://schemas.microsoft.com/office/drawing/2014/main" id="{CD084FED-45B9-4F7F-8642-9CF74518A86D}"/>
+              </a:ext>
+            </a:extLst>
+          </p:cNvPr>
+          <p:cNvSpPr/>
+          <p:nvPr/>
+        </p:nvSpPr>
+        <p:spPr>
+          <a:xfrm>
+            <a:off x="615991" y="1335140"/>
+            <a:ext cx="11381243" cy="2677592"/>
+          </a:xfrm>
+          <a:prstGeom prst="rect">
+            <a:avLst/>
+          </a:prstGeom>
+        </p:spPr>
+        <p:txBody>
+          <a:bodyPr wrap="square">
+            <a:spAutoFit/>
+          </a:bodyPr>
+          <a:lstStyle/>
+          <a:p>
+            <a:r>
+              <a:rPr lang="es-ES" b="1" dirty="0">
+                <a:latin typeface="Myriad Pro" panose="020B0503030403020204" pitchFamily="34" charset="0"/>
+              </a:rPr>
+              <a:t>Algoritmo </a:t>
+            </a:r>
+            <a:r>
+              <a:rPr lang="es-ES" b="1" dirty="0" err="1">
+                <a:latin typeface="Myriad Pro" panose="020B0503030403020204" pitchFamily="34" charset="0"/>
+              </a:rPr>
+              <a:t>Isolation</a:t>
+            </a:r>
+            <a:r>
+              <a:rPr lang="es-ES" b="1" dirty="0">
+                <a:latin typeface="Myriad Pro" panose="020B0503030403020204" pitchFamily="34" charset="0"/>
+              </a:rPr>
+              <a:t> Forest</a:t>
+            </a:r>
+            <a:br>
+              <a:rPr lang="es-ES" dirty="0">
+                <a:latin typeface="Myriad Pro" panose="020B0503030403020204" pitchFamily="34" charset="0"/>
+              </a:rPr>
+            </a:br>
+            <a:endParaRPr lang="es-ES" dirty="0">
+              <a:latin typeface="Myriad Pro" panose="020B0503030403020204" pitchFamily="34" charset="0"/>
+            </a:endParaRPr>
+          </a:p>
+          <a:p>
+            <a:pPr>
+              <a:lnSpc>
+                <a:spcPct val="150000"/>
+              </a:lnSpc>
+            </a:pPr>
+            <a:r>
+              <a:rPr lang="es-ES" dirty="0" err="1">
+                <a:latin typeface="Myriad Pro" panose="020B0503030403020204" pitchFamily="34" charset="0"/>
+              </a:rPr>
+              <a:t>Eĺ</a:t>
+            </a:r>
+            <a:r>
+              <a:rPr lang="es-ES" dirty="0">
+                <a:latin typeface="Myriad Pro" panose="020B0503030403020204" pitchFamily="34" charset="0"/>
+              </a:rPr>
+              <a:t> modelo </a:t>
+            </a:r>
+            <a:r>
+              <a:rPr lang="es-ES" b="1" dirty="0" err="1">
+                <a:latin typeface="Myriad Pro" panose="020B0503030403020204" pitchFamily="34" charset="0"/>
+              </a:rPr>
+              <a:t>Isolation</a:t>
+            </a:r>
+            <a:r>
+              <a:rPr lang="es-ES" b="1" dirty="0">
+                <a:latin typeface="Myriad Pro" panose="020B0503030403020204" pitchFamily="34" charset="0"/>
+              </a:rPr>
+              <a:t> Forest</a:t>
+            </a:r>
+            <a:r>
+              <a:rPr lang="es-ES" dirty="0">
+                <a:latin typeface="Myriad Pro" panose="020B0503030403020204" pitchFamily="34" charset="0"/>
+              </a:rPr>
+              <a:t> se obtiene al combinar múltiples </a:t>
+            </a:r>
+            <a:r>
+              <a:rPr lang="es-ES" i="1" dirty="0" err="1">
+                <a:latin typeface="Myriad Pro" panose="020B0503030403020204" pitchFamily="34" charset="0"/>
+              </a:rPr>
+              <a:t>isolation</a:t>
+            </a:r>
+            <a:r>
+              <a:rPr lang="es-ES" i="1" dirty="0">
+                <a:latin typeface="Myriad Pro" panose="020B0503030403020204" pitchFamily="34" charset="0"/>
+              </a:rPr>
+              <a:t> </a:t>
+            </a:r>
+            <a:r>
+              <a:rPr lang="es-ES" i="1" dirty="0" err="1">
+                <a:latin typeface="Myriad Pro" panose="020B0503030403020204" pitchFamily="34" charset="0"/>
+              </a:rPr>
+              <a:t>tree</a:t>
+            </a:r>
+            <a:r>
+              <a:rPr lang="es-ES" dirty="0">
+                <a:latin typeface="Myriad Pro" panose="020B0503030403020204" pitchFamily="34" charset="0"/>
+              </a:rPr>
+              <a:t>, cada uno entrenado con una muestra distinta generada por </a:t>
+            </a:r>
+            <a:r>
+              <a:rPr lang="es-ES" i="1" dirty="0" err="1">
+                <a:latin typeface="Myriad Pro" panose="020B0503030403020204" pitchFamily="34" charset="0"/>
+              </a:rPr>
+              <a:t>bootstrapping</a:t>
+            </a:r>
+            <a:r>
+              <a:rPr lang="es-ES" dirty="0">
+                <a:latin typeface="Myriad Pro" panose="020B0503030403020204" pitchFamily="34" charset="0"/>
+              </a:rPr>
+              <a:t> a partir de los datos originales. </a:t>
+            </a:r>
+          </a:p>
+          <a:p>
+            <a:pPr>
+              <a:lnSpc>
+                <a:spcPct val="150000"/>
+              </a:lnSpc>
+            </a:pPr>
+            <a:endParaRPr lang="es-ES" dirty="0">
+              <a:latin typeface="Myriad Pro" panose="020B0503030403020204" pitchFamily="34" charset="0"/>
+            </a:endParaRPr>
+          </a:p>
+          <a:p>
+            <a:pPr>
+              <a:lnSpc>
+                <a:spcPct val="150000"/>
+              </a:lnSpc>
+            </a:pPr>
+            <a:endParaRPr lang="es-ES" dirty="0">
+              <a:latin typeface="Myriad Pro" panose="020B0503030403020204" pitchFamily="34" charset="0"/>
+            </a:endParaRPr>
+          </a:p>
+          <a:p>
+            <a:pPr>
+              <a:lnSpc>
+                <a:spcPct val="150000"/>
+              </a:lnSpc>
+              <a:buFont typeface="Arial" panose="020B0604020202020204" pitchFamily="34" charset="0"/>
+              <a:buChar char="•"/>
+            </a:pPr>
+            <a:endParaRPr lang="es-ES" dirty="0">
+              <a:latin typeface="Myriad Pro" panose="020B0503030403020204" pitchFamily="34" charset="0"/>
+            </a:endParaRPr>
+          </a:p>
+        </p:txBody>
+      </p:sp>
+      <p:pic>
+        <p:nvPicPr>
+          <p:cNvPr id="3" name="Imagen 2">
+            <a:extLst>
+              <a:ext uri="{FF2B5EF4-FFF2-40B4-BE49-F238E27FC236}">
+                <a16:creationId xmlns:a16="http://schemas.microsoft.com/office/drawing/2014/main" id="{E771DF56-C1C6-4796-88E2-FEDF66CAAC15}"/>
+              </a:ext>
+            </a:extLst>
+          </p:cNvPr>
+          <p:cNvPicPr>
+            <a:picLocks noChangeAspect="1"/>
+          </p:cNvPicPr>
+          <p:nvPr/>
+        </p:nvPicPr>
+        <p:blipFill>
+          <a:blip r:embed="rId2"/>
+          <a:stretch>
+            <a:fillRect/>
+          </a:stretch>
+        </p:blipFill>
+        <p:spPr>
+          <a:xfrm>
+            <a:off x="6375884" y="3175076"/>
+            <a:ext cx="5723988" cy="2520768"/>
+          </a:xfrm>
+          <a:prstGeom prst="rect">
+            <a:avLst/>
+          </a:prstGeom>
+        </p:spPr>
+      </p:pic>
+      <p:sp>
+        <p:nvSpPr>
+          <p:cNvPr id="5" name="Rectángulo 4">
+            <a:extLst>
+              <a:ext uri="{FF2B5EF4-FFF2-40B4-BE49-F238E27FC236}">
+                <a16:creationId xmlns:a16="http://schemas.microsoft.com/office/drawing/2014/main" id="{2CF986E8-D39C-44CE-8FCD-D60B4482ADC1}"/>
+              </a:ext>
+            </a:extLst>
+          </p:cNvPr>
+          <p:cNvSpPr/>
+          <p:nvPr/>
+        </p:nvSpPr>
+        <p:spPr>
+          <a:xfrm>
+            <a:off x="615991" y="3212806"/>
+            <a:ext cx="5944607" cy="2957861"/>
+          </a:xfrm>
+          <a:prstGeom prst="rect">
+            <a:avLst/>
+          </a:prstGeom>
+        </p:spPr>
+        <p:txBody>
+          <a:bodyPr wrap="square">
+            <a:spAutoFit/>
+          </a:bodyPr>
+          <a:lstStyle/>
+          <a:p>
+            <a:pPr>
+              <a:lnSpc>
+                <a:spcPct val="150000"/>
+              </a:lnSpc>
+            </a:pPr>
+            <a:r>
+              <a:rPr lang="es-ES" dirty="0">
+                <a:latin typeface="Myriad Pro" panose="020B0503030403020204" pitchFamily="34" charset="0"/>
+              </a:rPr>
+              <a:t>El valor predicho para cada observación es el número de divisiones promedio que se han necesitado para aislar dicha observación en el conjunto de árboles. Cuanto menor es este valor, mayor es la probabilidad de que se trate de una anomalía. Con frecuencia, se utiliza el término distancia para hacer referencia al número de divisiones promedio.</a:t>
+            </a:r>
+            <a:br>
+              <a:rPr lang="es-ES" dirty="0"/>
+            </a:br>
+            <a:endParaRPr lang="es-ES" dirty="0"/>
+          </a:p>
+        </p:txBody>
+      </p:sp>
+    </p:spTree>
+    <p:extLst>
+      <p:ext uri="{BB962C8B-B14F-4D97-AF65-F5344CB8AC3E}">
+        <p14:creationId xmlns:p14="http://schemas.microsoft.com/office/powerpoint/2010/main" val="1402765426"/>
       </p:ext>
     </p:extLst>
   </p:cSld>
@@ -11216,6 +15659,501 @@
     <p:extLst>
       <p:ext uri="{BB962C8B-B14F-4D97-AF65-F5344CB8AC3E}">
         <p14:creationId xmlns:p14="http://schemas.microsoft.com/office/powerpoint/2010/main" val="3202868349"/>
+      </p:ext>
+    </p:extLst>
+  </p:cSld>
+  <p:clrMapOvr>
+    <a:masterClrMapping/>
+  </p:clrMapOvr>
+</p:sld>
+</file>
+
+<file path=ppt/slides/slide50.xml><?xml version="1.0" encoding="utf-8"?>
+<p:sld xmlns:a="http://schemas.openxmlformats.org/drawingml/2006/main" xmlns:r="http://schemas.openxmlformats.org/officeDocument/2006/relationships" xmlns:p="http://schemas.openxmlformats.org/presentationml/2006/main">
+  <p:cSld>
+    <p:spTree>
+      <p:nvGrpSpPr>
+        <p:cNvPr id="1" name=""/>
+        <p:cNvGrpSpPr/>
+        <p:nvPr/>
+      </p:nvGrpSpPr>
+      <p:grpSpPr>
+        <a:xfrm>
+          <a:off x="0" y="0"/>
+          <a:ext cx="0" cy="0"/>
+          <a:chOff x="0" y="0"/>
+          <a:chExt cx="0" cy="0"/>
+        </a:xfrm>
+      </p:grpSpPr>
+      <p:sp>
+        <p:nvSpPr>
+          <p:cNvPr id="24" name="CuadroTexto 23">
+            <a:extLst>
+              <a:ext uri="{FF2B5EF4-FFF2-40B4-BE49-F238E27FC236}">
+                <a16:creationId xmlns:a16="http://schemas.microsoft.com/office/drawing/2014/main" id="{D35DB95D-2EA7-4D4E-8BF8-C4DDBAD8865C}"/>
+              </a:ext>
+            </a:extLst>
+          </p:cNvPr>
+          <p:cNvSpPr txBox="1"/>
+          <p:nvPr/>
+        </p:nvSpPr>
+        <p:spPr>
+          <a:xfrm>
+            <a:off x="615992" y="327637"/>
+            <a:ext cx="7615611" cy="584775"/>
+          </a:xfrm>
+          <a:prstGeom prst="rect">
+            <a:avLst/>
+          </a:prstGeom>
+          <a:noFill/>
+        </p:spPr>
+        <p:txBody>
+          <a:bodyPr wrap="none" rtlCol="0">
+            <a:spAutoFit/>
+          </a:bodyPr>
+          <a:lstStyle/>
+          <a:p>
+            <a:r>
+              <a:rPr lang="es-ES" sz="3200" b="1" dirty="0">
+                <a:solidFill>
+                  <a:srgbClr val="E6007E"/>
+                </a:solidFill>
+                <a:latin typeface="Myriad Pro" panose="020B0503030403020204" pitchFamily="34" charset="0"/>
+              </a:rPr>
+              <a:t>Detección anomalias con </a:t>
+            </a:r>
+            <a:r>
+              <a:rPr lang="es-ES" sz="3200" b="1" dirty="0" err="1">
+                <a:solidFill>
+                  <a:srgbClr val="E6007E"/>
+                </a:solidFill>
+                <a:latin typeface="Myriad Pro" panose="020B0503030403020204" pitchFamily="34" charset="0"/>
+              </a:rPr>
+              <a:t>Isolation</a:t>
+            </a:r>
+            <a:r>
+              <a:rPr lang="es-ES" sz="3200" b="1" dirty="0">
+                <a:solidFill>
+                  <a:srgbClr val="E6007E"/>
+                </a:solidFill>
+                <a:latin typeface="Myriad Pro" panose="020B0503030403020204" pitchFamily="34" charset="0"/>
+              </a:rPr>
+              <a:t> Forest</a:t>
+            </a:r>
+            <a:endParaRPr lang="es-ES" sz="3200" b="1" dirty="0">
+              <a:latin typeface="Myriad Pro" panose="020B0503030403020204" pitchFamily="34" charset="0"/>
+            </a:endParaRPr>
+          </a:p>
+        </p:txBody>
+      </p:sp>
+      <p:sp>
+        <p:nvSpPr>
+          <p:cNvPr id="6" name="CuadroTexto 5">
+            <a:extLst>
+              <a:ext uri="{FF2B5EF4-FFF2-40B4-BE49-F238E27FC236}">
+                <a16:creationId xmlns:a16="http://schemas.microsoft.com/office/drawing/2014/main" id="{F76C898F-F708-4162-9411-A4748104DFAE}"/>
+              </a:ext>
+            </a:extLst>
+          </p:cNvPr>
+          <p:cNvSpPr txBox="1"/>
+          <p:nvPr/>
+        </p:nvSpPr>
+        <p:spPr>
+          <a:xfrm>
+            <a:off x="492711" y="1361835"/>
+            <a:ext cx="11083593" cy="4524315"/>
+          </a:xfrm>
+          <a:prstGeom prst="rect">
+            <a:avLst/>
+          </a:prstGeom>
+          <a:noFill/>
+        </p:spPr>
+        <p:txBody>
+          <a:bodyPr wrap="square" rtlCol="0">
+            <a:spAutoFit/>
+          </a:bodyPr>
+          <a:lstStyle/>
+          <a:p>
+            <a:r>
+              <a:rPr lang="es-ES" b="1" dirty="0">
+                <a:latin typeface="Myriad Pro" panose="020B0503030403020204" pitchFamily="34" charset="0"/>
+              </a:rPr>
+              <a:t>Modelo</a:t>
+            </a:r>
+          </a:p>
+          <a:p>
+            <a:endParaRPr lang="es-ES" dirty="0">
+              <a:latin typeface="Myriad Pro" panose="020B0503030403020204" pitchFamily="34" charset="0"/>
+            </a:endParaRPr>
+          </a:p>
+          <a:p>
+            <a:r>
+              <a:rPr lang="es-ES" dirty="0">
+                <a:latin typeface="Myriad Pro" panose="020B0503030403020204" pitchFamily="34" charset="0"/>
+              </a:rPr>
+              <a:t>La clase </a:t>
+            </a:r>
+            <a:r>
+              <a:rPr lang="es-ES" b="1" i="1" dirty="0" err="1">
+                <a:latin typeface="Myriad Pro" panose="020B0503030403020204" pitchFamily="34" charset="0"/>
+              </a:rPr>
+              <a:t>sklearn.ensemble.IsolationForest</a:t>
+            </a:r>
+            <a:r>
+              <a:rPr lang="es-ES" b="1" i="1" dirty="0">
+                <a:latin typeface="Myriad Pro" panose="020B0503030403020204" pitchFamily="34" charset="0"/>
+              </a:rPr>
+              <a:t> </a:t>
+            </a:r>
+            <a:r>
+              <a:rPr lang="es-ES" dirty="0">
+                <a:latin typeface="Myriad Pro" panose="020B0503030403020204" pitchFamily="34" charset="0"/>
+              </a:rPr>
+              <a:t>incorpora las principales funcionalidades que se necesitan a la hora de trabajar con modelos </a:t>
+            </a:r>
+            <a:r>
+              <a:rPr lang="es-ES" dirty="0" err="1">
+                <a:latin typeface="Myriad Pro" panose="020B0503030403020204" pitchFamily="34" charset="0"/>
+              </a:rPr>
+              <a:t>Isolation</a:t>
+            </a:r>
+            <a:r>
+              <a:rPr lang="es-ES" dirty="0">
+                <a:latin typeface="Myriad Pro" panose="020B0503030403020204" pitchFamily="34" charset="0"/>
+              </a:rPr>
+              <a:t> Forest. </a:t>
+            </a:r>
+          </a:p>
+          <a:p>
+            <a:endParaRPr lang="es-ES" dirty="0">
+              <a:latin typeface="Myriad Pro" panose="020B0503030403020204" pitchFamily="34" charset="0"/>
+            </a:endParaRPr>
+          </a:p>
+          <a:p>
+            <a:r>
+              <a:rPr lang="es-ES" dirty="0">
+                <a:latin typeface="Myriad Pro" panose="020B0503030403020204" pitchFamily="34" charset="0"/>
+              </a:rPr>
+              <a:t>Los principales argumentos para entrenar este tipo de modelos son:</a:t>
+            </a:r>
+          </a:p>
+          <a:p>
+            <a:endParaRPr lang="es-ES" dirty="0">
+              <a:latin typeface="Myriad Pro" panose="020B0503030403020204" pitchFamily="34" charset="0"/>
+            </a:endParaRPr>
+          </a:p>
+          <a:p>
+            <a:r>
+              <a:rPr lang="es-ES" b="1" dirty="0" err="1">
+                <a:latin typeface="Myriad Pro" panose="020B0503030403020204" pitchFamily="34" charset="0"/>
+              </a:rPr>
+              <a:t>n_estimators</a:t>
+            </a:r>
+            <a:r>
+              <a:rPr lang="es-ES" dirty="0">
+                <a:latin typeface="Myriad Pro" panose="020B0503030403020204" pitchFamily="34" charset="0"/>
+              </a:rPr>
+              <a:t>: número de árboles que forman el modelo.</a:t>
+            </a:r>
+          </a:p>
+          <a:p>
+            <a:endParaRPr lang="es-ES" dirty="0">
+              <a:latin typeface="Myriad Pro" panose="020B0503030403020204" pitchFamily="34" charset="0"/>
+            </a:endParaRPr>
+          </a:p>
+          <a:p>
+            <a:r>
+              <a:rPr lang="es-ES" b="1" dirty="0" err="1">
+                <a:latin typeface="Myriad Pro" panose="020B0503030403020204" pitchFamily="34" charset="0"/>
+              </a:rPr>
+              <a:t>max_samples</a:t>
+            </a:r>
+            <a:r>
+              <a:rPr lang="es-ES" dirty="0">
+                <a:latin typeface="Myriad Pro" panose="020B0503030403020204" pitchFamily="34" charset="0"/>
+              </a:rPr>
+              <a:t>: número de observaciones empleadas para entrenar cada árbol.</a:t>
+            </a:r>
+          </a:p>
+          <a:p>
+            <a:endParaRPr lang="es-ES" dirty="0">
+              <a:latin typeface="Myriad Pro" panose="020B0503030403020204" pitchFamily="34" charset="0"/>
+            </a:endParaRPr>
+          </a:p>
+          <a:p>
+            <a:r>
+              <a:rPr lang="es-ES" b="1" dirty="0" err="1">
+                <a:latin typeface="Myriad Pro" panose="020B0503030403020204" pitchFamily="34" charset="0"/>
+              </a:rPr>
+              <a:t>contamination</a:t>
+            </a:r>
+            <a:r>
+              <a:rPr lang="es-ES" dirty="0">
+                <a:latin typeface="Myriad Pro" panose="020B0503030403020204" pitchFamily="34" charset="0"/>
+              </a:rPr>
+              <a:t>: proporción de anomalías esperadas en los datos de entrenamiento. </a:t>
+            </a:r>
+          </a:p>
+          <a:p>
+            <a:r>
+              <a:rPr lang="es-ES" dirty="0">
+                <a:latin typeface="Myriad Pro" panose="020B0503030403020204" pitchFamily="34" charset="0"/>
+              </a:rPr>
+              <a:t>En base a este valor, se establece el límite acorde al cual se clasifican las observaciones en normales o anómalas.</a:t>
+            </a:r>
+          </a:p>
+          <a:p>
+            <a:endParaRPr lang="es-ES" dirty="0">
+              <a:latin typeface="Myriad Pro" panose="020B0503030403020204" pitchFamily="34" charset="0"/>
+            </a:endParaRPr>
+          </a:p>
+          <a:p>
+            <a:r>
+              <a:rPr lang="es-ES" b="1" dirty="0" err="1">
+                <a:latin typeface="Myriad Pro" panose="020B0503030403020204" pitchFamily="34" charset="0"/>
+              </a:rPr>
+              <a:t>random_state</a:t>
+            </a:r>
+            <a:r>
+              <a:rPr lang="es-ES" dirty="0">
+                <a:latin typeface="Myriad Pro" panose="020B0503030403020204" pitchFamily="34" charset="0"/>
+              </a:rPr>
+              <a:t>: semilla para garantizar la reproducibilidad de los resultados.</a:t>
+            </a:r>
+          </a:p>
+          <a:p>
+            <a:endParaRPr lang="es-ES" dirty="0"/>
+          </a:p>
+        </p:txBody>
+      </p:sp>
+    </p:spTree>
+    <p:extLst>
+      <p:ext uri="{BB962C8B-B14F-4D97-AF65-F5344CB8AC3E}">
+        <p14:creationId xmlns:p14="http://schemas.microsoft.com/office/powerpoint/2010/main" val="712356761"/>
+      </p:ext>
+    </p:extLst>
+  </p:cSld>
+  <p:clrMapOvr>
+    <a:masterClrMapping/>
+  </p:clrMapOvr>
+</p:sld>
+</file>
+
+<file path=ppt/slides/slide51.xml><?xml version="1.0" encoding="utf-8"?>
+<p:sld xmlns:a="http://schemas.openxmlformats.org/drawingml/2006/main" xmlns:r="http://schemas.openxmlformats.org/officeDocument/2006/relationships" xmlns:p="http://schemas.openxmlformats.org/presentationml/2006/main">
+  <p:cSld>
+    <p:spTree>
+      <p:nvGrpSpPr>
+        <p:cNvPr id="1" name=""/>
+        <p:cNvGrpSpPr/>
+        <p:nvPr/>
+      </p:nvGrpSpPr>
+      <p:grpSpPr>
+        <a:xfrm>
+          <a:off x="0" y="0"/>
+          <a:ext cx="0" cy="0"/>
+          <a:chOff x="0" y="0"/>
+          <a:chExt cx="0" cy="0"/>
+        </a:xfrm>
+      </p:grpSpPr>
+      <p:sp>
+        <p:nvSpPr>
+          <p:cNvPr id="24" name="CuadroTexto 23">
+            <a:extLst>
+              <a:ext uri="{FF2B5EF4-FFF2-40B4-BE49-F238E27FC236}">
+                <a16:creationId xmlns:a16="http://schemas.microsoft.com/office/drawing/2014/main" id="{D35DB95D-2EA7-4D4E-8BF8-C4DDBAD8865C}"/>
+              </a:ext>
+            </a:extLst>
+          </p:cNvPr>
+          <p:cNvSpPr txBox="1"/>
+          <p:nvPr/>
+        </p:nvSpPr>
+        <p:spPr>
+          <a:xfrm>
+            <a:off x="615992" y="327637"/>
+            <a:ext cx="7615611" cy="584775"/>
+          </a:xfrm>
+          <a:prstGeom prst="rect">
+            <a:avLst/>
+          </a:prstGeom>
+          <a:noFill/>
+        </p:spPr>
+        <p:txBody>
+          <a:bodyPr wrap="none" rtlCol="0">
+            <a:spAutoFit/>
+          </a:bodyPr>
+          <a:lstStyle/>
+          <a:p>
+            <a:r>
+              <a:rPr lang="es-ES" sz="3200" b="1" dirty="0">
+                <a:solidFill>
+                  <a:srgbClr val="E6007E"/>
+                </a:solidFill>
+                <a:latin typeface="Myriad Pro" panose="020B0503030403020204" pitchFamily="34" charset="0"/>
+              </a:rPr>
+              <a:t>Detección anomalias con </a:t>
+            </a:r>
+            <a:r>
+              <a:rPr lang="es-ES" sz="3200" b="1" dirty="0" err="1">
+                <a:solidFill>
+                  <a:srgbClr val="E6007E"/>
+                </a:solidFill>
+                <a:latin typeface="Myriad Pro" panose="020B0503030403020204" pitchFamily="34" charset="0"/>
+              </a:rPr>
+              <a:t>Isolation</a:t>
+            </a:r>
+            <a:r>
+              <a:rPr lang="es-ES" sz="3200" b="1" dirty="0">
+                <a:solidFill>
+                  <a:srgbClr val="E6007E"/>
+                </a:solidFill>
+                <a:latin typeface="Myriad Pro" panose="020B0503030403020204" pitchFamily="34" charset="0"/>
+              </a:rPr>
+              <a:t> Forest</a:t>
+            </a:r>
+            <a:endParaRPr lang="es-ES" sz="3200" b="1" dirty="0">
+              <a:latin typeface="Myriad Pro" panose="020B0503030403020204" pitchFamily="34" charset="0"/>
+            </a:endParaRPr>
+          </a:p>
+        </p:txBody>
+      </p:sp>
+      <p:sp>
+        <p:nvSpPr>
+          <p:cNvPr id="6" name="CuadroTexto 5">
+            <a:extLst>
+              <a:ext uri="{FF2B5EF4-FFF2-40B4-BE49-F238E27FC236}">
+                <a16:creationId xmlns:a16="http://schemas.microsoft.com/office/drawing/2014/main" id="{F76C898F-F708-4162-9411-A4748104DFAE}"/>
+              </a:ext>
+            </a:extLst>
+          </p:cNvPr>
+          <p:cNvSpPr txBox="1"/>
+          <p:nvPr/>
+        </p:nvSpPr>
+        <p:spPr>
+          <a:xfrm>
+            <a:off x="492711" y="1361835"/>
+            <a:ext cx="11083593" cy="3970318"/>
+          </a:xfrm>
+          <a:prstGeom prst="rect">
+            <a:avLst/>
+          </a:prstGeom>
+          <a:noFill/>
+        </p:spPr>
+        <p:txBody>
+          <a:bodyPr wrap="square" rtlCol="0">
+            <a:spAutoFit/>
+          </a:bodyPr>
+          <a:lstStyle/>
+          <a:p>
+            <a:r>
+              <a:rPr lang="es-ES" b="1" dirty="0">
+                <a:latin typeface="Myriad Pro" panose="020B0503030403020204" pitchFamily="34" charset="0"/>
+              </a:rPr>
+              <a:t>Predicción</a:t>
+            </a:r>
+          </a:p>
+          <a:p>
+            <a:endParaRPr lang="es-ES" dirty="0">
+              <a:latin typeface="Myriad Pro" panose="020B0503030403020204" pitchFamily="34" charset="0"/>
+            </a:endParaRPr>
+          </a:p>
+          <a:p>
+            <a:r>
+              <a:rPr lang="es-ES" dirty="0">
+                <a:latin typeface="Myriad Pro" panose="020B0503030403020204" pitchFamily="34" charset="0"/>
+              </a:rPr>
+              <a:t>Los modelos </a:t>
+            </a:r>
+            <a:r>
+              <a:rPr lang="es-ES" dirty="0" err="1">
+                <a:latin typeface="Myriad Pro" panose="020B0503030403020204" pitchFamily="34" charset="0"/>
+              </a:rPr>
+              <a:t>IsolationForest</a:t>
+            </a:r>
+            <a:r>
+              <a:rPr lang="es-ES" dirty="0">
+                <a:latin typeface="Myriad Pro" panose="020B0503030403020204" pitchFamily="34" charset="0"/>
+              </a:rPr>
+              <a:t> tienen dos métodos de predicción con los que se obtiene distinta información.</a:t>
+            </a:r>
+          </a:p>
+          <a:p>
+            <a:endParaRPr lang="es-ES" dirty="0">
+              <a:latin typeface="Myriad Pro" panose="020B0503030403020204" pitchFamily="34" charset="0"/>
+            </a:endParaRPr>
+          </a:p>
+          <a:p>
+            <a:r>
+              <a:rPr lang="es-ES" dirty="0">
+                <a:latin typeface="Myriad Pro" panose="020B0503030403020204" pitchFamily="34" charset="0"/>
+              </a:rPr>
+              <a:t>Con el método </a:t>
+            </a:r>
+            <a:r>
+              <a:rPr lang="es-ES" b="1" dirty="0" err="1">
+                <a:latin typeface="Myriad Pro" panose="020B0503030403020204" pitchFamily="34" charset="0"/>
+              </a:rPr>
+              <a:t>predict</a:t>
+            </a:r>
+            <a:r>
+              <a:rPr lang="es-ES" b="1" dirty="0">
+                <a:latin typeface="Myriad Pro" panose="020B0503030403020204" pitchFamily="34" charset="0"/>
+              </a:rPr>
+              <a:t>() </a:t>
+            </a:r>
+            <a:r>
+              <a:rPr lang="es-ES" dirty="0">
+                <a:latin typeface="Myriad Pro" panose="020B0503030403020204" pitchFamily="34" charset="0"/>
+              </a:rPr>
+              <a:t>se devuelve directamente la clasificación de anomalía (-1) o no anomalía (1) acorde a la proporción de contaminación que se ha indicado en la definición del modelo.</a:t>
+            </a:r>
+          </a:p>
+          <a:p>
+            <a:endParaRPr lang="es-ES" dirty="0">
+              <a:latin typeface="Myriad Pro" panose="020B0503030403020204" pitchFamily="34" charset="0"/>
+            </a:endParaRPr>
+          </a:p>
+          <a:p>
+            <a:r>
+              <a:rPr lang="es-ES" dirty="0"/>
+              <a:t>Con el método </a:t>
+            </a:r>
+            <a:r>
+              <a:rPr lang="es-ES" b="1" dirty="0" err="1"/>
+              <a:t>score_samples</a:t>
+            </a:r>
+            <a:r>
+              <a:rPr lang="es-ES" b="1" dirty="0"/>
+              <a:t>(), </a:t>
+            </a:r>
+            <a:r>
+              <a:rPr lang="es-ES" dirty="0"/>
+              <a:t>en lugar de la clasificación, se obtiene el valor de anomalía predicho por el modelo. Es importante destacar que este valor no es la distancia de aislamiento promedio, sino una normalización de la misma propuesta en el </a:t>
+            </a:r>
+            <a:r>
+              <a:rPr lang="es-ES" dirty="0" err="1"/>
+              <a:t>paper</a:t>
+            </a:r>
+            <a:r>
+              <a:rPr lang="es-ES" dirty="0"/>
+              <a:t> original.</a:t>
+            </a:r>
+          </a:p>
+          <a:p>
+            <a:endParaRPr lang="es-ES" dirty="0"/>
+          </a:p>
+          <a:p>
+            <a:r>
+              <a:rPr lang="es-ES" dirty="0"/>
+              <a:t>Como resultado de la normalización, y de multiplicarla por -1, los valores de anomalía quedan acotados en el rango [-1, 0]. Cuanto más próximo a -1 es el valor, mayor evidencia de anomalía. Valores entre -0.5 y 0 son los esperados para observaciones normales.</a:t>
+            </a:r>
+          </a:p>
+        </p:txBody>
+      </p:sp>
+    </p:spTree>
+    <p:extLst>
+      <p:ext uri="{BB962C8B-B14F-4D97-AF65-F5344CB8AC3E}">
+        <p14:creationId xmlns:p14="http://schemas.microsoft.com/office/powerpoint/2010/main" val="1687279108"/>
       </p:ext>
     </p:extLst>
   </p:cSld>
@@ -12528,6 +17466,15 @@
 </file>
 
 <file path=customXml/item1.xml><?xml version="1.0" encoding="utf-8"?>
+<?mso-contentType ?>
+<FormTemplates xmlns="http://schemas.microsoft.com/sharepoint/v3/contenttype/forms">
+  <Display>DocumentLibraryForm</Display>
+  <Edit>DocumentLibraryForm</Edit>
+  <New>DocumentLibraryForm</New>
+</FormTemplates>
+</file>
+
+<file path=customXml/item2.xml><?xml version="1.0" encoding="utf-8"?>
 <p:properties xmlns:p="http://schemas.microsoft.com/office/2006/metadata/properties" xmlns:xsi="http://www.w3.org/2001/XMLSchema-instance" xmlns:pc="http://schemas.microsoft.com/office/infopath/2007/PartnerControls">
   <documentManagement>
     <SharedWithUsers xmlns="2898a396-3212-4d71-91ad-7ce016bf0ee6">
@@ -12539,15 +17486,6 @@
     </SharedWithUsers>
   </documentManagement>
 </p:properties>
-</file>
-
-<file path=customXml/item2.xml><?xml version="1.0" encoding="utf-8"?>
-<?mso-contentType ?>
-<FormTemplates xmlns="http://schemas.microsoft.com/sharepoint/v3/contenttype/forms">
-  <Display>DocumentLibraryForm</Display>
-  <Edit>DocumentLibraryForm</Edit>
-  <New>DocumentLibraryForm</New>
-</FormTemplates>
 </file>
 
 <file path=customXml/item3.xml><?xml version="1.0" encoding="utf-8"?>
@@ -12774,6 +17712,14 @@
 </file>
 
 <file path=customXml/itemProps1.xml><?xml version="1.0" encoding="utf-8"?>
+<ds:datastoreItem xmlns:ds="http://schemas.openxmlformats.org/officeDocument/2006/customXml" ds:itemID="{C6D1EF25-32DF-4C79-9C63-82D2191B34ED}">
+  <ds:schemaRefs>
+    <ds:schemaRef ds:uri="http://schemas.microsoft.com/sharepoint/v3/contenttype/forms"/>
+  </ds:schemaRefs>
+</ds:datastoreItem>
+</file>
+
+<file path=customXml/itemProps2.xml><?xml version="1.0" encoding="utf-8"?>
 <ds:datastoreItem xmlns:ds="http://schemas.openxmlformats.org/officeDocument/2006/customXml" ds:itemID="{DE865355-F828-44C0-BB9D-50DF9BCDABAD}">
   <ds:schemaRefs>
     <ds:schemaRef ds:uri="http://purl.org/dc/terms/"/>
@@ -12786,14 +17732,6 @@
     <ds:schemaRef ds:uri="b4a39d85-fc84-4ac6-a778-97979c318145"/>
     <ds:schemaRef ds:uri="http://www.w3.org/XML/1998/namespace"/>
     <ds:schemaRef ds:uri="http://purl.org/dc/dcmitype/"/>
-  </ds:schemaRefs>
-</ds:datastoreItem>
-</file>
-
-<file path=customXml/itemProps2.xml><?xml version="1.0" encoding="utf-8"?>
-<ds:datastoreItem xmlns:ds="http://schemas.openxmlformats.org/officeDocument/2006/customXml" ds:itemID="{C6D1EF25-32DF-4C79-9C63-82D2191B34ED}">
-  <ds:schemaRefs>
-    <ds:schemaRef ds:uri="http://schemas.microsoft.com/sharepoint/v3/contenttype/forms"/>
   </ds:schemaRefs>
 </ds:datastoreItem>
 </file>
